--- a/分享.pptx
+++ b/分享.pptx
@@ -18,14 +18,12 @@
     <p:sldId id="300" r:id="rId12"/>
     <p:sldId id="414" r:id="rId13"/>
     <p:sldId id="383" r:id="rId14"/>
-    <p:sldId id="390" r:id="rId15"/>
-    <p:sldId id="388" r:id="rId16"/>
-    <p:sldId id="389" r:id="rId17"/>
-    <p:sldId id="391" r:id="rId18"/>
-    <p:sldId id="392" r:id="rId19"/>
-    <p:sldId id="395" r:id="rId20"/>
-    <p:sldId id="397" r:id="rId21"/>
-    <p:sldId id="398" r:id="rId22"/>
+    <p:sldId id="388" r:id="rId15"/>
+    <p:sldId id="389" r:id="rId16"/>
+    <p:sldId id="391" r:id="rId17"/>
+    <p:sldId id="392" r:id="rId18"/>
+    <p:sldId id="395" r:id="rId19"/>
+    <p:sldId id="397" r:id="rId20"/>
   </p:sldIdLst>
   <p:sldSz cx="9144000" cy="5143500" type="screen16x9"/>
   <p:notesSz cx="6858000" cy="9144000"/>
@@ -392,7 +390,7 @@
             <a:fld id="{25D17C82-9B32-40A6-8F74-6C9772353D20}" type="datetimeFigureOut">
               <a:rPr lang="zh-CN" altLang="en-US" smtClean="0"/>
               <a:pPr/>
-              <a:t>2019/11/13 Wednesday</a:t>
+              <a:t>2019/11/17 Sunday</a:t>
             </a:fld>
             <a:endParaRPr lang="zh-CN" altLang="en-US"/>
           </a:p>
@@ -2738,7 +2736,7 @@
       </p:grpSpPr>
       <p:pic>
         <p:nvPicPr>
-          <p:cNvPr id="6146" name="Picture 4" descr="E:\常规物料\PPT规范\模板\PPT规范设计-15-15.png"/>
+          <p:cNvPr id="5121" name="Picture 2" descr="E:\线下推广\PPT规范\模板\PPT规范设计_8.jpg"/>
           <p:cNvPicPr>
             <a:picLocks noChangeAspect="1"/>
           </p:cNvPicPr>
@@ -2752,8 +2750,8 @@
         </p:blipFill>
         <p:spPr>
           <a:xfrm>
-            <a:off x="5516563" y="227013"/>
-            <a:ext cx="3627437" cy="350837"/>
+            <a:off x="0" y="0"/>
+            <a:ext cx="9144000" cy="5145088"/>
           </a:xfrm>
           <a:prstGeom prst="rect">
             <a:avLst/>
@@ -2766,7 +2764,7 @@
       </p:pic>
       <p:pic>
         <p:nvPicPr>
-          <p:cNvPr id="5" name="图片 4" descr="e19b7484259cfc36efca000392815273"/>
+          <p:cNvPr id="5122" name="Picture 2" descr="E:\线下推广\常规物料\PPT规范\未标题-1-01.png"/>
           <p:cNvPicPr>
             <a:picLocks noChangeAspect="1"/>
           </p:cNvPicPr>
@@ -2780,24 +2778,28 @@
         </p:blipFill>
         <p:spPr>
           <a:xfrm>
-            <a:off x="344805" y="306070"/>
-            <a:ext cx="1473835" cy="1485265"/>
-          </a:xfrm>
-          <a:prstGeom prst="rect">
-            <a:avLst/>
-          </a:prstGeom>
+            <a:off x="1878013" y="2024063"/>
+            <a:ext cx="5387975" cy="792162"/>
+          </a:xfrm>
+          <a:prstGeom prst="rect">
+            <a:avLst/>
+          </a:prstGeom>
+          <a:noFill/>
+          <a:ln w="9525">
+            <a:noFill/>
+          </a:ln>
         </p:spPr>
       </p:pic>
       <p:sp>
         <p:nvSpPr>
-          <p:cNvPr id="7" name="文本框 6"/>
+          <p:cNvPr id="5" name="TextBox 4"/>
           <p:cNvSpPr txBox="1"/>
           <p:nvPr/>
         </p:nvSpPr>
         <p:spPr>
           <a:xfrm>
-            <a:off x="2803525" y="2279650"/>
-            <a:ext cx="3537585" cy="583565"/>
+            <a:off x="2089150" y="2170113"/>
+            <a:ext cx="4603120" cy="523220"/>
           </a:xfrm>
           <a:prstGeom prst="rect">
             <a:avLst/>
@@ -2805,16 +2807,80 @@
           <a:noFill/>
         </p:spPr>
         <p:txBody>
-          <a:bodyPr wrap="square" rtlCol="0">
+          <a:bodyPr wrap="none" rtlCol="0">
             <a:spAutoFit/>
           </a:bodyPr>
           <a:lstStyle/>
           <a:p>
-            <a:r>
-              <a:rPr lang="en-US" altLang="zh-CN" sz="3200" dirty="0" smtClean="0"/>
-              <a:t>Kafka or RabbitMQ?</a:t>
-            </a:r>
-            <a:endParaRPr lang="zh-CN" altLang="en-US" sz="3200" dirty="0"/>
+            <a:pPr rtl="0" fontAlgn="auto">
+              <a:spcBef>
+                <a:spcPts val="0"/>
+              </a:spcBef>
+              <a:spcAft>
+                <a:spcPts val="0"/>
+              </a:spcAft>
+              <a:defRPr/>
+            </a:pPr>
+            <a:r>
+              <a:rPr lang="zh-CN" altLang="en-US" sz="2600" b="1" spc="300" noProof="0" dirty="0" smtClean="0">
+                <a:solidFill>
+                  <a:schemeClr val="bg1"/>
+                </a:solidFill>
+                <a:latin typeface="微软雅黑" panose="020B0503020204020204" pitchFamily="34" charset="-122"/>
+                <a:ea typeface="微软雅黑" panose="020B0503020204020204" pitchFamily="34" charset="-122"/>
+                <a:sym typeface="+mn-ea"/>
+              </a:rPr>
+              <a:t>第三</a:t>
+            </a:r>
+            <a:r>
+              <a:rPr lang="zh-CN" altLang="en-US" sz="2600" b="1" spc="300" noProof="0" dirty="0" smtClean="0">
+                <a:solidFill>
+                  <a:schemeClr val="bg1"/>
+                </a:solidFill>
+                <a:latin typeface="微软雅黑" panose="020B0503020204020204" pitchFamily="34" charset="-122"/>
+                <a:ea typeface="微软雅黑" panose="020B0503020204020204" pitchFamily="34" charset="-122"/>
+                <a:sym typeface="+mn-ea"/>
+              </a:rPr>
+              <a:t>章  </a:t>
+            </a:r>
+            <a:r>
+              <a:rPr lang="en-US" altLang="zh-CN" sz="2800" b="1" spc="300" dirty="0" smtClean="0">
+                <a:solidFill>
+                  <a:schemeClr val="bg1"/>
+                </a:solidFill>
+                <a:latin typeface="微软雅黑" panose="020B0503020204020204" pitchFamily="34" charset="-122"/>
+                <a:ea typeface="微软雅黑" panose="020B0503020204020204" pitchFamily="34" charset="-122"/>
+              </a:rPr>
+              <a:t>JMS VS</a:t>
+            </a:r>
+            <a:r>
+              <a:rPr lang="zh-CN" altLang="en-US" sz="2800" b="1" spc="300" dirty="0" smtClean="0">
+                <a:solidFill>
+                  <a:schemeClr val="bg1"/>
+                </a:solidFill>
+                <a:latin typeface="微软雅黑" panose="020B0503020204020204" pitchFamily="34" charset="-122"/>
+                <a:ea typeface="微软雅黑" panose="020B0503020204020204" pitchFamily="34" charset="-122"/>
+              </a:rPr>
+              <a:t> </a:t>
+            </a:r>
+            <a:r>
+              <a:rPr lang="en-US" altLang="zh-CN" sz="2800" b="1" spc="300" dirty="0" smtClean="0">
+                <a:solidFill>
+                  <a:schemeClr val="bg1"/>
+                </a:solidFill>
+                <a:latin typeface="微软雅黑" panose="020B0503020204020204" pitchFamily="34" charset="-122"/>
+                <a:ea typeface="微软雅黑" panose="020B0503020204020204" pitchFamily="34" charset="-122"/>
+              </a:rPr>
+              <a:t>AMQP</a:t>
+            </a:r>
+            <a:endParaRPr kumimoji="0" lang="zh-CN" altLang="en-US" sz="2600" b="1" kern="1200" cap="none" spc="300" normalizeH="0" baseline="0" noProof="0" dirty="0">
+              <a:solidFill>
+                <a:schemeClr val="bg1"/>
+              </a:solidFill>
+              <a:latin typeface="微软雅黑" panose="020B0503020204020204" pitchFamily="34" charset="-122"/>
+              <a:ea typeface="微软雅黑" panose="020B0503020204020204" pitchFamily="34" charset="-122"/>
+              <a:cs typeface="+mn-cs"/>
+            </a:endParaRPr>
           </a:p>
         </p:txBody>
       </p:sp>
@@ -2852,7 +2918,7 @@
       </p:grpSpPr>
       <p:pic>
         <p:nvPicPr>
-          <p:cNvPr id="5121" name="Picture 2" descr="E:\线下推广\PPT规范\模板\PPT规范设计_8.jpg"/>
+          <p:cNvPr id="6146" name="Picture 4" descr="E:\常规物料\PPT规范\模板\PPT规范设计-15-15.png"/>
           <p:cNvPicPr>
             <a:picLocks noChangeAspect="1"/>
           </p:cNvPicPr>
@@ -2866,8 +2932,8 @@
         </p:blipFill>
         <p:spPr>
           <a:xfrm>
-            <a:off x="0" y="0"/>
-            <a:ext cx="9144000" cy="5145088"/>
+            <a:off x="5516563" y="227013"/>
+            <a:ext cx="3627437" cy="350837"/>
           </a:xfrm>
           <a:prstGeom prst="rect">
             <a:avLst/>
@@ -2878,87 +2944,68 @@
           </a:ln>
         </p:spPr>
       </p:pic>
-      <p:pic>
-        <p:nvPicPr>
-          <p:cNvPr id="5122" name="Picture 2" descr="E:\线下推广\常规物料\PPT规范\未标题-1-01.png"/>
-          <p:cNvPicPr>
-            <a:picLocks noChangeAspect="1"/>
-          </p:cNvPicPr>
-          <p:nvPr/>
-        </p:nvPicPr>
-        <p:blipFill>
-          <a:blip r:embed="rId3" cstate="print"/>
-          <a:stretch>
-            <a:fillRect/>
-          </a:stretch>
-        </p:blipFill>
-        <p:spPr>
-          <a:xfrm>
-            <a:off x="1878013" y="2024063"/>
-            <a:ext cx="5387975" cy="792162"/>
-          </a:xfrm>
-          <a:prstGeom prst="rect">
-            <a:avLst/>
-          </a:prstGeom>
-          <a:noFill/>
-          <a:ln w="9525">
-            <a:noFill/>
-          </a:ln>
-        </p:spPr>
-      </p:pic>
       <p:sp>
         <p:nvSpPr>
-          <p:cNvPr id="5" name="TextBox 4"/>
-          <p:cNvSpPr txBox="1"/>
+          <p:cNvPr id="8" name="标题 1">
+            <a:extLst>
+              <a:ext uri="{FF2B5EF4-FFF2-40B4-BE49-F238E27FC236}">
+                <a16:creationId xmlns="" xmlns:a16="http://schemas.microsoft.com/office/drawing/2014/main" id="{BB5671AB-14FF-43CB-8757-7662068957EB}"/>
+              </a:ext>
+            </a:extLst>
+          </p:cNvPr>
+          <p:cNvSpPr txBox="1">
+            <a:spLocks/>
+          </p:cNvSpPr>
           <p:nvPr/>
         </p:nvSpPr>
         <p:spPr>
           <a:xfrm>
-            <a:off x="2089150" y="2170113"/>
-            <a:ext cx="3634105" cy="491490"/>
-          </a:xfrm>
-          <a:prstGeom prst="rect">
-            <a:avLst/>
-          </a:prstGeom>
-          <a:noFill/>
+            <a:off x="628650" y="273844"/>
+            <a:ext cx="5527526" cy="641722"/>
+          </a:xfrm>
+          <a:prstGeom prst="rect">
+            <a:avLst/>
+          </a:prstGeom>
         </p:spPr>
         <p:txBody>
-          <a:bodyPr wrap="none" rtlCol="0">
-            <a:spAutoFit/>
-          </a:bodyPr>
+          <a:bodyPr/>
           <a:lstStyle/>
           <a:p>
-            <a:pPr marR="0" algn="l" defTabSz="914400" rtl="0" fontAlgn="auto">
-              <a:spcBef>
-                <a:spcPts val="0"/>
-              </a:spcBef>
+            <a:pPr lvl="0" rtl="0" fontAlgn="auto">
               <a:spcAft>
                 <a:spcPts val="0"/>
               </a:spcAft>
-              <a:buClrTx/>
-              <a:buSzTx/>
-              <a:buFontTx/>
-              <a:buNone/>
-              <a:defRPr/>
             </a:pPr>
             <a:r>
-              <a:rPr lang="zh-CN" altLang="en-US" sz="2600" b="1" spc="300" noProof="0" dirty="0" smtClean="0">
+              <a:rPr kumimoji="0" lang="en-US" altLang="zh-CN" sz="2800" b="0" i="0" u="none" strike="noStrike" kern="1200" cap="none" spc="0" normalizeH="0" baseline="0" noProof="0" dirty="0" smtClean="0">
+                <a:ln>
+                  <a:noFill/>
+                </a:ln>
                 <a:solidFill>
-                  <a:schemeClr val="bg1"/>
+                  <a:schemeClr val="tx1"/>
                 </a:solidFill>
-                <a:latin typeface="微软雅黑" panose="020B0503020204020204" pitchFamily="34" charset="-122"/>
-                <a:ea typeface="微软雅黑" panose="020B0503020204020204" pitchFamily="34" charset="-122"/>
-                <a:sym typeface="+mn-ea"/>
-              </a:rPr>
-              <a:t>第三章 缓存粒度控制</a:t>
-            </a:r>
-            <a:endParaRPr kumimoji="0" lang="zh-CN" altLang="en-US" sz="2600" b="1" kern="1200" cap="none" spc="300" normalizeH="0" baseline="0" noProof="0" dirty="0">
+                <a:effectLst/>
+                <a:uLnTx/>
+                <a:uFillTx/>
+                <a:latin typeface="+mj-lt"/>
+                <a:ea typeface="+mj-ea"/>
+                <a:cs typeface="+mj-cs"/>
+              </a:rPr>
+              <a:t>JMS</a:t>
+            </a:r>
+            <a:endParaRPr kumimoji="0" lang="zh-CN" altLang="en-US" sz="2800" b="0" i="0" u="none" strike="noStrike" kern="1200" cap="none" spc="0" normalizeH="0" baseline="0" noProof="0" dirty="0">
+              <a:ln>
+                <a:noFill/>
+              </a:ln>
               <a:solidFill>
-                <a:schemeClr val="bg1"/>
+                <a:schemeClr val="tx1"/>
               </a:solidFill>
-              <a:latin typeface="微软雅黑" panose="020B0503020204020204" pitchFamily="34" charset="-122"/>
-              <a:ea typeface="微软雅黑" panose="020B0503020204020204" pitchFamily="34" charset="-122"/>
-              <a:cs typeface="+mn-cs"/>
+              <a:effectLst/>
+              <a:uLnTx/>
+              <a:uFillTx/>
+              <a:latin typeface="+mj-lt"/>
+              <a:ea typeface="+mj-ea"/>
+              <a:cs typeface="+mj-cs"/>
             </a:endParaRPr>
           </a:p>
         </p:txBody>
@@ -2968,13 +3015,6 @@
   <p:clrMapOvr>
     <a:masterClrMapping/>
   </p:clrMapOvr>
-  <p:timing>
-    <p:tnLst>
-      <p:par>
-        <p:cTn id="1" dur="indefinite" restart="never" nodeType="tmRoot"/>
-      </p:par>
-    </p:tnLst>
-  </p:timing>
 </p:sld>
 </file>
 
@@ -3021,104 +3061,6 @@
           <a:ln w="9525">
             <a:noFill/>
           </a:ln>
-        </p:spPr>
-      </p:pic>
-      <p:sp>
-        <p:nvSpPr>
-          <p:cNvPr id="6" name="文本框 5"/>
-          <p:cNvSpPr txBox="1"/>
-          <p:nvPr/>
-        </p:nvSpPr>
-        <p:spPr>
-          <a:xfrm>
-            <a:off x="438150" y="419735"/>
-            <a:ext cx="2273935" cy="398780"/>
-          </a:xfrm>
-          <a:prstGeom prst="rect">
-            <a:avLst/>
-          </a:prstGeom>
-          <a:noFill/>
-        </p:spPr>
-        <p:txBody>
-          <a:bodyPr wrap="square" rtlCol="0">
-            <a:spAutoFit/>
-          </a:bodyPr>
-          <a:lstStyle/>
-          <a:p>
-            <a:r>
-              <a:rPr lang="en-US" altLang="zh-CN" sz="2000"/>
-              <a:t>key</a:t>
-            </a:r>
-            <a:r>
-              <a:rPr lang="zh-CN" altLang="zh-CN" sz="2000"/>
-              <a:t>粒度控制</a:t>
-            </a:r>
-          </a:p>
-        </p:txBody>
-      </p:sp>
-      <p:sp>
-        <p:nvSpPr>
-          <p:cNvPr id="7" name="文本框 6"/>
-          <p:cNvSpPr txBox="1"/>
-          <p:nvPr/>
-        </p:nvSpPr>
-        <p:spPr>
-          <a:xfrm>
-            <a:off x="5815330" y="4420235"/>
-            <a:ext cx="2942590" cy="460375"/>
-          </a:xfrm>
-          <a:prstGeom prst="rect">
-            <a:avLst/>
-          </a:prstGeom>
-          <a:noFill/>
-        </p:spPr>
-        <p:txBody>
-          <a:bodyPr wrap="square" rtlCol="0">
-            <a:spAutoFit/>
-          </a:bodyPr>
-          <a:lstStyle/>
-          <a:p>
-            <a:r>
-              <a:rPr lang="en-US" altLang="zh-CN" sz="2400"/>
-              <a:t>Java</a:t>
-            </a:r>
-            <a:r>
-              <a:rPr lang="zh-CN" altLang="en-US" sz="2400"/>
-              <a:t>是一门</a:t>
-            </a:r>
-            <a:r>
-              <a:rPr lang="en-US" altLang="zh-CN" sz="2400"/>
-              <a:t>****</a:t>
-            </a:r>
-            <a:r>
-              <a:rPr lang="zh-CN" altLang="en-US" sz="2400"/>
-              <a:t>语言</a:t>
-            </a:r>
-          </a:p>
-        </p:txBody>
-      </p:sp>
-      <p:pic>
-        <p:nvPicPr>
-          <p:cNvPr id="2" name="图片 1"/>
-          <p:cNvPicPr>
-            <a:picLocks noChangeAspect="1"/>
-          </p:cNvPicPr>
-          <p:nvPr/>
-        </p:nvPicPr>
-        <p:blipFill>
-          <a:blip r:embed="rId3" cstate="print"/>
-          <a:stretch>
-            <a:fillRect/>
-          </a:stretch>
-        </p:blipFill>
-        <p:spPr>
-          <a:xfrm>
-            <a:off x="2309495" y="1495425"/>
-            <a:ext cx="4524375" cy="2152650"/>
-          </a:xfrm>
-          <a:prstGeom prst="rect">
-            <a:avLst/>
-          </a:prstGeom>
         </p:spPr>
       </p:pic>
     </p:spTree>
@@ -3148,7 +3090,7 @@
       </p:grpSpPr>
       <p:pic>
         <p:nvPicPr>
-          <p:cNvPr id="6146" name="Picture 4" descr="E:\常规物料\PPT规范\模板\PPT规范设计-15-15.png"/>
+          <p:cNvPr id="5121" name="Picture 2" descr="E:\线下推广\PPT规范\模板\PPT规范设计_8.jpg"/>
           <p:cNvPicPr>
             <a:picLocks noChangeAspect="1"/>
           </p:cNvPicPr>
@@ -3162,130 +3104,7 @@
         </p:blipFill>
         <p:spPr>
           <a:xfrm>
-            <a:off x="5516563" y="227013"/>
-            <a:ext cx="3627437" cy="350837"/>
-          </a:xfrm>
-          <a:prstGeom prst="rect">
-            <a:avLst/>
-          </a:prstGeom>
-          <a:noFill/>
-          <a:ln w="9525">
-            <a:noFill/>
-          </a:ln>
-        </p:spPr>
-      </p:pic>
-      <p:sp>
-        <p:nvSpPr>
-          <p:cNvPr id="6" name="文本框 5"/>
-          <p:cNvSpPr txBox="1"/>
-          <p:nvPr/>
-        </p:nvSpPr>
-        <p:spPr>
-          <a:xfrm>
-            <a:off x="438150" y="419735"/>
-            <a:ext cx="2273935" cy="398780"/>
-          </a:xfrm>
-          <a:prstGeom prst="rect">
-            <a:avLst/>
-          </a:prstGeom>
-          <a:noFill/>
-        </p:spPr>
-        <p:txBody>
-          <a:bodyPr wrap="square" rtlCol="0">
-            <a:spAutoFit/>
-          </a:bodyPr>
-          <a:lstStyle/>
-          <a:p>
-            <a:r>
-              <a:rPr lang="en-US" altLang="zh-CN" sz="2000"/>
-              <a:t>value</a:t>
-            </a:r>
-            <a:r>
-              <a:rPr lang="zh-CN" altLang="zh-CN" sz="2000"/>
-              <a:t>粒度控制</a:t>
-            </a:r>
-          </a:p>
-        </p:txBody>
-      </p:sp>
-      <p:sp>
-        <p:nvSpPr>
-          <p:cNvPr id="2" name="文本框 1"/>
-          <p:cNvSpPr txBox="1"/>
-          <p:nvPr/>
-        </p:nvSpPr>
-        <p:spPr>
-          <a:xfrm>
-            <a:off x="2173605" y="2155825"/>
-            <a:ext cx="4293870" cy="706755"/>
-          </a:xfrm>
-          <a:prstGeom prst="rect">
-            <a:avLst/>
-          </a:prstGeom>
-          <a:noFill/>
-        </p:spPr>
-        <p:txBody>
-          <a:bodyPr wrap="square" rtlCol="0">
-            <a:spAutoFit/>
-          </a:bodyPr>
-          <a:lstStyle/>
-          <a:p>
-            <a:r>
-              <a:rPr lang="zh-CN" altLang="zh-CN" sz="2000"/>
-              <a:t>缓存用户信息，假如用户表有</a:t>
-            </a:r>
-            <a:r>
-              <a:rPr lang="en-US" altLang="zh-CN" sz="2000"/>
-              <a:t>100</a:t>
-            </a:r>
-            <a:r>
-              <a:rPr lang="zh-CN" altLang="en-US" sz="2000"/>
-              <a:t>列，需要缓存到什么维度呢？</a:t>
-            </a:r>
-          </a:p>
-        </p:txBody>
-      </p:sp>
-    </p:spTree>
-  </p:cSld>
-  <p:clrMapOvr>
-    <a:masterClrMapping/>
-  </p:clrMapOvr>
-</p:sld>
-</file>
-
-<file path=ppt/slides/slide18.xml><?xml version="1.0" encoding="utf-8"?>
-<p:sld xmlns:a="http://schemas.openxmlformats.org/drawingml/2006/main" xmlns:r="http://schemas.openxmlformats.org/officeDocument/2006/relationships" xmlns:p="http://schemas.openxmlformats.org/presentationml/2006/main">
-  <p:cSld>
-    <p:spTree>
-      <p:nvGrpSpPr>
-        <p:cNvPr id="1" name=""/>
-        <p:cNvGrpSpPr/>
-        <p:nvPr/>
-      </p:nvGrpSpPr>
-      <p:grpSpPr>
-        <a:xfrm>
-          <a:off x="0" y="0"/>
-          <a:ext cx="0" cy="0"/>
-          <a:chOff x="0" y="0"/>
-          <a:chExt cx="0" cy="0"/>
-        </a:xfrm>
-      </p:grpSpPr>
-      <p:pic>
-        <p:nvPicPr>
-          <p:cNvPr id="5121" name="Picture 2" descr="E:\线下推广\PPT规范\模板\PPT规范设计_8.jpg"/>
-          <p:cNvPicPr>
-            <a:picLocks noChangeAspect="1"/>
-          </p:cNvPicPr>
-          <p:nvPr/>
-        </p:nvPicPr>
-        <p:blipFill>
-          <a:blip r:embed="rId2" cstate="print"/>
-          <a:stretch>
-            <a:fillRect/>
-          </a:stretch>
-        </p:blipFill>
-        <p:spPr>
-          <a:xfrm>
-            <a:off x="0" y="0"/>
+            <a:off x="0" y="-1588"/>
             <a:ext cx="9144000" cy="5145088"/>
           </a:xfrm>
           <a:prstGeom prst="rect">
@@ -3334,7 +3153,7 @@
         <p:spPr>
           <a:xfrm>
             <a:off x="2089150" y="2170113"/>
-            <a:ext cx="3634105" cy="491490"/>
+            <a:ext cx="3873176" cy="523220"/>
           </a:xfrm>
           <a:prstGeom prst="rect">
             <a:avLst/>
@@ -3347,17 +3166,13 @@
           </a:bodyPr>
           <a:lstStyle/>
           <a:p>
-            <a:pPr marR="0" algn="l" defTabSz="914400" rtl="0" fontAlgn="auto">
+            <a:pPr rtl="0" fontAlgn="auto">
               <a:spcBef>
                 <a:spcPts val="0"/>
               </a:spcBef>
               <a:spcAft>
                 <a:spcPts val="0"/>
               </a:spcAft>
-              <a:buClrTx/>
-              <a:buSzTx/>
-              <a:buFontTx/>
-              <a:buNone/>
               <a:defRPr/>
             </a:pPr>
             <a:r>
@@ -3369,7 +3184,28 @@
                 <a:ea typeface="微软雅黑" panose="020B0503020204020204" pitchFamily="34" charset="-122"/>
                 <a:sym typeface="+mn-ea"/>
               </a:rPr>
-              <a:t>第四章 缓存更新策略</a:t>
+              <a:t>第四</a:t>
+            </a:r>
+            <a:r>
+              <a:rPr lang="zh-CN" altLang="en-US" sz="2600" b="1" spc="300" noProof="0" dirty="0" smtClean="0">
+                <a:solidFill>
+                  <a:schemeClr val="bg1"/>
+                </a:solidFill>
+                <a:latin typeface="微软雅黑" panose="020B0503020204020204" pitchFamily="34" charset="-122"/>
+                <a:ea typeface="微软雅黑" panose="020B0503020204020204" pitchFamily="34" charset="-122"/>
+                <a:sym typeface="+mn-ea"/>
+              </a:rPr>
+              <a:t>章   </a:t>
+            </a:r>
+            <a:r>
+              <a:rPr lang="en-US" altLang="zh-CN" sz="2800" b="1" spc="300" dirty="0" smtClean="0">
+                <a:solidFill>
+                  <a:schemeClr val="bg1"/>
+                </a:solidFill>
+                <a:latin typeface="微软雅黑" panose="020B0503020204020204" pitchFamily="34" charset="-122"/>
+                <a:ea typeface="微软雅黑" panose="020B0503020204020204" pitchFamily="34" charset="-122"/>
+              </a:rPr>
+              <a:t>RabbitMQ</a:t>
             </a:r>
             <a:endParaRPr kumimoji="0" lang="zh-CN" altLang="en-US" sz="2600" b="1" kern="1200" cap="none" spc="300" normalizeH="0" baseline="0" noProof="0" dirty="0">
               <a:solidFill>
@@ -3397,6 +3233,231 @@
 </p:sld>
 </file>
 
+<file path=ppt/slides/slide18.xml><?xml version="1.0" encoding="utf-8"?>
+<p:sld xmlns:a="http://schemas.openxmlformats.org/drawingml/2006/main" xmlns:r="http://schemas.openxmlformats.org/officeDocument/2006/relationships" xmlns:p="http://schemas.openxmlformats.org/presentationml/2006/main">
+  <p:cSld>
+    <p:spTree>
+      <p:nvGrpSpPr>
+        <p:cNvPr id="1" name=""/>
+        <p:cNvGrpSpPr/>
+        <p:nvPr/>
+      </p:nvGrpSpPr>
+      <p:grpSpPr>
+        <a:xfrm>
+          <a:off x="0" y="0"/>
+          <a:ext cx="0" cy="0"/>
+          <a:chOff x="0" y="0"/>
+          <a:chExt cx="0" cy="0"/>
+        </a:xfrm>
+      </p:grpSpPr>
+      <p:pic>
+        <p:nvPicPr>
+          <p:cNvPr id="6146" name="Picture 4" descr="E:\常规物料\PPT规范\模板\PPT规范设计-15-15.png"/>
+          <p:cNvPicPr>
+            <a:picLocks noChangeAspect="1"/>
+          </p:cNvPicPr>
+          <p:nvPr/>
+        </p:nvPicPr>
+        <p:blipFill>
+          <a:blip r:embed="rId2" cstate="print"/>
+          <a:stretch>
+            <a:fillRect/>
+          </a:stretch>
+        </p:blipFill>
+        <p:spPr>
+          <a:xfrm>
+            <a:off x="5516563" y="227013"/>
+            <a:ext cx="3627437" cy="350837"/>
+          </a:xfrm>
+          <a:prstGeom prst="rect">
+            <a:avLst/>
+          </a:prstGeom>
+          <a:noFill/>
+          <a:ln w="9525">
+            <a:noFill/>
+          </a:ln>
+        </p:spPr>
+      </p:pic>
+      <p:sp>
+        <p:nvSpPr>
+          <p:cNvPr id="6" name="标题 1">
+            <a:extLst>
+              <a:ext uri="{FF2B5EF4-FFF2-40B4-BE49-F238E27FC236}">
+                <a16:creationId xmlns="" xmlns:a16="http://schemas.microsoft.com/office/drawing/2014/main" id="{564CB129-F1A6-42F5-AE29-6265A02FD0A5}"/>
+              </a:ext>
+            </a:extLst>
+          </p:cNvPr>
+          <p:cNvSpPr txBox="1">
+            <a:spLocks/>
+          </p:cNvSpPr>
+          <p:nvPr/>
+        </p:nvSpPr>
+        <p:spPr>
+          <a:xfrm>
+            <a:off x="611560" y="195486"/>
+            <a:ext cx="4968552" cy="519187"/>
+          </a:xfrm>
+          <a:prstGeom prst="rect">
+            <a:avLst/>
+          </a:prstGeom>
+        </p:spPr>
+        <p:txBody>
+          <a:bodyPr/>
+          <a:lstStyle/>
+          <a:p>
+            <a:pPr marL="0" marR="0" lvl="0" indent="0" algn="l" defTabSz="914400" rtl="0" eaLnBrk="1" fontAlgn="auto" latinLnBrk="0" hangingPunct="1">
+              <a:lnSpc>
+                <a:spcPct val="100000"/>
+              </a:lnSpc>
+              <a:spcBef>
+                <a:spcPct val="0"/>
+              </a:spcBef>
+              <a:spcAft>
+                <a:spcPts val="0"/>
+              </a:spcAft>
+              <a:buClrTx/>
+              <a:buSzTx/>
+              <a:buFontTx/>
+              <a:buNone/>
+              <a:tabLst/>
+              <a:defRPr/>
+            </a:pPr>
+            <a:r>
+              <a:rPr lang="en-US" altLang="zh-CN" sz="2800" b="1" noProof="0" dirty="0" smtClean="0">
+                <a:latin typeface="+mj-ea"/>
+                <a:ea typeface="+mj-ea"/>
+                <a:cs typeface="+mj-cs"/>
+              </a:rPr>
+              <a:t>RabbitMQ</a:t>
+            </a:r>
+            <a:r>
+              <a:rPr lang="zh-CN" altLang="en-US" sz="2800" b="1" noProof="0" dirty="0" smtClean="0">
+                <a:latin typeface="+mj-ea"/>
+                <a:ea typeface="+mj-ea"/>
+                <a:cs typeface="+mj-cs"/>
+              </a:rPr>
+              <a:t>架构</a:t>
+            </a:r>
+            <a:endParaRPr kumimoji="0" lang="zh-CN" altLang="en-US" sz="2800" b="1" i="0" u="none" strike="noStrike" kern="1200" cap="none" spc="0" normalizeH="0" baseline="0" noProof="0" dirty="0">
+              <a:ln>
+                <a:noFill/>
+              </a:ln>
+              <a:solidFill>
+                <a:schemeClr val="tx1"/>
+              </a:solidFill>
+              <a:effectLst/>
+              <a:uLnTx/>
+              <a:uFillTx/>
+              <a:latin typeface="+mj-ea"/>
+              <a:ea typeface="+mj-ea"/>
+              <a:cs typeface="+mj-cs"/>
+            </a:endParaRPr>
+          </a:p>
+        </p:txBody>
+      </p:sp>
+      <p:sp>
+        <p:nvSpPr>
+          <p:cNvPr id="7" name="矩形 6"/>
+          <p:cNvSpPr/>
+          <p:nvPr/>
+        </p:nvSpPr>
+        <p:spPr>
+          <a:xfrm>
+            <a:off x="755576" y="915566"/>
+            <a:ext cx="7776864" cy="646331"/>
+          </a:xfrm>
+          <a:prstGeom prst="rect">
+            <a:avLst/>
+          </a:prstGeom>
+        </p:spPr>
+        <p:txBody>
+          <a:bodyPr wrap="square">
+            <a:spAutoFit/>
+          </a:bodyPr>
+          <a:lstStyle/>
+          <a:p>
+            <a:r>
+              <a:rPr lang="en-US" altLang="zh-CN" dirty="0" smtClean="0"/>
+              <a:t>RabbitMQ</a:t>
+            </a:r>
+            <a:r>
+              <a:rPr lang="zh-CN" altLang="en-US" dirty="0" smtClean="0"/>
+              <a:t>是一个由</a:t>
+            </a:r>
+            <a:r>
+              <a:rPr lang="en-US" altLang="zh-CN" dirty="0" smtClean="0"/>
+              <a:t>erlang</a:t>
+            </a:r>
+            <a:r>
+              <a:rPr lang="zh-CN" altLang="en-US" dirty="0" smtClean="0"/>
+              <a:t>开</a:t>
+            </a:r>
+            <a:r>
+              <a:rPr lang="zh-CN" altLang="en-US" dirty="0" smtClean="0"/>
+              <a:t>发，</a:t>
+            </a:r>
+            <a:r>
+              <a:rPr lang="en-US" altLang="zh-CN" dirty="0" smtClean="0"/>
+              <a:t>AMQP</a:t>
+            </a:r>
+            <a:r>
+              <a:rPr lang="zh-CN" altLang="en-US" dirty="0" smtClean="0"/>
+              <a:t>的</a:t>
+            </a:r>
+            <a:r>
+              <a:rPr lang="zh-CN" altLang="en-US" dirty="0" smtClean="0"/>
+              <a:t>开</a:t>
+            </a:r>
+            <a:r>
+              <a:rPr lang="zh-CN" altLang="en-US" dirty="0" smtClean="0"/>
+              <a:t>源实现的高</a:t>
+            </a:r>
+            <a:r>
+              <a:rPr lang="zh-CN" altLang="en-US" dirty="0" smtClean="0"/>
+              <a:t>级消息队列，说白了就是一个开源的消息中间件</a:t>
+            </a:r>
+            <a:r>
+              <a:rPr lang="zh-CN" altLang="en-US" dirty="0" smtClean="0"/>
+              <a:t>。</a:t>
+            </a:r>
+            <a:endParaRPr lang="zh-CN" altLang="en-US" dirty="0"/>
+          </a:p>
+        </p:txBody>
+      </p:sp>
+      <p:pic>
+        <p:nvPicPr>
+          <p:cNvPr id="23554" name="Picture 2" descr="C://Users/Administrator/AppData/Local/YNote/data/dxh122685692@163.com/fc8862f9bf7a4243b0c557c1b0d555ae/clipboard.png"/>
+          <p:cNvPicPr>
+            <a:picLocks noChangeAspect="1" noChangeArrowheads="1"/>
+          </p:cNvPicPr>
+          <p:nvPr/>
+        </p:nvPicPr>
+        <p:blipFill>
+          <a:blip r:embed="rId3" cstate="print"/>
+          <a:srcRect/>
+          <a:stretch>
+            <a:fillRect/>
+          </a:stretch>
+        </p:blipFill>
+        <p:spPr bwMode="auto">
+          <a:xfrm>
+            <a:off x="827584" y="1851670"/>
+            <a:ext cx="7560840" cy="2811016"/>
+          </a:xfrm>
+          <a:prstGeom prst="rect">
+            <a:avLst/>
+          </a:prstGeom>
+          <a:noFill/>
+        </p:spPr>
+      </p:pic>
+    </p:spTree>
+  </p:cSld>
+  <p:clrMapOvr>
+    <a:masterClrMapping/>
+  </p:clrMapOvr>
+</p:sld>
+</file>
+
 <file path=ppt/slides/slide19.xml><?xml version="1.0" encoding="utf-8"?>
 <p:sld xmlns:a="http://schemas.openxmlformats.org/drawingml/2006/main" xmlns:r="http://schemas.openxmlformats.org/officeDocument/2006/relationships" xmlns:p="http://schemas.openxmlformats.org/presentationml/2006/main">
   <p:cSld>
@@ -3444,7 +3505,7 @@
       </p:pic>
       <p:pic>
         <p:nvPicPr>
-          <p:cNvPr id="2" name="图片 1"/>
+          <p:cNvPr id="5" name="图片 4" descr="e19b7484259cfc36efca000392815273"/>
           <p:cNvPicPr>
             <a:picLocks noChangeAspect="1"/>
           </p:cNvPicPr>
@@ -3458,52 +3519,14 @@
         </p:blipFill>
         <p:spPr>
           <a:xfrm>
-            <a:off x="1276350" y="627380"/>
-            <a:ext cx="6591300" cy="3038475"/>
+            <a:off x="344805" y="306070"/>
+            <a:ext cx="1473835" cy="1485265"/>
           </a:xfrm>
           <a:prstGeom prst="rect">
             <a:avLst/>
           </a:prstGeom>
         </p:spPr>
       </p:pic>
-      <p:sp>
-        <p:nvSpPr>
-          <p:cNvPr id="3" name="文本框 2"/>
-          <p:cNvSpPr txBox="1"/>
-          <p:nvPr/>
-        </p:nvSpPr>
-        <p:spPr>
-          <a:xfrm>
-            <a:off x="695325" y="3764915"/>
-            <a:ext cx="7752715" cy="1383665"/>
-          </a:xfrm>
-          <a:prstGeom prst="rect">
-            <a:avLst/>
-          </a:prstGeom>
-          <a:noFill/>
-        </p:spPr>
-        <p:txBody>
-          <a:bodyPr wrap="square" rtlCol="0">
-            <a:spAutoFit/>
-          </a:bodyPr>
-          <a:lstStyle/>
-          <a:p>
-            <a:r>
-              <a:rPr sz="1400"/>
-              <a:t>expireAfterWrite：设置TTL，缓存数据在给定的时间内没有写(创建/覆盖)时，则被回收，即定期的会回收缓存数据。</a:t>
-            </a:r>
-          </a:p>
-          <a:p>
-            <a:endParaRPr sz="1400"/>
-          </a:p>
-          <a:p>
-            <a:r>
-              <a:rPr sz="1400"/>
-              <a:t>expireAfterAccess：设置TTI，缓存数据在给定的时间内没有读/写时，则被回收。每次访问时，都会更新它的TTI，从而如果该缓存是非常热的数据，则将一直不过期，可能会导致脏数据存在很长时间(因此，建议设置expireAfterWrite)。</a:t>
-            </a:r>
-          </a:p>
-        </p:txBody>
-      </p:sp>
     </p:spTree>
   </p:cSld>
   <p:clrMapOvr>
@@ -3631,277 +3654,6 @@
               </a:rPr>
               <a:t>消息队列</a:t>
             </a:r>
-          </a:p>
-        </p:txBody>
-      </p:sp>
-    </p:spTree>
-  </p:cSld>
-  <p:clrMapOvr>
-    <a:masterClrMapping/>
-  </p:clrMapOvr>
-  <p:timing>
-    <p:tnLst>
-      <p:par>
-        <p:cTn id="1" dur="indefinite" restart="never" nodeType="tmRoot"/>
-      </p:par>
-    </p:tnLst>
-  </p:timing>
-</p:sld>
-</file>
-
-<file path=ppt/slides/slide20.xml><?xml version="1.0" encoding="utf-8"?>
-<p:sld xmlns:a="http://schemas.openxmlformats.org/drawingml/2006/main" xmlns:r="http://schemas.openxmlformats.org/officeDocument/2006/relationships" xmlns:p="http://schemas.openxmlformats.org/presentationml/2006/main">
-  <p:cSld>
-    <p:spTree>
-      <p:nvGrpSpPr>
-        <p:cNvPr id="1" name=""/>
-        <p:cNvGrpSpPr/>
-        <p:nvPr/>
-      </p:nvGrpSpPr>
-      <p:grpSpPr>
-        <a:xfrm>
-          <a:off x="0" y="0"/>
-          <a:ext cx="0" cy="0"/>
-          <a:chOff x="0" y="0"/>
-          <a:chExt cx="0" cy="0"/>
-        </a:xfrm>
-      </p:grpSpPr>
-      <p:pic>
-        <p:nvPicPr>
-          <p:cNvPr id="6146" name="Picture 4" descr="E:\常规物料\PPT规范\模板\PPT规范设计-15-15.png"/>
-          <p:cNvPicPr>
-            <a:picLocks noChangeAspect="1"/>
-          </p:cNvPicPr>
-          <p:nvPr/>
-        </p:nvPicPr>
-        <p:blipFill>
-          <a:blip r:embed="rId3" cstate="print"/>
-          <a:stretch>
-            <a:fillRect/>
-          </a:stretch>
-        </p:blipFill>
-        <p:spPr>
-          <a:xfrm>
-            <a:off x="5516563" y="227013"/>
-            <a:ext cx="3627437" cy="350837"/>
-          </a:xfrm>
-          <a:prstGeom prst="rect">
-            <a:avLst/>
-          </a:prstGeom>
-          <a:noFill/>
-          <a:ln w="9525">
-            <a:noFill/>
-          </a:ln>
-        </p:spPr>
-      </p:pic>
-      <p:pic>
-        <p:nvPicPr>
-          <p:cNvPr id="5" name="图片 4" descr="e19b7484259cfc36efca000392815273"/>
-          <p:cNvPicPr>
-            <a:picLocks noChangeAspect="1"/>
-          </p:cNvPicPr>
-          <p:nvPr/>
-        </p:nvPicPr>
-        <p:blipFill>
-          <a:blip r:embed="rId4" cstate="print"/>
-          <a:stretch>
-            <a:fillRect/>
-          </a:stretch>
-        </p:blipFill>
-        <p:spPr>
-          <a:xfrm>
-            <a:off x="344805" y="306070"/>
-            <a:ext cx="1473835" cy="1485265"/>
-          </a:xfrm>
-          <a:prstGeom prst="rect">
-            <a:avLst/>
-          </a:prstGeom>
-        </p:spPr>
-      </p:pic>
-      <p:graphicFrame>
-        <p:nvGraphicFramePr>
-          <p:cNvPr id="8" name="对象 7"/>
-          <p:cNvGraphicFramePr>
-            <a:graphicFrameLocks/>
-          </p:cNvGraphicFramePr>
-          <p:nvPr/>
-        </p:nvGraphicFramePr>
-        <p:xfrm>
-          <a:off x="1917065" y="852805"/>
-          <a:ext cx="5309870" cy="3437255"/>
-        </p:xfrm>
-        <a:graphic>
-          <a:graphicData uri="http://schemas.openxmlformats.org/presentationml/2006/ole">
-            <p:oleObj spid="_x0000_s22529" r:id="rId5" imgW="5324590" imgH="3448170" progId="">
-              <p:embed/>
-            </p:oleObj>
-          </a:graphicData>
-        </a:graphic>
-      </p:graphicFrame>
-      <p:sp>
-        <p:nvSpPr>
-          <p:cNvPr id="10" name="文本框 9"/>
-          <p:cNvSpPr txBox="1"/>
-          <p:nvPr/>
-        </p:nvSpPr>
-        <p:spPr>
-          <a:xfrm>
-            <a:off x="7226300" y="4420235"/>
-            <a:ext cx="1531620" cy="460375"/>
-          </a:xfrm>
-          <a:prstGeom prst="rect">
-            <a:avLst/>
-          </a:prstGeom>
-          <a:noFill/>
-        </p:spPr>
-        <p:txBody>
-          <a:bodyPr wrap="square" rtlCol="0">
-            <a:spAutoFit/>
-          </a:bodyPr>
-          <a:lstStyle/>
-          <a:p>
-            <a:r>
-              <a:rPr lang="zh-CN" altLang="en-US" sz="2400"/>
-              <a:t>过期时间</a:t>
-            </a:r>
-          </a:p>
-        </p:txBody>
-      </p:sp>
-    </p:spTree>
-  </p:cSld>
-  <p:clrMapOvr>
-    <a:masterClrMapping/>
-  </p:clrMapOvr>
-</p:sld>
-</file>
-
-<file path=ppt/slides/slide21.xml><?xml version="1.0" encoding="utf-8"?>
-<p:sld xmlns:a="http://schemas.openxmlformats.org/drawingml/2006/main" xmlns:r="http://schemas.openxmlformats.org/officeDocument/2006/relationships" xmlns:p="http://schemas.openxmlformats.org/presentationml/2006/main">
-  <p:cSld>
-    <p:spTree>
-      <p:nvGrpSpPr>
-        <p:cNvPr id="1" name=""/>
-        <p:cNvGrpSpPr/>
-        <p:nvPr/>
-      </p:nvGrpSpPr>
-      <p:grpSpPr>
-        <a:xfrm>
-          <a:off x="0" y="0"/>
-          <a:ext cx="0" cy="0"/>
-          <a:chOff x="0" y="0"/>
-          <a:chExt cx="0" cy="0"/>
-        </a:xfrm>
-      </p:grpSpPr>
-      <p:pic>
-        <p:nvPicPr>
-          <p:cNvPr id="5121" name="Picture 2" descr="E:\线下推广\PPT规范\模板\PPT规范设计_8.jpg"/>
-          <p:cNvPicPr>
-            <a:picLocks noChangeAspect="1"/>
-          </p:cNvPicPr>
-          <p:nvPr/>
-        </p:nvPicPr>
-        <p:blipFill>
-          <a:blip r:embed="rId2" cstate="print"/>
-          <a:stretch>
-            <a:fillRect/>
-          </a:stretch>
-        </p:blipFill>
-        <p:spPr>
-          <a:xfrm>
-            <a:off x="0" y="0"/>
-            <a:ext cx="9144000" cy="5145088"/>
-          </a:xfrm>
-          <a:prstGeom prst="rect">
-            <a:avLst/>
-          </a:prstGeom>
-          <a:noFill/>
-          <a:ln w="9525">
-            <a:noFill/>
-          </a:ln>
-        </p:spPr>
-      </p:pic>
-      <p:pic>
-        <p:nvPicPr>
-          <p:cNvPr id="5122" name="Picture 2" descr="E:\线下推广\常规物料\PPT规范\未标题-1-01.png"/>
-          <p:cNvPicPr>
-            <a:picLocks noChangeAspect="1"/>
-          </p:cNvPicPr>
-          <p:nvPr/>
-        </p:nvPicPr>
-        <p:blipFill>
-          <a:blip r:embed="rId3" cstate="print"/>
-          <a:stretch>
-            <a:fillRect/>
-          </a:stretch>
-        </p:blipFill>
-        <p:spPr>
-          <a:xfrm>
-            <a:off x="1878013" y="2024063"/>
-            <a:ext cx="5387975" cy="792162"/>
-          </a:xfrm>
-          <a:prstGeom prst="rect">
-            <a:avLst/>
-          </a:prstGeom>
-          <a:noFill/>
-          <a:ln w="9525">
-            <a:noFill/>
-          </a:ln>
-        </p:spPr>
-      </p:pic>
-      <p:sp>
-        <p:nvSpPr>
-          <p:cNvPr id="5" name="TextBox 4"/>
-          <p:cNvSpPr txBox="1"/>
-          <p:nvPr/>
-        </p:nvSpPr>
-        <p:spPr>
-          <a:xfrm>
-            <a:off x="2089150" y="2170113"/>
-            <a:ext cx="4002405" cy="491490"/>
-          </a:xfrm>
-          <a:prstGeom prst="rect">
-            <a:avLst/>
-          </a:prstGeom>
-          <a:noFill/>
-        </p:spPr>
-        <p:txBody>
-          <a:bodyPr wrap="none" rtlCol="0">
-            <a:spAutoFit/>
-          </a:bodyPr>
-          <a:lstStyle/>
-          <a:p>
-            <a:pPr marR="0" algn="l" defTabSz="914400" rtl="0" fontAlgn="auto">
-              <a:spcBef>
-                <a:spcPts val="0"/>
-              </a:spcBef>
-              <a:spcAft>
-                <a:spcPts val="0"/>
-              </a:spcAft>
-              <a:buClrTx/>
-              <a:buSzTx/>
-              <a:buFontTx/>
-              <a:buNone/>
-              <a:defRPr/>
-            </a:pPr>
-            <a:r>
-              <a:rPr lang="zh-CN" altLang="en-US" sz="2600" b="1" spc="300" noProof="0" dirty="0" smtClean="0">
-                <a:solidFill>
-                  <a:schemeClr val="bg1"/>
-                </a:solidFill>
-                <a:latin typeface="微软雅黑" panose="020B0503020204020204" pitchFamily="34" charset="-122"/>
-                <a:ea typeface="微软雅黑" panose="020B0503020204020204" pitchFamily="34" charset="-122"/>
-                <a:sym typeface="+mn-ea"/>
-              </a:rPr>
-              <a:t>第五章 缓存穿透与雪崩</a:t>
-            </a:r>
-            <a:endParaRPr kumimoji="0" lang="zh-CN" altLang="en-US" sz="2600" b="1" kern="1200" cap="none" spc="300" normalizeH="0" baseline="0" noProof="0" dirty="0">
-              <a:solidFill>
-                <a:schemeClr val="bg1"/>
-              </a:solidFill>
-              <a:latin typeface="微软雅黑" panose="020B0503020204020204" pitchFamily="34" charset="-122"/>
-              <a:ea typeface="微软雅黑" panose="020B0503020204020204" pitchFamily="34" charset="-122"/>
-              <a:cs typeface="+mn-cs"/>
-            </a:endParaRPr>
           </a:p>
         </p:txBody>
       </p:sp>
@@ -4002,7 +3754,7 @@
         <p:spPr>
           <a:xfrm>
             <a:off x="2227263" y="501333"/>
-            <a:ext cx="2780030" cy="398780"/>
+            <a:ext cx="2351926" cy="400110"/>
           </a:xfrm>
           <a:prstGeom prst="rect">
             <a:avLst/>
@@ -4037,7 +3789,51 @@
                 <a:ea typeface="微软雅黑" panose="020B0503020204020204" pitchFamily="34" charset="-122"/>
                 <a:cs typeface="+mn-cs"/>
               </a:rPr>
-              <a:t>第一章          队列   </a:t>
+              <a:t>第一</a:t>
+            </a:r>
+            <a:r>
+              <a:rPr kumimoji="0" lang="zh-CN" altLang="en-US" sz="2000" b="1" kern="1200" cap="none" spc="300" normalizeH="0" baseline="0" noProof="0" dirty="0" smtClean="0">
+                <a:solidFill>
+                  <a:schemeClr val="bg1"/>
+                </a:solidFill>
+                <a:latin typeface="微软雅黑" panose="020B0503020204020204" pitchFamily="34" charset="-122"/>
+                <a:ea typeface="微软雅黑" panose="020B0503020204020204" pitchFamily="34" charset="-122"/>
+                <a:cs typeface="+mn-cs"/>
+              </a:rPr>
+              <a:t>章</a:t>
+            </a:r>
+            <a:r>
+              <a:rPr kumimoji="0" lang="zh-CN" altLang="en-US" sz="2000" b="1" kern="1200" cap="none" spc="300" normalizeH="0" noProof="0" dirty="0" smtClean="0">
+                <a:solidFill>
+                  <a:schemeClr val="bg1"/>
+                </a:solidFill>
+                <a:latin typeface="微软雅黑" panose="020B0503020204020204" pitchFamily="34" charset="-122"/>
+                <a:ea typeface="微软雅黑" panose="020B0503020204020204" pitchFamily="34" charset="-122"/>
+                <a:cs typeface="+mn-cs"/>
+              </a:rPr>
+              <a:t>   </a:t>
+            </a:r>
+            <a:r>
+              <a:rPr kumimoji="0" lang="zh-CN" altLang="en-US" sz="2000" b="1" kern="1200" cap="none" spc="300" normalizeH="0" baseline="0" noProof="0" dirty="0" smtClean="0">
+                <a:solidFill>
+                  <a:schemeClr val="bg1"/>
+                </a:solidFill>
+                <a:latin typeface="微软雅黑" panose="020B0503020204020204" pitchFamily="34" charset="-122"/>
+                <a:ea typeface="微软雅黑" panose="020B0503020204020204" pitchFamily="34" charset="-122"/>
+                <a:cs typeface="+mn-cs"/>
+              </a:rPr>
+              <a:t>队</a:t>
+            </a:r>
+            <a:r>
+              <a:rPr kumimoji="0" lang="zh-CN" altLang="en-US" sz="2000" b="1" kern="1200" cap="none" spc="300" normalizeH="0" baseline="0" noProof="0" dirty="0" smtClean="0">
+                <a:solidFill>
+                  <a:schemeClr val="bg1"/>
+                </a:solidFill>
+                <a:latin typeface="微软雅黑" panose="020B0503020204020204" pitchFamily="34" charset="-122"/>
+                <a:ea typeface="微软雅黑" panose="020B0503020204020204" pitchFamily="34" charset="-122"/>
+                <a:cs typeface="+mn-cs"/>
+              </a:rPr>
+              <a:t>列   </a:t>
             </a:r>
             <a:endParaRPr lang="zh-CN" altLang="en-US" sz="2000" b="1" spc="300" noProof="0" dirty="0" smtClean="0">
               <a:solidFill>
@@ -4088,7 +3884,7 @@
         <p:spPr>
           <a:xfrm>
             <a:off x="2227263" y="1426210"/>
-            <a:ext cx="3136900" cy="398780"/>
+            <a:ext cx="2826415" cy="400110"/>
           </a:xfrm>
           <a:prstGeom prst="rect">
             <a:avLst/>
@@ -4123,7 +3919,51 @@
                 <a:ea typeface="微软雅黑" panose="020B0503020204020204" pitchFamily="34" charset="-122"/>
                 <a:cs typeface="+mn-cs"/>
               </a:rPr>
-              <a:t>第二章        消息队列  </a:t>
+              <a:t>第二</a:t>
+            </a:r>
+            <a:r>
+              <a:rPr kumimoji="0" lang="zh-CN" altLang="en-US" sz="2000" b="1" kern="1200" cap="none" spc="300" normalizeH="0" baseline="0" noProof="0" dirty="0" smtClean="0">
+                <a:solidFill>
+                  <a:schemeClr val="bg1"/>
+                </a:solidFill>
+                <a:latin typeface="微软雅黑" panose="020B0503020204020204" pitchFamily="34" charset="-122"/>
+                <a:ea typeface="微软雅黑" panose="020B0503020204020204" pitchFamily="34" charset="-122"/>
+                <a:cs typeface="+mn-cs"/>
+              </a:rPr>
+              <a:t>章</a:t>
+            </a:r>
+            <a:r>
+              <a:rPr kumimoji="0" lang="zh-CN" altLang="en-US" sz="2000" b="1" kern="1200" cap="none" spc="300" normalizeH="0" noProof="0" dirty="0" smtClean="0">
+                <a:solidFill>
+                  <a:schemeClr val="bg1"/>
+                </a:solidFill>
+                <a:latin typeface="微软雅黑" panose="020B0503020204020204" pitchFamily="34" charset="-122"/>
+                <a:ea typeface="微软雅黑" panose="020B0503020204020204" pitchFamily="34" charset="-122"/>
+                <a:cs typeface="+mn-cs"/>
+              </a:rPr>
+              <a:t>   </a:t>
+            </a:r>
+            <a:r>
+              <a:rPr kumimoji="0" lang="zh-CN" altLang="en-US" sz="2000" b="1" kern="1200" cap="none" spc="300" normalizeH="0" baseline="0" noProof="0" dirty="0" smtClean="0">
+                <a:solidFill>
+                  <a:schemeClr val="bg1"/>
+                </a:solidFill>
+                <a:latin typeface="微软雅黑" panose="020B0503020204020204" pitchFamily="34" charset="-122"/>
+                <a:ea typeface="微软雅黑" panose="020B0503020204020204" pitchFamily="34" charset="-122"/>
+                <a:cs typeface="+mn-cs"/>
+              </a:rPr>
+              <a:t>消</a:t>
+            </a:r>
+            <a:r>
+              <a:rPr kumimoji="0" lang="zh-CN" altLang="en-US" sz="2000" b="1" kern="1200" cap="none" spc="300" normalizeH="0" baseline="0" noProof="0" dirty="0" smtClean="0">
+                <a:solidFill>
+                  <a:schemeClr val="bg1"/>
+                </a:solidFill>
+                <a:latin typeface="微软雅黑" panose="020B0503020204020204" pitchFamily="34" charset="-122"/>
+                <a:ea typeface="微软雅黑" panose="020B0503020204020204" pitchFamily="34" charset="-122"/>
+                <a:cs typeface="+mn-cs"/>
+              </a:rPr>
+              <a:t>息队列  </a:t>
             </a:r>
           </a:p>
         </p:txBody>
@@ -4165,7 +4005,150 @@
         <p:spPr>
           <a:xfrm>
             <a:off x="2227263" y="2372043"/>
-            <a:ext cx="3887470" cy="398780"/>
+            <a:ext cx="3700244" cy="400110"/>
+          </a:xfrm>
+          <a:prstGeom prst="rect">
+            <a:avLst/>
+          </a:prstGeom>
+          <a:noFill/>
+        </p:spPr>
+        <p:txBody>
+          <a:bodyPr wrap="none" rtlCol="0">
+            <a:spAutoFit/>
+          </a:bodyPr>
+          <a:lstStyle/>
+          <a:p>
+            <a:pPr rtl="0" fontAlgn="auto">
+              <a:spcBef>
+                <a:spcPts val="0"/>
+              </a:spcBef>
+              <a:spcAft>
+                <a:spcPts val="0"/>
+              </a:spcAft>
+              <a:defRPr/>
+            </a:pPr>
+            <a:r>
+              <a:rPr kumimoji="0" lang="zh-CN" altLang="en-US" sz="2000" b="1" kern="1200" cap="none" spc="300" normalizeH="0" baseline="0" noProof="0" dirty="0" smtClean="0">
+                <a:solidFill>
+                  <a:schemeClr val="bg1"/>
+                </a:solidFill>
+                <a:latin typeface="微软雅黑" panose="020B0503020204020204" pitchFamily="34" charset="-122"/>
+                <a:ea typeface="微软雅黑" panose="020B0503020204020204" pitchFamily="34" charset="-122"/>
+                <a:cs typeface="+mn-cs"/>
+              </a:rPr>
+              <a:t>第三</a:t>
+            </a:r>
+            <a:r>
+              <a:rPr kumimoji="0" lang="zh-CN" altLang="en-US" sz="2000" b="1" kern="1200" cap="none" spc="300" normalizeH="0" baseline="0" noProof="0" dirty="0" smtClean="0">
+                <a:solidFill>
+                  <a:schemeClr val="bg1"/>
+                </a:solidFill>
+                <a:latin typeface="微软雅黑" panose="020B0503020204020204" pitchFamily="34" charset="-122"/>
+                <a:ea typeface="微软雅黑" panose="020B0503020204020204" pitchFamily="34" charset="-122"/>
+                <a:cs typeface="+mn-cs"/>
+              </a:rPr>
+              <a:t>章</a:t>
+            </a:r>
+            <a:r>
+              <a:rPr kumimoji="0" lang="zh-CN" altLang="en-US" sz="2000" b="1" kern="1200" cap="none" spc="300" normalizeH="0" noProof="0" dirty="0" smtClean="0">
+                <a:solidFill>
+                  <a:schemeClr val="bg1"/>
+                </a:solidFill>
+                <a:latin typeface="微软雅黑" panose="020B0503020204020204" pitchFamily="34" charset="-122"/>
+                <a:ea typeface="微软雅黑" panose="020B0503020204020204" pitchFamily="34" charset="-122"/>
+                <a:cs typeface="+mn-cs"/>
+              </a:rPr>
+              <a:t>   </a:t>
+            </a:r>
+            <a:r>
+              <a:rPr lang="en-US" altLang="zh-CN" sz="2000" b="1" spc="300" dirty="0" smtClean="0">
+                <a:solidFill>
+                  <a:schemeClr val="bg1"/>
+                </a:solidFill>
+                <a:latin typeface="微软雅黑" panose="020B0503020204020204" pitchFamily="34" charset="-122"/>
+                <a:ea typeface="微软雅黑" panose="020B0503020204020204" pitchFamily="34" charset="-122"/>
+              </a:rPr>
+              <a:t>JMS </a:t>
+            </a:r>
+            <a:r>
+              <a:rPr lang="en-US" altLang="zh-CN" sz="2000" b="1" spc="300" dirty="0" smtClean="0">
+                <a:solidFill>
+                  <a:schemeClr val="bg1"/>
+                </a:solidFill>
+                <a:latin typeface="微软雅黑" panose="020B0503020204020204" pitchFamily="34" charset="-122"/>
+                <a:ea typeface="微软雅黑" panose="020B0503020204020204" pitchFamily="34" charset="-122"/>
+              </a:rPr>
+              <a:t>VS</a:t>
+            </a:r>
+            <a:r>
+              <a:rPr lang="zh-CN" altLang="en-US" sz="2000" b="1" spc="300" dirty="0" smtClean="0">
+                <a:solidFill>
+                  <a:schemeClr val="bg1"/>
+                </a:solidFill>
+                <a:latin typeface="微软雅黑" panose="020B0503020204020204" pitchFamily="34" charset="-122"/>
+                <a:ea typeface="微软雅黑" panose="020B0503020204020204" pitchFamily="34" charset="-122"/>
+              </a:rPr>
+              <a:t> </a:t>
+            </a:r>
+            <a:r>
+              <a:rPr lang="en-US" altLang="zh-CN" sz="2000" b="1" spc="300" dirty="0" smtClean="0">
+                <a:solidFill>
+                  <a:schemeClr val="bg1"/>
+                </a:solidFill>
+                <a:latin typeface="微软雅黑" panose="020B0503020204020204" pitchFamily="34" charset="-122"/>
+                <a:ea typeface="微软雅黑" panose="020B0503020204020204" pitchFamily="34" charset="-122"/>
+              </a:rPr>
+              <a:t>AMQP</a:t>
+            </a:r>
+            <a:endParaRPr kumimoji="0" lang="zh-CN" altLang="en-US" sz="2000" b="1" kern="1200" cap="none" spc="300" normalizeH="0" baseline="0" noProof="0" dirty="0" smtClean="0">
+              <a:solidFill>
+                <a:schemeClr val="bg1"/>
+              </a:solidFill>
+              <a:latin typeface="微软雅黑" panose="020B0503020204020204" pitchFamily="34" charset="-122"/>
+              <a:ea typeface="微软雅黑" panose="020B0503020204020204" pitchFamily="34" charset="-122"/>
+              <a:cs typeface="+mn-cs"/>
+            </a:endParaRPr>
+          </a:p>
+        </p:txBody>
+      </p:sp>
+      <p:pic>
+        <p:nvPicPr>
+          <p:cNvPr id="2" name="Picture 2" descr="E:\线下推广\常规物料\PPT规范\未标题-1-01.png"/>
+          <p:cNvPicPr>
+            <a:picLocks noChangeAspect="1"/>
+          </p:cNvPicPr>
+          <p:nvPr/>
+        </p:nvPicPr>
+        <p:blipFill>
+          <a:blip r:embed="rId3" cstate="print"/>
+          <a:stretch>
+            <a:fillRect/>
+          </a:stretch>
+        </p:blipFill>
+        <p:spPr>
+          <a:xfrm>
+            <a:off x="1894205" y="3091180"/>
+            <a:ext cx="5090160" cy="748665"/>
+          </a:xfrm>
+          <a:prstGeom prst="rect">
+            <a:avLst/>
+          </a:prstGeom>
+          <a:noFill/>
+          <a:ln w="9525">
+            <a:noFill/>
+          </a:ln>
+        </p:spPr>
+      </p:pic>
+      <p:sp>
+        <p:nvSpPr>
+          <p:cNvPr id="4" name="TextBox 4"/>
+          <p:cNvSpPr txBox="1"/>
+          <p:nvPr/>
+        </p:nvSpPr>
+        <p:spPr>
+          <a:xfrm>
+            <a:off x="2243138" y="3238818"/>
+            <a:ext cx="3164649" cy="400110"/>
           </a:xfrm>
           <a:prstGeom prst="rect">
             <a:avLst/>
@@ -4200,18 +4183,7 @@
                 <a:ea typeface="微软雅黑" panose="020B0503020204020204" pitchFamily="34" charset="-122"/>
                 <a:cs typeface="+mn-cs"/>
               </a:rPr>
-              <a:t>第三章        </a:t>
-            </a:r>
-            <a:r>
-              <a:rPr kumimoji="0" lang="en-US" altLang="zh-CN" sz="2000" b="1" kern="1200" cap="none" spc="300" normalizeH="0" baseline="0" noProof="0" dirty="0" smtClean="0">
-                <a:solidFill>
-                  <a:schemeClr val="bg1"/>
-                </a:solidFill>
-                <a:latin typeface="微软雅黑" panose="020B0503020204020204" pitchFamily="34" charset="-122"/>
-                <a:ea typeface="微软雅黑" panose="020B0503020204020204" pitchFamily="34" charset="-122"/>
-                <a:cs typeface="+mn-cs"/>
-              </a:rPr>
-              <a:t>JMS</a:t>
+              <a:t>第四</a:t>
             </a:r>
             <a:r>
               <a:rPr kumimoji="0" lang="zh-CN" altLang="en-US" sz="2000" b="1" kern="1200" cap="none" spc="300" normalizeH="0" baseline="0" noProof="0" dirty="0" smtClean="0">
@@ -4222,106 +4194,7 @@
                 <a:ea typeface="微软雅黑" panose="020B0503020204020204" pitchFamily="34" charset="-122"/>
                 <a:cs typeface="+mn-cs"/>
               </a:rPr>
-              <a:t>与</a:t>
-            </a:r>
-            <a:r>
-              <a:rPr kumimoji="0" lang="en-US" altLang="zh-CN" sz="2000" b="1" kern="1200" cap="none" spc="300" normalizeH="0" baseline="0" noProof="0" dirty="0" smtClean="0">
-                <a:solidFill>
-                  <a:schemeClr val="bg1"/>
-                </a:solidFill>
-                <a:latin typeface="微软雅黑" panose="020B0503020204020204" pitchFamily="34" charset="-122"/>
-                <a:ea typeface="微软雅黑" panose="020B0503020204020204" pitchFamily="34" charset="-122"/>
-                <a:cs typeface="+mn-cs"/>
-              </a:rPr>
-              <a:t>AMQP</a:t>
-            </a:r>
-            <a:r>
-              <a:rPr kumimoji="0" lang="zh-CN" altLang="en-US" sz="2000" b="1" kern="1200" cap="none" spc="300" normalizeH="0" baseline="0" noProof="0" dirty="0" smtClean="0">
-                <a:solidFill>
-                  <a:schemeClr val="bg1"/>
-                </a:solidFill>
-                <a:latin typeface="微软雅黑" panose="020B0503020204020204" pitchFamily="34" charset="-122"/>
-                <a:ea typeface="微软雅黑" panose="020B0503020204020204" pitchFamily="34" charset="-122"/>
-                <a:cs typeface="+mn-cs"/>
-              </a:rPr>
-              <a:t> </a:t>
-            </a:r>
-          </a:p>
-        </p:txBody>
-      </p:sp>
-      <p:pic>
-        <p:nvPicPr>
-          <p:cNvPr id="2" name="Picture 2" descr="E:\线下推广\常规物料\PPT规范\未标题-1-01.png"/>
-          <p:cNvPicPr>
-            <a:picLocks noChangeAspect="1"/>
-          </p:cNvPicPr>
-          <p:nvPr/>
-        </p:nvPicPr>
-        <p:blipFill>
-          <a:blip r:embed="rId3" cstate="print"/>
-          <a:stretch>
-            <a:fillRect/>
-          </a:stretch>
-        </p:blipFill>
-        <p:spPr>
-          <a:xfrm>
-            <a:off x="1894205" y="3091180"/>
-            <a:ext cx="5090160" cy="748665"/>
-          </a:xfrm>
-          <a:prstGeom prst="rect">
-            <a:avLst/>
-          </a:prstGeom>
-          <a:noFill/>
-          <a:ln w="9525">
-            <a:noFill/>
-          </a:ln>
-        </p:spPr>
-      </p:pic>
-      <p:sp>
-        <p:nvSpPr>
-          <p:cNvPr id="4" name="TextBox 4"/>
-          <p:cNvSpPr txBox="1"/>
-          <p:nvPr/>
-        </p:nvSpPr>
-        <p:spPr>
-          <a:xfrm>
-            <a:off x="2243138" y="3238818"/>
-            <a:ext cx="3470275" cy="398780"/>
-          </a:xfrm>
-          <a:prstGeom prst="rect">
-            <a:avLst/>
-          </a:prstGeom>
-          <a:noFill/>
-        </p:spPr>
-        <p:txBody>
-          <a:bodyPr wrap="none" rtlCol="0">
-            <a:spAutoFit/>
-          </a:bodyPr>
-          <a:lstStyle/>
-          <a:p>
-            <a:pPr marR="0" algn="l" defTabSz="914400" rtl="0" fontAlgn="auto">
-              <a:spcBef>
-                <a:spcPts val="0"/>
-              </a:spcBef>
-              <a:spcAft>
-                <a:spcPts val="0"/>
-              </a:spcAft>
-              <a:buClrTx/>
-              <a:buSzTx/>
-              <a:buFontTx/>
-              <a:buNone/>
-              <a:defRPr/>
-            </a:pPr>
-            <a:r>
-              <a:rPr kumimoji="0" lang="zh-CN" altLang="en-US" sz="2000" b="1" kern="1200" cap="none" spc="300" normalizeH="0" baseline="0" noProof="0" dirty="0" smtClean="0">
-                <a:solidFill>
-                  <a:schemeClr val="bg1"/>
-                </a:solidFill>
-                <a:latin typeface="微软雅黑" panose="020B0503020204020204" pitchFamily="34" charset="-122"/>
-                <a:ea typeface="微软雅黑" panose="020B0503020204020204" pitchFamily="34" charset="-122"/>
-                <a:cs typeface="+mn-cs"/>
-              </a:rPr>
-              <a:t>第四章       </a:t>
+              <a:t>章   </a:t>
             </a:r>
             <a:r>
               <a:rPr kumimoji="0" lang="en-US" altLang="zh-CN" sz="2000" b="1" kern="1200" cap="none" spc="300" normalizeH="0" baseline="0" noProof="0" dirty="0" smtClean="0">
@@ -4502,8 +4375,8 @@
         </p:nvSpPr>
         <p:spPr>
           <a:xfrm>
-            <a:off x="4112895" y="2174558"/>
-            <a:ext cx="919480" cy="491490"/>
+            <a:off x="2411761" y="2174558"/>
+            <a:ext cx="2952327" cy="523220"/>
           </a:xfrm>
           <a:prstGeom prst="rect">
             <a:avLst/>
@@ -4511,35 +4384,38 @@
           <a:noFill/>
         </p:spPr>
         <p:txBody>
-          <a:bodyPr wrap="none" rtlCol="0">
+          <a:bodyPr wrap="square" rtlCol="0">
             <a:spAutoFit/>
           </a:bodyPr>
           <a:lstStyle/>
           <a:p>
-            <a:pPr marR="0" algn="l" defTabSz="914400" rtl="0" fontAlgn="auto">
+            <a:pPr rtl="0" fontAlgn="auto">
               <a:spcBef>
                 <a:spcPts val="0"/>
               </a:spcBef>
               <a:spcAft>
                 <a:spcPts val="0"/>
               </a:spcAft>
-              <a:buClrTx/>
-              <a:buSzTx/>
-              <a:buFontTx/>
-              <a:buNone/>
               <a:defRPr/>
             </a:pPr>
             <a:r>
-              <a:rPr kumimoji="0" lang="zh-CN" altLang="zh-CN" sz="2600" b="1" kern="1200" cap="none" spc="300" normalizeH="0" baseline="0" noProof="0" dirty="0">
+              <a:rPr lang="zh-CN" altLang="en-US" sz="2800" b="1" spc="300" dirty="0" smtClean="0">
                 <a:solidFill>
                   <a:schemeClr val="bg1"/>
                 </a:solidFill>
                 <a:latin typeface="微软雅黑" panose="020B0503020204020204" pitchFamily="34" charset="-122"/>
                 <a:ea typeface="微软雅黑" panose="020B0503020204020204" pitchFamily="34" charset="-122"/>
-                <a:cs typeface="+mn-cs"/>
-              </a:rPr>
-              <a:t>队列</a:t>
-            </a:r>
+              </a:rPr>
+              <a:t>第一章   队列   </a:t>
+            </a:r>
+            <a:endParaRPr lang="zh-CN" altLang="en-US" sz="2800" b="1" spc="300" dirty="0" smtClean="0">
+              <a:solidFill>
+                <a:schemeClr val="bg1"/>
+              </a:solidFill>
+              <a:latin typeface="微软雅黑" panose="020B0503020204020204" pitchFamily="34" charset="-122"/>
+              <a:ea typeface="微软雅黑" panose="020B0503020204020204" pitchFamily="34" charset="-122"/>
+              <a:sym typeface="+mn-ea"/>
+            </a:endParaRPr>
           </a:p>
         </p:txBody>
       </p:sp>

--- a/分享.pptx
+++ b/分享.pptx
@@ -25,7 +25,9 @@
     <p:sldId id="391" r:id="rId20"/>
     <p:sldId id="392" r:id="rId21"/>
     <p:sldId id="395" r:id="rId22"/>
-    <p:sldId id="397" r:id="rId23"/>
+    <p:sldId id="434" r:id="rId23"/>
+    <p:sldId id="435" r:id="rId24"/>
+    <p:sldId id="397" r:id="rId25"/>
   </p:sldIdLst>
   <p:sldSz cx="9144000" cy="5143500" type="screen16x9"/>
   <p:notesSz cx="6858000" cy="9144000"/>
@@ -3812,6 +3814,452 @@
           </a:ln>
         </p:spPr>
       </p:pic>
+      <p:sp>
+        <p:nvSpPr>
+          <p:cNvPr id="6" name="标题 1"/>
+          <p:cNvSpPr txBox="1"/>
+          <p:nvPr/>
+        </p:nvSpPr>
+        <p:spPr>
+          <a:xfrm>
+            <a:off x="611560" y="195486"/>
+            <a:ext cx="4968552" cy="519187"/>
+          </a:xfrm>
+          <a:prstGeom prst="rect">
+            <a:avLst/>
+          </a:prstGeom>
+        </p:spPr>
+        <p:txBody>
+          <a:bodyPr/>
+          <a:lstStyle/>
+          <a:p>
+            <a:pPr marL="0" marR="0" lvl="0" indent="0" algn="l" defTabSz="914400" rtl="0" eaLnBrk="1" fontAlgn="auto" latinLnBrk="0" hangingPunct="1">
+              <a:lnSpc>
+                <a:spcPct val="100000"/>
+              </a:lnSpc>
+              <a:spcBef>
+                <a:spcPct val="0"/>
+              </a:spcBef>
+              <a:spcAft>
+                <a:spcPts val="0"/>
+              </a:spcAft>
+              <a:buClrTx/>
+              <a:buSzTx/>
+              <a:buFontTx/>
+              <a:buNone/>
+              <a:defRPr/>
+            </a:pPr>
+            <a:r>
+              <a:rPr kumimoji="0" lang="en-US" sz="2800" b="1" i="0" u="none" strike="noStrike" kern="1200" cap="none" spc="0" normalizeH="0" baseline="0" noProof="0" dirty="0">
+                <a:ln>
+                  <a:noFill/>
+                </a:ln>
+                <a:solidFill>
+                  <a:schemeClr val="tx1"/>
+                </a:solidFill>
+                <a:effectLst/>
+                <a:uLnTx/>
+                <a:uFillTx/>
+                <a:latin typeface="+mj-ea"/>
+                <a:ea typeface="+mj-ea"/>
+                <a:cs typeface="+mj-cs"/>
+              </a:rPr>
+              <a:t>RabbitMQ</a:t>
+            </a:r>
+            <a:r>
+              <a:rPr kumimoji="0" lang="zh-CN" altLang="en-US" sz="2800" b="1" i="0" u="none" strike="noStrike" kern="1200" cap="none" spc="0" normalizeH="0" baseline="0" noProof="0" dirty="0">
+                <a:ln>
+                  <a:noFill/>
+                </a:ln>
+                <a:solidFill>
+                  <a:schemeClr val="tx1"/>
+                </a:solidFill>
+                <a:effectLst/>
+                <a:uLnTx/>
+                <a:uFillTx/>
+                <a:latin typeface="+mj-ea"/>
+                <a:ea typeface="+mj-ea"/>
+                <a:cs typeface="+mj-cs"/>
+              </a:rPr>
+              <a:t>消息分发</a:t>
+            </a:r>
+            <a:r>
+              <a:rPr kumimoji="0" lang="zh-CN" sz="2800" b="1" i="0" u="none" strike="noStrike" kern="1200" cap="none" spc="0" normalizeH="0" baseline="0" noProof="0" dirty="0">
+                <a:ln>
+                  <a:noFill/>
+                </a:ln>
+                <a:solidFill>
+                  <a:schemeClr val="tx1"/>
+                </a:solidFill>
+                <a:effectLst/>
+                <a:uLnTx/>
+                <a:uFillTx/>
+                <a:latin typeface="+mj-ea"/>
+                <a:ea typeface="+mj-ea"/>
+                <a:cs typeface="+mj-cs"/>
+              </a:rPr>
+              <a:t>模式</a:t>
+            </a:r>
+            <a:r>
+              <a:rPr kumimoji="0" lang="en-US" sz="2800" b="1" i="0" u="none" strike="noStrike" kern="1200" cap="none" spc="0" normalizeH="0" baseline="0" noProof="0" dirty="0">
+                <a:ln>
+                  <a:noFill/>
+                </a:ln>
+                <a:solidFill>
+                  <a:schemeClr val="tx1"/>
+                </a:solidFill>
+                <a:effectLst/>
+                <a:uLnTx/>
+                <a:uFillTx/>
+                <a:latin typeface="+mj-ea"/>
+                <a:ea typeface="+mj-ea"/>
+                <a:cs typeface="+mj-cs"/>
+              </a:rPr>
+              <a:t> </a:t>
+            </a:r>
+            <a:endParaRPr kumimoji="0" lang="en-US" sz="2800" b="1" i="0" u="none" strike="noStrike" kern="1200" cap="none" spc="0" normalizeH="0" baseline="0" noProof="0" dirty="0">
+              <a:ln>
+                <a:noFill/>
+              </a:ln>
+              <a:solidFill>
+                <a:schemeClr val="tx1"/>
+              </a:solidFill>
+              <a:effectLst/>
+              <a:uLnTx/>
+              <a:uFillTx/>
+              <a:latin typeface="+mj-ea"/>
+              <a:ea typeface="+mj-ea"/>
+              <a:cs typeface="+mj-cs"/>
+            </a:endParaRPr>
+          </a:p>
+        </p:txBody>
+      </p:sp>
+      <p:sp>
+        <p:nvSpPr>
+          <p:cNvPr id="3" name="文本框 2"/>
+          <p:cNvSpPr txBox="1"/>
+          <p:nvPr/>
+        </p:nvSpPr>
+        <p:spPr>
+          <a:xfrm>
+            <a:off x="723900" y="1246505"/>
+            <a:ext cx="7563485" cy="2030095"/>
+          </a:xfrm>
+          <a:prstGeom prst="rect">
+            <a:avLst/>
+          </a:prstGeom>
+          <a:noFill/>
+        </p:spPr>
+        <p:txBody>
+          <a:bodyPr wrap="square" rtlCol="0" anchor="t">
+            <a:spAutoFit/>
+          </a:bodyPr>
+          <a:p>
+            <a:r>
+              <a:rPr lang="zh-CN" altLang="en-US"/>
+              <a:t>Direct：通过 Routing key 来分配消息 应该分配给那个消息队列。在给交换机绑定 消息对列的时候需要指定  路由关键字，并且路由关键字必须是不包含通配符。</a:t>
+            </a:r>
+            <a:endParaRPr lang="zh-CN" altLang="en-US"/>
+          </a:p>
+          <a:p>
+            <a:r>
+              <a:rPr lang="zh-CN" altLang="en-US"/>
+              <a:t>特点：消息明确，只有一个对列会消费这个消息。</a:t>
+            </a:r>
+            <a:endParaRPr lang="zh-CN" altLang="en-US"/>
+          </a:p>
+          <a:p>
+            <a:r>
+              <a:rPr lang="zh-CN" altLang="en-US"/>
+              <a:t>官方解释：转发消息到routingKey中指定的队列</a:t>
+            </a:r>
+            <a:endParaRPr lang="zh-CN" altLang="en-US"/>
+          </a:p>
+          <a:p>
+            <a:r>
+              <a:rPr lang="zh-CN" altLang="en-US"/>
+              <a:t>要求队列绑定时使用的bindingKey和发送时使用routingKey的保持一致，保证只有key匹配的队列中才可以进行收发消息</a:t>
+            </a:r>
+            <a:endParaRPr lang="zh-CN" altLang="en-US"/>
+          </a:p>
+        </p:txBody>
+      </p:sp>
+    </p:spTree>
+  </p:cSld>
+  <p:clrMapOvr>
+    <a:masterClrMapping/>
+  </p:clrMapOvr>
+</p:sld>
+</file>
+
+<file path=ppt/slides/slide22.xml><?xml version="1.0" encoding="utf-8"?>
+<p:sld xmlns:a="http://schemas.openxmlformats.org/drawingml/2006/main" xmlns:r="http://schemas.openxmlformats.org/officeDocument/2006/relationships" xmlns:p="http://schemas.openxmlformats.org/presentationml/2006/main">
+  <p:cSld>
+    <p:spTree>
+      <p:nvGrpSpPr>
+        <p:cNvPr id="1" name=""/>
+        <p:cNvGrpSpPr/>
+        <p:nvPr/>
+      </p:nvGrpSpPr>
+      <p:grpSpPr>
+        <a:xfrm>
+          <a:off x="0" y="0"/>
+          <a:ext cx="0" cy="0"/>
+          <a:chOff x="0" y="0"/>
+          <a:chExt cx="0" cy="0"/>
+        </a:xfrm>
+      </p:grpSpPr>
+      <p:pic>
+        <p:nvPicPr>
+          <p:cNvPr id="6146" name="Picture 4" descr="E:\常规物料\PPT规范\模板\PPT规范设计-15-15.png"/>
+          <p:cNvPicPr>
+            <a:picLocks noChangeAspect="1"/>
+          </p:cNvPicPr>
+          <p:nvPr/>
+        </p:nvPicPr>
+        <p:blipFill>
+          <a:blip r:embed="rId1" cstate="print"/>
+          <a:stretch>
+            <a:fillRect/>
+          </a:stretch>
+        </p:blipFill>
+        <p:spPr>
+          <a:xfrm>
+            <a:off x="5516563" y="227013"/>
+            <a:ext cx="3627437" cy="350837"/>
+          </a:xfrm>
+          <a:prstGeom prst="rect">
+            <a:avLst/>
+          </a:prstGeom>
+          <a:noFill/>
+          <a:ln w="9525">
+            <a:noFill/>
+          </a:ln>
+        </p:spPr>
+      </p:pic>
+      <p:sp>
+        <p:nvSpPr>
+          <p:cNvPr id="6" name="标题 1"/>
+          <p:cNvSpPr txBox="1"/>
+          <p:nvPr/>
+        </p:nvSpPr>
+        <p:spPr>
+          <a:xfrm>
+            <a:off x="611560" y="195486"/>
+            <a:ext cx="4968552" cy="519187"/>
+          </a:xfrm>
+          <a:prstGeom prst="rect">
+            <a:avLst/>
+          </a:prstGeom>
+        </p:spPr>
+        <p:txBody>
+          <a:bodyPr/>
+          <a:lstStyle/>
+          <a:p>
+            <a:pPr marL="0" marR="0" lvl="0" indent="0" algn="l" defTabSz="914400" rtl="0" eaLnBrk="1" fontAlgn="auto" latinLnBrk="0" hangingPunct="1">
+              <a:lnSpc>
+                <a:spcPct val="100000"/>
+              </a:lnSpc>
+              <a:spcBef>
+                <a:spcPct val="0"/>
+              </a:spcBef>
+              <a:spcAft>
+                <a:spcPts val="0"/>
+              </a:spcAft>
+              <a:buClrTx/>
+              <a:buSzTx/>
+              <a:buFontTx/>
+              <a:buNone/>
+              <a:defRPr/>
+            </a:pPr>
+            <a:r>
+              <a:rPr kumimoji="0" lang="en-US" sz="2800" b="1" i="0" u="none" strike="noStrike" kern="1200" cap="none" spc="0" normalizeH="0" baseline="0" noProof="0" dirty="0">
+                <a:ln>
+                  <a:noFill/>
+                </a:ln>
+                <a:solidFill>
+                  <a:schemeClr val="tx1"/>
+                </a:solidFill>
+                <a:effectLst/>
+                <a:uLnTx/>
+                <a:uFillTx/>
+                <a:latin typeface="+mj-ea"/>
+                <a:ea typeface="+mj-ea"/>
+                <a:cs typeface="+mj-cs"/>
+              </a:rPr>
+              <a:t>RabbitMQ</a:t>
+            </a:r>
+            <a:r>
+              <a:rPr kumimoji="0" lang="zh-CN" altLang="en-US" sz="2800" b="1" i="0" u="none" strike="noStrike" kern="1200" cap="none" spc="0" normalizeH="0" baseline="0" noProof="0" dirty="0">
+                <a:ln>
+                  <a:noFill/>
+                </a:ln>
+                <a:solidFill>
+                  <a:schemeClr val="tx1"/>
+                </a:solidFill>
+                <a:effectLst/>
+                <a:uLnTx/>
+                <a:uFillTx/>
+                <a:latin typeface="+mj-ea"/>
+                <a:ea typeface="+mj-ea"/>
+                <a:cs typeface="+mj-cs"/>
+              </a:rPr>
+              <a:t>消息分发</a:t>
+            </a:r>
+            <a:r>
+              <a:rPr kumimoji="0" lang="zh-CN" sz="2800" b="1" i="0" u="none" strike="noStrike" kern="1200" cap="none" spc="0" normalizeH="0" baseline="0" noProof="0" dirty="0">
+                <a:ln>
+                  <a:noFill/>
+                </a:ln>
+                <a:solidFill>
+                  <a:schemeClr val="tx1"/>
+                </a:solidFill>
+                <a:effectLst/>
+                <a:uLnTx/>
+                <a:uFillTx/>
+                <a:latin typeface="+mj-ea"/>
+                <a:ea typeface="+mj-ea"/>
+                <a:cs typeface="+mj-cs"/>
+              </a:rPr>
+              <a:t>模式</a:t>
+            </a:r>
+            <a:r>
+              <a:rPr kumimoji="0" lang="en-US" sz="2800" b="1" i="0" u="none" strike="noStrike" kern="1200" cap="none" spc="0" normalizeH="0" baseline="0" noProof="0" dirty="0">
+                <a:ln>
+                  <a:noFill/>
+                </a:ln>
+                <a:solidFill>
+                  <a:schemeClr val="tx1"/>
+                </a:solidFill>
+                <a:effectLst/>
+                <a:uLnTx/>
+                <a:uFillTx/>
+                <a:latin typeface="+mj-ea"/>
+                <a:ea typeface="+mj-ea"/>
+                <a:cs typeface="+mj-cs"/>
+              </a:rPr>
+              <a:t> </a:t>
+            </a:r>
+            <a:endParaRPr kumimoji="0" lang="en-US" sz="2800" b="1" i="0" u="none" strike="noStrike" kern="1200" cap="none" spc="0" normalizeH="0" baseline="0" noProof="0" dirty="0">
+              <a:ln>
+                <a:noFill/>
+              </a:ln>
+              <a:solidFill>
+                <a:schemeClr val="tx1"/>
+              </a:solidFill>
+              <a:effectLst/>
+              <a:uLnTx/>
+              <a:uFillTx/>
+              <a:latin typeface="+mj-ea"/>
+              <a:ea typeface="+mj-ea"/>
+              <a:cs typeface="+mj-cs"/>
+            </a:endParaRPr>
+          </a:p>
+        </p:txBody>
+      </p:sp>
+      <p:sp>
+        <p:nvSpPr>
+          <p:cNvPr id="3" name="文本框 2"/>
+          <p:cNvSpPr txBox="1"/>
+          <p:nvPr/>
+        </p:nvSpPr>
+        <p:spPr>
+          <a:xfrm>
+            <a:off x="723900" y="1246505"/>
+            <a:ext cx="7563485" cy="2030095"/>
+          </a:xfrm>
+          <a:prstGeom prst="rect">
+            <a:avLst/>
+          </a:prstGeom>
+          <a:noFill/>
+        </p:spPr>
+        <p:txBody>
+          <a:bodyPr wrap="square" rtlCol="0" anchor="t">
+            <a:spAutoFit/>
+          </a:bodyPr>
+          <a:p>
+            <a:r>
+              <a:rPr lang="zh-CN" altLang="en-US"/>
+              <a:t>fanout：把消息分给这个 交换机下面的所有 消息队列，值得注意的是 fanout 类型的 绑定 消息对列的时候不需要指配  Routing key 。所以fanout查询rabbit_route忽略了路由键</a:t>
+            </a:r>
+            <a:endParaRPr lang="zh-CN" altLang="en-US"/>
+          </a:p>
+          <a:p>
+            <a:r>
+              <a:rPr lang="zh-CN" altLang="en-US"/>
+              <a:t>特点：分配给全部的绑定在这个交换机上的消息队列。类似于发布订阅机制。</a:t>
+            </a:r>
+            <a:endParaRPr lang="zh-CN" altLang="en-US"/>
+          </a:p>
+          <a:p>
+            <a:r>
+              <a:rPr lang="zh-CN" altLang="en-US"/>
+              <a:t>官方解释：转发消息到与该交换机绑定的所有队列</a:t>
+            </a:r>
+            <a:endParaRPr lang="zh-CN" altLang="en-US"/>
+          </a:p>
+          <a:p>
+            <a:r>
+              <a:rPr lang="zh-CN" altLang="en-US"/>
+              <a:t>只要接收端和发送端使用同一个交换机，所有端都可以收发消息</a:t>
+            </a:r>
+            <a:endParaRPr lang="zh-CN" altLang="en-US"/>
+          </a:p>
+        </p:txBody>
+      </p:sp>
+    </p:spTree>
+  </p:cSld>
+  <p:clrMapOvr>
+    <a:masterClrMapping/>
+  </p:clrMapOvr>
+</p:sld>
+</file>
+
+<file path=ppt/slides/slide23.xml><?xml version="1.0" encoding="utf-8"?>
+<p:sld xmlns:a="http://schemas.openxmlformats.org/drawingml/2006/main" xmlns:r="http://schemas.openxmlformats.org/officeDocument/2006/relationships" xmlns:p="http://schemas.openxmlformats.org/presentationml/2006/main">
+  <p:cSld>
+    <p:spTree>
+      <p:nvGrpSpPr>
+        <p:cNvPr id="1" name=""/>
+        <p:cNvGrpSpPr/>
+        <p:nvPr/>
+      </p:nvGrpSpPr>
+      <p:grpSpPr>
+        <a:xfrm>
+          <a:off x="0" y="0"/>
+          <a:ext cx="0" cy="0"/>
+          <a:chOff x="0" y="0"/>
+          <a:chExt cx="0" cy="0"/>
+        </a:xfrm>
+      </p:grpSpPr>
+      <p:pic>
+        <p:nvPicPr>
+          <p:cNvPr id="6146" name="Picture 4" descr="E:\常规物料\PPT规范\模板\PPT规范设计-15-15.png"/>
+          <p:cNvPicPr>
+            <a:picLocks noChangeAspect="1"/>
+          </p:cNvPicPr>
+          <p:nvPr/>
+        </p:nvPicPr>
+        <p:blipFill>
+          <a:blip r:embed="rId1" cstate="print"/>
+          <a:stretch>
+            <a:fillRect/>
+          </a:stretch>
+        </p:blipFill>
+        <p:spPr>
+          <a:xfrm>
+            <a:off x="5516563" y="227013"/>
+            <a:ext cx="3627437" cy="350837"/>
+          </a:xfrm>
+          <a:prstGeom prst="rect">
+            <a:avLst/>
+          </a:prstGeom>
+          <a:noFill/>
+          <a:ln w="9525">
+            <a:noFill/>
+          </a:ln>
+        </p:spPr>
+      </p:pic>
       <p:pic>
         <p:nvPicPr>
           <p:cNvPr id="5" name="图片 4" descr="e19b7484259cfc36efca000392815273"/>

--- a/分享.pptx
+++ b/分享.pptx
@@ -5,29 +5,32 @@
     <p:sldMasterId id="2147483648" r:id="rId1"/>
   </p:sldMasterIdLst>
   <p:sldIdLst>
-    <p:sldId id="257" r:id="rId3"/>
-    <p:sldId id="258" r:id="rId4"/>
-    <p:sldId id="259" r:id="rId5"/>
-    <p:sldId id="262" r:id="rId6"/>
-    <p:sldId id="412" r:id="rId7"/>
-    <p:sldId id="260" r:id="rId8"/>
-    <p:sldId id="427" r:id="rId9"/>
-    <p:sldId id="430" r:id="rId10"/>
-    <p:sldId id="380" r:id="rId11"/>
-    <p:sldId id="432" r:id="rId12"/>
-    <p:sldId id="413" r:id="rId13"/>
-    <p:sldId id="433" r:id="rId14"/>
-    <p:sldId id="300" r:id="rId15"/>
-    <p:sldId id="414" r:id="rId16"/>
-    <p:sldId id="383" r:id="rId17"/>
-    <p:sldId id="388" r:id="rId18"/>
-    <p:sldId id="389" r:id="rId19"/>
-    <p:sldId id="391" r:id="rId20"/>
-    <p:sldId id="392" r:id="rId21"/>
-    <p:sldId id="395" r:id="rId22"/>
-    <p:sldId id="434" r:id="rId23"/>
-    <p:sldId id="435" r:id="rId24"/>
-    <p:sldId id="397" r:id="rId25"/>
+    <p:sldId id="257" r:id="rId2"/>
+    <p:sldId id="258" r:id="rId3"/>
+    <p:sldId id="259" r:id="rId4"/>
+    <p:sldId id="262" r:id="rId5"/>
+    <p:sldId id="412" r:id="rId6"/>
+    <p:sldId id="260" r:id="rId7"/>
+    <p:sldId id="427" r:id="rId8"/>
+    <p:sldId id="430" r:id="rId9"/>
+    <p:sldId id="380" r:id="rId10"/>
+    <p:sldId id="432" r:id="rId11"/>
+    <p:sldId id="413" r:id="rId12"/>
+    <p:sldId id="433" r:id="rId13"/>
+    <p:sldId id="300" r:id="rId14"/>
+    <p:sldId id="414" r:id="rId15"/>
+    <p:sldId id="383" r:id="rId16"/>
+    <p:sldId id="392" r:id="rId17"/>
+    <p:sldId id="439" r:id="rId18"/>
+    <p:sldId id="395" r:id="rId19"/>
+    <p:sldId id="437" r:id="rId20"/>
+    <p:sldId id="434" r:id="rId21"/>
+    <p:sldId id="440" r:id="rId22"/>
+    <p:sldId id="441" r:id="rId23"/>
+    <p:sldId id="438" r:id="rId24"/>
+    <p:sldId id="442" r:id="rId25"/>
+    <p:sldId id="443" r:id="rId26"/>
+    <p:sldId id="444" r:id="rId27"/>
   </p:sldIdLst>
   <p:sldSz cx="9144000" cy="5143500" type="screen16x9"/>
   <p:notesSz cx="6858000" cy="9144000"/>
@@ -288,7 +291,6 @@
               <a:rPr lang="zh-CN" altLang="en-US"/>
               <a:t>单击此处编辑母版标题样式</a:t>
             </a:r>
-            <a:endParaRPr lang="zh-CN" altLang="en-US"/>
           </a:p>
         </p:txBody>
       </p:sp>
@@ -320,7 +322,6 @@
               <a:rPr lang="zh-CN" altLang="en-US"/>
               <a:t>单击此处编辑母版文本样式</a:t>
             </a:r>
-            <a:endParaRPr lang="zh-CN" altLang="en-US"/>
           </a:p>
           <a:p>
             <a:pPr lvl="1"/>
@@ -328,7 +329,6 @@
               <a:rPr lang="zh-CN" altLang="en-US"/>
               <a:t>二级</a:t>
             </a:r>
-            <a:endParaRPr lang="zh-CN" altLang="en-US"/>
           </a:p>
           <a:p>
             <a:pPr lvl="2"/>
@@ -336,7 +336,6 @@
               <a:rPr lang="zh-CN" altLang="en-US"/>
               <a:t>三级</a:t>
             </a:r>
-            <a:endParaRPr lang="zh-CN" altLang="en-US"/>
           </a:p>
           <a:p>
             <a:pPr lvl="3"/>
@@ -344,7 +343,6 @@
               <a:rPr lang="zh-CN" altLang="en-US"/>
               <a:t>四级</a:t>
             </a:r>
-            <a:endParaRPr lang="zh-CN" altLang="en-US"/>
           </a:p>
           <a:p>
             <a:pPr lvl="4"/>
@@ -352,7 +350,6 @@
               <a:rPr lang="zh-CN" altLang="en-US"/>
               <a:t>五级</a:t>
             </a:r>
-            <a:endParaRPr lang="zh-CN" altLang="en-US"/>
           </a:p>
         </p:txBody>
       </p:sp>
@@ -381,6 +378,8 @@
           <a:p>
             <a:fld id="{25D17C82-9B32-40A6-8F74-6C9772353D20}" type="datetimeFigureOut">
               <a:rPr lang="zh-CN" altLang="en-US" smtClean="0"/>
+              <a:pPr/>
+              <a:t>2019/11/19 Tuesday</a:t>
             </a:fld>
             <a:endParaRPr lang="zh-CN" altLang="en-US"/>
           </a:p>
@@ -438,6 +437,8 @@
           <a:p>
             <a:fld id="{68FEE3CD-21F1-4DDD-B0C7-7410C46C4117}" type="slidenum">
               <a:rPr lang="zh-CN" altLang="en-US" smtClean="0"/>
+              <a:pPr/>
+              <a:t>‹#›</a:t>
             </a:fld>
             <a:endParaRPr lang="zh-CN" altLang="en-US"/>
           </a:p>
@@ -760,7 +761,7 @@
           <p:nvPr/>
         </p:nvPicPr>
         <p:blipFill>
-          <a:blip r:embed="rId1" cstate="print"/>
+          <a:blip r:embed="rId2" cstate="print"/>
           <a:stretch>
             <a:fillRect/>
           </a:stretch>
@@ -820,7 +821,7 @@
           <p:nvPr/>
         </p:nvPicPr>
         <p:blipFill>
-          <a:blip r:embed="rId1" cstate="print"/>
+          <a:blip r:embed="rId2" cstate="print"/>
           <a:stretch>
             <a:fillRect/>
           </a:stretch>
@@ -848,7 +849,7 @@
           <p:nvPr/>
         </p:nvPicPr>
         <p:blipFill>
-          <a:blip r:embed="rId2" cstate="print"/>
+          <a:blip r:embed="rId3" cstate="print"/>
           <a:stretch>
             <a:fillRect/>
           </a:stretch>
@@ -871,7 +872,7 @@
         </p:nvSpPr>
         <p:spPr>
           <a:xfrm>
-            <a:off x="3281045" y="1598930"/>
+            <a:off x="2915816" y="1635646"/>
             <a:ext cx="3314700" cy="368300"/>
           </a:xfrm>
           <a:prstGeom prst="rect">
@@ -883,21 +884,21 @@
           <a:bodyPr wrap="square" rtlCol="0" anchor="t">
             <a:spAutoFit/>
           </a:bodyPr>
+          <a:lstStyle/>
           <a:p>
             <a:pPr algn="ctr"/>
             <a:r>
-              <a:rPr lang="zh-CN" altLang="en-US"/>
+              <a:rPr lang="zh-CN" altLang="en-US" dirty="0"/>
               <a:t>什么是</a:t>
             </a:r>
             <a:r>
-              <a:rPr lang="en-US" altLang="zh-CN"/>
+              <a:rPr lang="en-US" altLang="zh-CN" dirty="0"/>
               <a:t>MQ</a:t>
             </a:r>
             <a:r>
-              <a:rPr lang="zh-CN" altLang="en-US"/>
+              <a:rPr lang="zh-CN" altLang="en-US" dirty="0"/>
               <a:t>？</a:t>
             </a:r>
-            <a:endParaRPr lang="zh-CN" altLang="en-US"/>
           </a:p>
         </p:txBody>
       </p:sp>
@@ -1140,7 +1141,7 @@
           <p:nvPr/>
         </p:nvPicPr>
         <p:blipFill>
-          <a:blip r:embed="rId1" cstate="print"/>
+          <a:blip r:embed="rId2" cstate="print"/>
           <a:stretch>
             <a:fillRect/>
           </a:stretch>
@@ -1275,10 +1276,6 @@
               </a:rPr>
               <a:t>等，也可以很复杂，比如内嵌对象。</a:t>
             </a:r>
-            <a:endParaRPr lang="zh-CN" altLang="en-US" dirty="0" smtClean="0">
-              <a:latin typeface="+mn-lt"/>
-              <a:ea typeface="+mn-ea"/>
-            </a:endParaRPr>
           </a:p>
           <a:p>
             <a:pPr marL="342900" marR="0" lvl="0" indent="-342900" algn="l" defTabSz="914400" rtl="0" eaLnBrk="1" fontAlgn="auto" latinLnBrk="0" hangingPunct="1">
@@ -1341,7 +1338,7 @@
                             </p:stCondLst>
                             <p:childTnLst>
                               <p:par>
-                                <p:cTn id="5" presetID="2" presetClass="entr" presetSubtype="4" fill="hold" grpId="0" nodeType="clickEffect">
+                                <p:cTn id="5" presetID="3" presetClass="entr" presetSubtype="10" fill="hold" grpId="0" nodeType="clickEffect">
                                   <p:stCondLst>
                                     <p:cond delay="0"/>
                                   </p:stCondLst>
@@ -1349,97 +1346,6 @@
                                     <p:set>
                                       <p:cBhvr>
                                         <p:cTn id="6" dur="1" fill="hold">
-                                          <p:stCondLst>
-                                            <p:cond delay="0"/>
-                                          </p:stCondLst>
-                                        </p:cTn>
-                                        <p:tgtEl>
-                                          <p:spTgt spid="8"/>
-                                        </p:tgtEl>
-                                        <p:attrNameLst>
-                                          <p:attrName>style.visibility</p:attrName>
-                                        </p:attrNameLst>
-                                      </p:cBhvr>
-                                      <p:to>
-                                        <p:strVal val="visible"/>
-                                      </p:to>
-                                    </p:set>
-                                    <p:anim calcmode="lin" valueType="num">
-                                      <p:cBhvr additive="base">
-                                        <p:cTn id="7" dur="500" fill="hold"/>
-                                        <p:tgtEl>
-                                          <p:spTgt spid="8"/>
-                                        </p:tgtEl>
-                                        <p:attrNameLst>
-                                          <p:attrName>ppt_x</p:attrName>
-                                        </p:attrNameLst>
-                                      </p:cBhvr>
-                                      <p:tavLst>
-                                        <p:tav tm="0">
-                                          <p:val>
-                                            <p:strVal val="#ppt_x"/>
-                                          </p:val>
-                                        </p:tav>
-                                        <p:tav tm="100000">
-                                          <p:val>
-                                            <p:strVal val="#ppt_x"/>
-                                          </p:val>
-                                        </p:tav>
-                                      </p:tavLst>
-                                    </p:anim>
-                                    <p:anim calcmode="lin" valueType="num">
-                                      <p:cBhvr additive="base">
-                                        <p:cTn id="8" dur="500" fill="hold"/>
-                                        <p:tgtEl>
-                                          <p:spTgt spid="8"/>
-                                        </p:tgtEl>
-                                        <p:attrNameLst>
-                                          <p:attrName>ppt_y</p:attrName>
-                                        </p:attrNameLst>
-                                      </p:cBhvr>
-                                      <p:tavLst>
-                                        <p:tav tm="0">
-                                          <p:val>
-                                            <p:strVal val="1+#ppt_h/2"/>
-                                          </p:val>
-                                        </p:tav>
-                                        <p:tav tm="100000">
-                                          <p:val>
-                                            <p:strVal val="#ppt_y"/>
-                                          </p:val>
-                                        </p:tav>
-                                      </p:tavLst>
-                                    </p:anim>
-                                  </p:childTnLst>
-                                </p:cTn>
-                              </p:par>
-                            </p:childTnLst>
-                          </p:cTn>
-                        </p:par>
-                      </p:childTnLst>
-                    </p:cTn>
-                  </p:par>
-                  <p:par>
-                    <p:cTn id="9" fill="hold">
-                      <p:stCondLst>
-                        <p:cond delay="indefinite"/>
-                      </p:stCondLst>
-                      <p:childTnLst>
-                        <p:par>
-                          <p:cTn id="10" fill="hold">
-                            <p:stCondLst>
-                              <p:cond delay="0"/>
-                            </p:stCondLst>
-                            <p:childTnLst>
-                              <p:par>
-                                <p:cTn id="11" presetID="3" presetClass="entr" presetSubtype="10" fill="hold" grpId="0" nodeType="clickEffect">
-                                  <p:stCondLst>
-                                    <p:cond delay="0"/>
-                                  </p:stCondLst>
-                                  <p:childTnLst>
-                                    <p:set>
-                                      <p:cBhvr>
-                                        <p:cTn id="12" dur="1" fill="hold">
                                           <p:stCondLst>
                                             <p:cond delay="0"/>
                                           </p:stCondLst>
@@ -1461,7 +1367,7 @@
                                     </p:set>
                                     <p:animEffect transition="in" filter="blinds(horizontal)">
                                       <p:cBhvr>
-                                        <p:cTn id="13" dur="500"/>
+                                        <p:cTn id="7" dur="500"/>
                                         <p:tgtEl>
                                           <p:spTgt spid="3">
                                             <p:txEl>
@@ -1481,26 +1387,26 @@
                     </p:cTn>
                   </p:par>
                   <p:par>
-                    <p:cTn id="14" fill="hold">
+                    <p:cTn id="8" fill="hold">
                       <p:stCondLst>
                         <p:cond delay="indefinite"/>
                       </p:stCondLst>
                       <p:childTnLst>
                         <p:par>
-                          <p:cTn id="15" fill="hold">
+                          <p:cTn id="9" fill="hold">
                             <p:stCondLst>
                               <p:cond delay="0"/>
                             </p:stCondLst>
                             <p:childTnLst>
                               <p:par>
-                                <p:cTn id="16" presetID="3" presetClass="entr" presetSubtype="10" fill="hold" grpId="0" nodeType="clickEffect">
+                                <p:cTn id="10" presetID="3" presetClass="entr" presetSubtype="10" fill="hold" grpId="0" nodeType="clickEffect">
                                   <p:stCondLst>
                                     <p:cond delay="0"/>
                                   </p:stCondLst>
                                   <p:childTnLst>
                                     <p:set>
                                       <p:cBhvr>
-                                        <p:cTn id="17" dur="1" fill="hold">
+                                        <p:cTn id="11" dur="1" fill="hold">
                                           <p:stCondLst>
                                             <p:cond delay="0"/>
                                           </p:stCondLst>
@@ -1522,7 +1428,7 @@
                                     </p:set>
                                     <p:animEffect transition="in" filter="blinds(horizontal)">
                                       <p:cBhvr>
-                                        <p:cTn id="18" dur="500"/>
+                                        <p:cTn id="12" dur="500"/>
                                         <p:tgtEl>
                                           <p:spTgt spid="3">
                                             <p:txEl>
@@ -1564,7 +1470,6 @@
     </p:tnLst>
     <p:bldLst>
       <p:bldP spid="3" grpId="0" build="p"/>
-      <p:bldP spid="8" grpId="0"/>
     </p:bldLst>
   </p:timing>
 </p:sld>
@@ -1596,7 +1501,7 @@
           <p:nvPr/>
         </p:nvPicPr>
         <p:blipFill>
-          <a:blip r:embed="rId1" cstate="print"/>
+          <a:blip r:embed="rId2" cstate="print"/>
           <a:stretch>
             <a:fillRect/>
           </a:stretch>
@@ -1624,7 +1529,7 @@
           <p:nvPr/>
         </p:nvPicPr>
         <p:blipFill>
-          <a:blip r:embed="rId2" cstate="print"/>
+          <a:blip r:embed="rId3" cstate="print"/>
           <a:stretch>
             <a:fillRect/>
           </a:stretch>
@@ -1647,7 +1552,7 @@
         </p:nvSpPr>
         <p:spPr>
           <a:xfrm>
-            <a:off x="3281045" y="1598930"/>
+            <a:off x="3131840" y="1563638"/>
             <a:ext cx="3314700" cy="368300"/>
           </a:xfrm>
           <a:prstGeom prst="rect">
@@ -1659,17 +1564,17 @@
           <a:bodyPr wrap="square" rtlCol="0" anchor="t">
             <a:spAutoFit/>
           </a:bodyPr>
+          <a:lstStyle/>
           <a:p>
             <a:pPr algn="ctr"/>
             <a:r>
-              <a:rPr lang="en-US"/>
+              <a:rPr lang="en-US" dirty="0"/>
               <a:t>MQ</a:t>
             </a:r>
             <a:r>
-              <a:rPr lang="zh-CN" altLang="en-US"/>
+              <a:rPr lang="zh-CN" altLang="en-US" dirty="0"/>
               <a:t>带来什么好处？</a:t>
             </a:r>
-            <a:endParaRPr lang="zh-CN" altLang="en-US"/>
           </a:p>
         </p:txBody>
       </p:sp>
@@ -1782,7 +1687,7 @@
           <p:nvPr/>
         </p:nvPicPr>
         <p:blipFill>
-          <a:blip r:embed="rId1" cstate="print"/>
+          <a:blip r:embed="rId2" cstate="print"/>
           <a:stretch>
             <a:fillRect/>
           </a:stretch>
@@ -2340,9 +2245,6 @@
               </a:rPr>
               <a:t>可靠消息最终一致性</a:t>
             </a:r>
-            <a:endParaRPr lang="zh-CN" altLang="en-US" sz="2800" b="1" dirty="0">
-              <a:latin typeface="+mj-ea"/>
-            </a:endParaRPr>
           </a:p>
         </p:txBody>
       </p:sp>
@@ -2393,7 +2295,7 @@
           <p:nvPr/>
         </p:nvPicPr>
         <p:blipFill>
-          <a:blip r:embed="rId1" cstate="print"/>
+          <a:blip r:embed="rId2" cstate="print"/>
           <a:stretch>
             <a:fillRect/>
           </a:stretch>
@@ -2417,7 +2319,7 @@
           <p:nvPr/>
         </p:nvPicPr>
         <p:blipFill>
-          <a:blip r:embed="rId2" cstate="print"/>
+          <a:blip r:embed="rId3" cstate="print"/>
           <a:stretch>
             <a:fillRect/>
           </a:stretch>
@@ -2441,7 +2343,7 @@
           <p:nvPr/>
         </p:nvPicPr>
         <p:blipFill>
-          <a:blip r:embed="rId3" cstate="print"/>
+          <a:blip r:embed="rId4" cstate="print"/>
           <a:stretch>
             <a:fillRect/>
           </a:stretch>
@@ -2465,7 +2367,7 @@
           <p:nvPr/>
         </p:nvPicPr>
         <p:blipFill>
-          <a:blip r:embed="rId4" cstate="print"/>
+          <a:blip r:embed="rId5" cstate="print"/>
           <a:stretch>
             <a:fillRect/>
           </a:stretch>
@@ -2489,7 +2391,7 @@
           <p:nvPr/>
         </p:nvPicPr>
         <p:blipFill>
-          <a:blip r:embed="rId5" cstate="print"/>
+          <a:blip r:embed="rId6" cstate="print"/>
           <a:stretch>
             <a:fillRect/>
           </a:stretch>
@@ -2549,7 +2451,7 @@
           <p:nvPr/>
         </p:nvPicPr>
         <p:blipFill>
-          <a:blip r:embed="rId1" cstate="print"/>
+          <a:blip r:embed="rId2" cstate="print"/>
           <a:stretch>
             <a:fillRect/>
           </a:stretch>
@@ -2725,10 +2627,10 @@
           <p:nvPr/>
         </p:nvPicPr>
         <p:blipFill>
-          <a:blip r:embed="rId2" cstate="print">
+          <a:blip r:embed="rId3" cstate="print">
             <a:extLst>
               <a:ext uri="{28A0092B-C50C-407E-A947-70E740481C1C}">
-                <a14:useLocalDpi xmlns:a14="http://schemas.microsoft.com/office/drawing/2010/main" val="0"/>
+                <a14:useLocalDpi xmlns:a14="http://schemas.microsoft.com/office/drawing/2010/main" xmlns="" val="0"/>
               </a:ext>
             </a:extLst>
           </a:blip>
@@ -2748,7 +2650,7 @@
           <a:noFill/>
           <a:extLst>
             <a:ext uri="{909E8E84-426E-40DD-AFC4-6F175D3DCCD1}">
-              <a14:hiddenFill xmlns:a14="http://schemas.microsoft.com/office/drawing/2010/main">
+              <a14:hiddenFill xmlns:a14="http://schemas.microsoft.com/office/drawing/2010/main" xmlns="">
                 <a:solidFill>
                   <a:srgbClr val="FFFFFF"/>
                 </a:solidFill>
@@ -2968,14 +2870,14 @@
           <p:nvPr/>
         </p:nvPicPr>
         <p:blipFill>
-          <a:blip r:embed="rId1" cstate="print"/>
+          <a:blip r:embed="rId2" cstate="print"/>
           <a:stretch>
             <a:fillRect/>
           </a:stretch>
         </p:blipFill>
         <p:spPr>
           <a:xfrm>
-            <a:off x="0" y="0"/>
+            <a:off x="0" y="-1588"/>
             <a:ext cx="9144000" cy="5145088"/>
           </a:xfrm>
           <a:prstGeom prst="rect">
@@ -2996,7 +2898,7 @@
           <p:nvPr/>
         </p:nvPicPr>
         <p:blipFill>
-          <a:blip r:embed="rId2" cstate="print"/>
+          <a:blip r:embed="rId3" cstate="print"/>
           <a:stretch>
             <a:fillRect/>
           </a:stretch>
@@ -3024,7 +2926,7 @@
         <p:spPr>
           <a:xfrm>
             <a:off x="2089150" y="2170113"/>
-            <a:ext cx="4603120" cy="523220"/>
+            <a:ext cx="3873176" cy="523220"/>
           </a:xfrm>
           <a:prstGeom prst="rect">
             <a:avLst/>
@@ -3055,7 +2957,29 @@
                 <a:ea typeface="微软雅黑" panose="020B0503020204020204" pitchFamily="34" charset="-122"/>
                 <a:sym typeface="+mn-ea"/>
               </a:rPr>
-              <a:t>第三章  </a:t>
+              <a:t>第</a:t>
+            </a:r>
+            <a:r>
+              <a:rPr lang="zh-CN" altLang="en-US" sz="2600" b="1" spc="300" dirty="0" smtClean="0">
+                <a:solidFill>
+                  <a:schemeClr val="bg1"/>
+                </a:solidFill>
+                <a:latin typeface="微软雅黑" panose="020B0503020204020204" pitchFamily="34" charset="-122"/>
+                <a:ea typeface="微软雅黑" panose="020B0503020204020204" pitchFamily="34" charset="-122"/>
+                <a:sym typeface="+mn-ea"/>
+              </a:rPr>
+              <a:t>三</a:t>
+            </a:r>
+            <a:r>
+              <a:rPr lang="zh-CN" altLang="en-US" sz="2600" b="1" spc="300" noProof="0" dirty="0" smtClean="0">
+                <a:solidFill>
+                  <a:schemeClr val="bg1"/>
+                </a:solidFill>
+                <a:latin typeface="微软雅黑" panose="020B0503020204020204" pitchFamily="34" charset="-122"/>
+                <a:ea typeface="微软雅黑" panose="020B0503020204020204" pitchFamily="34" charset="-122"/>
+                <a:sym typeface="+mn-ea"/>
+              </a:rPr>
+              <a:t>章   </a:t>
             </a:r>
             <a:r>
               <a:rPr lang="en-US" altLang="zh-CN" sz="2800" b="1" spc="300" dirty="0" smtClean="0">
@@ -3065,27 +2989,7 @@
                 <a:latin typeface="微软雅黑" panose="020B0503020204020204" pitchFamily="34" charset="-122"/>
                 <a:ea typeface="微软雅黑" panose="020B0503020204020204" pitchFamily="34" charset="-122"/>
               </a:rPr>
-              <a:t>JMS VS</a:t>
-            </a:r>
-            <a:r>
-              <a:rPr lang="zh-CN" altLang="en-US" sz="2800" b="1" spc="300" dirty="0" smtClean="0">
-                <a:solidFill>
-                  <a:schemeClr val="bg1"/>
-                </a:solidFill>
-                <a:latin typeface="微软雅黑" panose="020B0503020204020204" pitchFamily="34" charset="-122"/>
-                <a:ea typeface="微软雅黑" panose="020B0503020204020204" pitchFamily="34" charset="-122"/>
-              </a:rPr>
-              <a:t> </a:t>
-            </a:r>
-            <a:r>
-              <a:rPr lang="en-US" altLang="zh-CN" sz="2800" b="1" spc="300" dirty="0" smtClean="0">
-                <a:solidFill>
-                  <a:schemeClr val="bg1"/>
-                </a:solidFill>
-                <a:latin typeface="微软雅黑" panose="020B0503020204020204" pitchFamily="34" charset="-122"/>
-                <a:ea typeface="微软雅黑" panose="020B0503020204020204" pitchFamily="34" charset="-122"/>
-              </a:rPr>
-              <a:t>AMQP</a:t>
+              <a:t>RabbitMQ</a:t>
             </a:r>
             <a:endParaRPr kumimoji="0" lang="zh-CN" altLang="en-US" sz="2600" b="1" kern="1200" cap="none" spc="300" normalizeH="0" baseline="0" noProof="0" dirty="0">
               <a:solidFill>
@@ -3139,7 +3043,7 @@
           <p:nvPr/>
         </p:nvPicPr>
         <p:blipFill>
-          <a:blip r:embed="rId1" cstate="print"/>
+          <a:blip r:embed="rId2" cstate="print"/>
           <a:stretch>
             <a:fillRect/>
           </a:stretch>
@@ -3160,14 +3064,14 @@
       </p:pic>
       <p:sp>
         <p:nvSpPr>
-          <p:cNvPr id="8" name="标题 1"/>
+          <p:cNvPr id="6" name="标题 1"/>
           <p:cNvSpPr txBox="1"/>
           <p:nvPr/>
         </p:nvSpPr>
         <p:spPr>
           <a:xfrm>
-            <a:off x="628650" y="273844"/>
-            <a:ext cx="5527526" cy="641722"/>
+            <a:off x="611560" y="195486"/>
+            <a:ext cx="4968552" cy="519187"/>
           </a:xfrm>
           <a:prstGeom prst="rect">
             <a:avLst/>
@@ -3181,38 +3085,99 @@
               <a:spcAft>
                 <a:spcPts val="0"/>
               </a:spcAft>
+              <a:defRPr/>
             </a:pPr>
             <a:r>
-              <a:rPr kumimoji="0" lang="en-US" altLang="zh-CN" sz="2800" b="0" i="0" u="none" strike="noStrike" kern="1200" cap="none" spc="0" normalizeH="0" baseline="0" noProof="0" dirty="0" smtClean="0">
-                <a:ln>
-                  <a:noFill/>
-                </a:ln>
-                <a:solidFill>
-                  <a:schemeClr val="tx1"/>
-                </a:solidFill>
-                <a:effectLst/>
-                <a:uLnTx/>
-                <a:uFillTx/>
-                <a:latin typeface="+mj-lt"/>
-                <a:ea typeface="+mj-ea"/>
-                <a:cs typeface="+mj-cs"/>
-              </a:rPr>
+              <a:rPr lang="en-US" altLang="zh-CN" sz="2800" b="1" dirty="0" smtClean="0">
+                <a:latin typeface="+mj-ea"/>
+              </a:rPr>
+              <a:t>AMQP</a:t>
+            </a:r>
+          </a:p>
+        </p:txBody>
+      </p:sp>
+      <p:sp>
+        <p:nvSpPr>
+          <p:cNvPr id="7" name="矩形 6"/>
+          <p:cNvSpPr/>
+          <p:nvPr/>
+        </p:nvSpPr>
+        <p:spPr>
+          <a:xfrm>
+            <a:off x="755576" y="915566"/>
+            <a:ext cx="8064896" cy="1754326"/>
+          </a:xfrm>
+          <a:prstGeom prst="rect">
+            <a:avLst/>
+          </a:prstGeom>
+        </p:spPr>
+        <p:txBody>
+          <a:bodyPr wrap="square">
+            <a:spAutoFit/>
+          </a:bodyPr>
+          <a:lstStyle/>
+          <a:p>
+            <a:r>
+              <a:rPr lang="en-US" altLang="zh-CN" dirty="0" smtClean="0"/>
+              <a:t>AMQP</a:t>
+            </a:r>
+            <a:r>
+              <a:rPr lang="zh-CN" altLang="en-US" dirty="0" smtClean="0"/>
+              <a:t>，即</a:t>
+            </a:r>
+            <a:r>
+              <a:rPr lang="en-US" altLang="zh-CN" dirty="0" smtClean="0"/>
+              <a:t>Advanced Message Queuing Protocol,</a:t>
+            </a:r>
+            <a:r>
+              <a:rPr lang="zh-CN" altLang="en-US" dirty="0" smtClean="0"/>
+              <a:t>一个提供统一消息服务的应用层标准 高级消息队列协议（二进制应用层协议），是应用层协议的一个开放标准</a:t>
+            </a:r>
+            <a:r>
+              <a:rPr lang="en-US" altLang="zh-CN" dirty="0" smtClean="0"/>
+              <a:t>,</a:t>
+            </a:r>
+            <a:r>
+              <a:rPr lang="zh-CN" altLang="en-US" dirty="0" smtClean="0"/>
+              <a:t>为面向消息的中间件设计，兼容 </a:t>
+            </a:r>
+            <a:r>
+              <a:rPr lang="en-US" altLang="zh-CN" dirty="0" smtClean="0"/>
               <a:t>JMS</a:t>
             </a:r>
-            <a:endParaRPr kumimoji="0" lang="zh-CN" altLang="en-US" sz="2800" b="0" i="0" u="none" strike="noStrike" kern="1200" cap="none" spc="0" normalizeH="0" baseline="0" noProof="0" dirty="0">
-              <a:ln>
-                <a:noFill/>
-              </a:ln>
-              <a:solidFill>
-                <a:schemeClr val="tx1"/>
-              </a:solidFill>
-              <a:effectLst/>
-              <a:uLnTx/>
-              <a:uFillTx/>
-              <a:latin typeface="+mj-lt"/>
-              <a:ea typeface="+mj-ea"/>
-              <a:cs typeface="+mj-cs"/>
-            </a:endParaRPr>
+            <a:r>
+              <a:rPr lang="zh-CN" altLang="en-US" dirty="0" smtClean="0"/>
+              <a:t>。基于此协议的客户端与消息中间件可传递消息，并不受客户端</a:t>
+            </a:r>
+            <a:r>
+              <a:rPr lang="en-US" altLang="zh-CN" dirty="0" smtClean="0"/>
+              <a:t>/</a:t>
+            </a:r>
+            <a:r>
+              <a:rPr lang="zh-CN" altLang="en-US" dirty="0" smtClean="0"/>
+              <a:t>中间件同产品，不同的开发语言等条件的限制。</a:t>
+            </a:r>
+          </a:p>
+          <a:p>
+            <a:r>
+              <a:rPr lang="en-US" altLang="zh-CN" dirty="0" smtClean="0"/>
+              <a:t>RabbitMQ </a:t>
+            </a:r>
+            <a:r>
+              <a:rPr lang="zh-CN" altLang="en-US" dirty="0" smtClean="0"/>
+              <a:t>就是基于 </a:t>
+            </a:r>
+            <a:r>
+              <a:rPr lang="en-US" altLang="zh-CN" dirty="0" smtClean="0"/>
+              <a:t>AMQP </a:t>
+            </a:r>
+            <a:r>
+              <a:rPr lang="zh-CN" altLang="en-US" dirty="0" smtClean="0"/>
+              <a:t>协议实现的。</a:t>
+            </a:r>
+          </a:p>
+          <a:p>
+            <a:endParaRPr lang="zh-CN" altLang="en-US" dirty="0"/>
           </a:p>
         </p:txBody>
       </p:sp>
@@ -3221,6 +3186,13 @@
   <p:clrMapOvr>
     <a:masterClrMapping/>
   </p:clrMapOvr>
+  <p:timing>
+    <p:tnLst>
+      <p:par>
+        <p:cTn id="1" dur="indefinite" restart="never" nodeType="tmRoot"/>
+      </p:par>
+    </p:tnLst>
+  </p:timing>
 </p:sld>
 </file>
 
@@ -3250,7 +3222,7 @@
           <p:nvPr/>
         </p:nvPicPr>
         <p:blipFill>
-          <a:blip r:embed="rId1" cstate="print"/>
+          <a:blip r:embed="rId2" cstate="print"/>
           <a:stretch>
             <a:fillRect/>
           </a:stretch>
@@ -3267,6 +3239,149 @@
           <a:ln w="9525">
             <a:noFill/>
           </a:ln>
+        </p:spPr>
+      </p:pic>
+      <p:sp>
+        <p:nvSpPr>
+          <p:cNvPr id="6" name="标题 1"/>
+          <p:cNvSpPr txBox="1"/>
+          <p:nvPr/>
+        </p:nvSpPr>
+        <p:spPr>
+          <a:xfrm>
+            <a:off x="611560" y="195486"/>
+            <a:ext cx="4968552" cy="519187"/>
+          </a:xfrm>
+          <a:prstGeom prst="rect">
+            <a:avLst/>
+          </a:prstGeom>
+        </p:spPr>
+        <p:txBody>
+          <a:bodyPr/>
+          <a:lstStyle/>
+          <a:p>
+            <a:pPr marL="0" marR="0" lvl="0" indent="0" algn="l" defTabSz="914400" rtl="0" eaLnBrk="1" fontAlgn="auto" latinLnBrk="0" hangingPunct="1">
+              <a:lnSpc>
+                <a:spcPct val="100000"/>
+              </a:lnSpc>
+              <a:spcBef>
+                <a:spcPct val="0"/>
+              </a:spcBef>
+              <a:spcAft>
+                <a:spcPts val="0"/>
+              </a:spcAft>
+              <a:buClrTx/>
+              <a:buSzTx/>
+              <a:buFontTx/>
+              <a:buNone/>
+              <a:defRPr/>
+            </a:pPr>
+            <a:r>
+              <a:rPr lang="en-US" altLang="zh-CN" sz="2800" b="1" noProof="0" dirty="0" smtClean="0">
+                <a:latin typeface="+mj-ea"/>
+                <a:ea typeface="+mj-ea"/>
+                <a:cs typeface="+mj-cs"/>
+              </a:rPr>
+              <a:t>RabbitMQ</a:t>
+            </a:r>
+            <a:r>
+              <a:rPr lang="zh-CN" altLang="en-US" sz="2800" b="1" noProof="0" dirty="0" smtClean="0">
+                <a:latin typeface="+mj-ea"/>
+                <a:ea typeface="+mj-ea"/>
+                <a:cs typeface="+mj-cs"/>
+              </a:rPr>
+              <a:t>架构</a:t>
+            </a:r>
+            <a:endParaRPr kumimoji="0" lang="zh-CN" altLang="en-US" sz="2800" b="1" i="0" u="none" strike="noStrike" kern="1200" cap="none" spc="0" normalizeH="0" baseline="0" noProof="0" dirty="0">
+              <a:ln>
+                <a:noFill/>
+              </a:ln>
+              <a:solidFill>
+                <a:schemeClr val="tx1"/>
+              </a:solidFill>
+              <a:effectLst/>
+              <a:uLnTx/>
+              <a:uFillTx/>
+              <a:latin typeface="+mj-ea"/>
+              <a:ea typeface="+mj-ea"/>
+              <a:cs typeface="+mj-cs"/>
+            </a:endParaRPr>
+          </a:p>
+        </p:txBody>
+      </p:sp>
+      <p:sp>
+        <p:nvSpPr>
+          <p:cNvPr id="7" name="矩形 6"/>
+          <p:cNvSpPr/>
+          <p:nvPr/>
+        </p:nvSpPr>
+        <p:spPr>
+          <a:xfrm>
+            <a:off x="755576" y="915566"/>
+            <a:ext cx="7776864" cy="646331"/>
+          </a:xfrm>
+          <a:prstGeom prst="rect">
+            <a:avLst/>
+          </a:prstGeom>
+        </p:spPr>
+        <p:txBody>
+          <a:bodyPr wrap="square">
+            <a:spAutoFit/>
+          </a:bodyPr>
+          <a:lstStyle/>
+          <a:p>
+            <a:r>
+              <a:rPr lang="en-US" altLang="zh-CN" dirty="0" smtClean="0"/>
+              <a:t>RabbitMQ</a:t>
+            </a:r>
+            <a:r>
+              <a:rPr lang="zh-CN" altLang="en-US" dirty="0" smtClean="0"/>
+              <a:t>是一个由</a:t>
+            </a:r>
+            <a:r>
+              <a:rPr lang="en-US" altLang="zh-CN" dirty="0" smtClean="0"/>
+              <a:t>erlang</a:t>
+            </a:r>
+            <a:r>
+              <a:rPr lang="zh-CN" altLang="en-US" dirty="0" smtClean="0"/>
+              <a:t>开发，</a:t>
+            </a:r>
+            <a:r>
+              <a:rPr lang="en-US" altLang="zh-CN" dirty="0" smtClean="0"/>
+              <a:t>AMQP</a:t>
+            </a:r>
+            <a:r>
+              <a:rPr lang="zh-CN" altLang="en-US" dirty="0" smtClean="0"/>
+              <a:t>的开源实现的高级消息队列，说白了就是一个开源的消息中间件。</a:t>
+            </a:r>
+            <a:endParaRPr lang="zh-CN" altLang="en-US" dirty="0"/>
+          </a:p>
+        </p:txBody>
+      </p:sp>
+      <p:pic>
+        <p:nvPicPr>
+          <p:cNvPr id="23554" name="Picture 2" descr="C://Users/Administrator/AppData/Local/YNote/data/dxh122685692@163.com/fc8862f9bf7a4243b0c557c1b0d555ae/clipboard.png"/>
+          <p:cNvPicPr>
+            <a:picLocks noChangeAspect="1" noChangeArrowheads="1"/>
+          </p:cNvPicPr>
+          <p:nvPr/>
+        </p:nvPicPr>
+        <p:blipFill>
+          <a:blip r:embed="rId3" cstate="print"/>
+          <a:srcRect/>
+          <a:stretch>
+            <a:fillRect/>
+          </a:stretch>
+        </p:blipFill>
+        <p:spPr bwMode="auto">
+          <a:xfrm>
+            <a:off x="827584" y="1851670"/>
+            <a:ext cx="7560840" cy="2811016"/>
+          </a:xfrm>
+          <a:prstGeom prst="rect">
+            <a:avLst/>
+          </a:prstGeom>
+          <a:noFill/>
         </p:spPr>
       </p:pic>
     </p:spTree>
@@ -3274,6 +3389,13 @@
   <p:clrMapOvr>
     <a:masterClrMapping/>
   </p:clrMapOvr>
+  <p:timing>
+    <p:tnLst>
+      <p:par>
+        <p:cTn id="1" dur="indefinite" restart="never" nodeType="tmRoot"/>
+      </p:par>
+    </p:tnLst>
+  </p:timing>
 </p:sld>
 </file>
 
@@ -3296,35 +3418,7 @@
       </p:grpSpPr>
       <p:pic>
         <p:nvPicPr>
-          <p:cNvPr id="5121" name="Picture 2" descr="E:\线下推广\PPT规范\模板\PPT规范设计_8.jpg"/>
-          <p:cNvPicPr>
-            <a:picLocks noChangeAspect="1"/>
-          </p:cNvPicPr>
-          <p:nvPr/>
-        </p:nvPicPr>
-        <p:blipFill>
-          <a:blip r:embed="rId1" cstate="print"/>
-          <a:stretch>
-            <a:fillRect/>
-          </a:stretch>
-        </p:blipFill>
-        <p:spPr>
-          <a:xfrm>
-            <a:off x="0" y="-1588"/>
-            <a:ext cx="9144000" cy="5145088"/>
-          </a:xfrm>
-          <a:prstGeom prst="rect">
-            <a:avLst/>
-          </a:prstGeom>
-          <a:noFill/>
-          <a:ln w="9525">
-            <a:noFill/>
-          </a:ln>
-        </p:spPr>
-      </p:pic>
-      <p:pic>
-        <p:nvPicPr>
-          <p:cNvPr id="5122" name="Picture 2" descr="E:\线下推广\常规物料\PPT规范\未标题-1-01.png"/>
+          <p:cNvPr id="6146" name="Picture 4" descr="E:\常规物料\PPT规范\模板\PPT规范设计-15-15.png"/>
           <p:cNvPicPr>
             <a:picLocks noChangeAspect="1"/>
           </p:cNvPicPr>
@@ -3338,8 +3432,8 @@
         </p:blipFill>
         <p:spPr>
           <a:xfrm>
-            <a:off x="1878013" y="2024063"/>
-            <a:ext cx="5387975" cy="792162"/>
+            <a:off x="5516563" y="227013"/>
+            <a:ext cx="3627437" cy="350837"/>
           </a:xfrm>
           <a:prstGeom prst="rect">
             <a:avLst/>
@@ -3352,64 +3446,361 @@
       </p:pic>
       <p:sp>
         <p:nvSpPr>
-          <p:cNvPr id="5" name="TextBox 4"/>
+          <p:cNvPr id="6" name="标题 1"/>
           <p:cNvSpPr txBox="1"/>
           <p:nvPr/>
         </p:nvSpPr>
         <p:spPr>
           <a:xfrm>
-            <a:off x="2089150" y="2170113"/>
-            <a:ext cx="3873176" cy="523220"/>
-          </a:xfrm>
-          <a:prstGeom prst="rect">
-            <a:avLst/>
-          </a:prstGeom>
-          <a:noFill/>
+            <a:off x="611560" y="195486"/>
+            <a:ext cx="4968552" cy="519187"/>
+          </a:xfrm>
+          <a:prstGeom prst="rect">
+            <a:avLst/>
+          </a:prstGeom>
         </p:spPr>
         <p:txBody>
-          <a:bodyPr wrap="none" rtlCol="0">
-            <a:spAutoFit/>
-          </a:bodyPr>
+          <a:bodyPr/>
           <a:lstStyle/>
           <a:p>
-            <a:pPr rtl="0" fontAlgn="auto">
-              <a:spcBef>
-                <a:spcPts val="0"/>
-              </a:spcBef>
+            <a:pPr lvl="0" rtl="0" fontAlgn="auto">
               <a:spcAft>
                 <a:spcPts val="0"/>
               </a:spcAft>
               <a:defRPr/>
             </a:pPr>
             <a:r>
-              <a:rPr lang="zh-CN" altLang="en-US" sz="2600" b="1" spc="300" noProof="0" dirty="0" smtClean="0">
+              <a:rPr lang="en-US" altLang="zh-CN" sz="2800" b="1" dirty="0" smtClean="0">
+                <a:latin typeface="+mj-ea"/>
+              </a:rPr>
+              <a:t>RabbitMQ</a:t>
+            </a:r>
+            <a:r>
+              <a:rPr lang="zh-CN" altLang="en-US" sz="2800" b="1" dirty="0" smtClean="0">
+                <a:latin typeface="+mj-ea"/>
+              </a:rPr>
+              <a:t>基</a:t>
+            </a:r>
+            <a:r>
+              <a:rPr lang="zh-CN" altLang="en-US" sz="2800" b="1" dirty="0" smtClean="0">
+                <a:latin typeface="+mj-ea"/>
+              </a:rPr>
+              <a:t>本名词</a:t>
+            </a:r>
+            <a:endParaRPr lang="zh-CN" altLang="en-US" sz="2800" b="1" dirty="0">
+              <a:latin typeface="+mj-ea"/>
+            </a:endParaRPr>
+          </a:p>
+        </p:txBody>
+      </p:sp>
+      <p:sp>
+        <p:nvSpPr>
+          <p:cNvPr id="7" name="矩形 6"/>
+          <p:cNvSpPr/>
+          <p:nvPr/>
+        </p:nvSpPr>
+        <p:spPr>
+          <a:xfrm>
+            <a:off x="755576" y="915566"/>
+            <a:ext cx="8064896" cy="3139321"/>
+          </a:xfrm>
+          <a:prstGeom prst="rect">
+            <a:avLst/>
+          </a:prstGeom>
+        </p:spPr>
+        <p:txBody>
+          <a:bodyPr wrap="square">
+            <a:spAutoFit/>
+          </a:bodyPr>
+          <a:lstStyle/>
+          <a:p>
+            <a:r>
+              <a:rPr lang="en-US" altLang="zh-CN" dirty="0" smtClean="0">
                 <a:solidFill>
-                  <a:schemeClr val="bg1"/>
+                  <a:srgbClr val="333333"/>
                 </a:solidFill>
-                <a:latin typeface="微软雅黑" panose="020B0503020204020204" pitchFamily="34" charset="-122"/>
-                <a:ea typeface="微软雅黑" panose="020B0503020204020204" pitchFamily="34" charset="-122"/>
-                <a:sym typeface="+mn-ea"/>
-              </a:rPr>
-              <a:t>第四章   </a:t>
-            </a:r>
-            <a:r>
-              <a:rPr lang="en-US" altLang="zh-CN" sz="2800" b="1" spc="300" dirty="0" smtClean="0">
+                <a:latin typeface="arial" panose="020B0604020202020204" pitchFamily="34" charset="0"/>
+              </a:rPr>
+              <a:t>1.  Exchange</a:t>
+            </a:r>
+            <a:r>
+              <a:rPr lang="zh-CN" altLang="en-US" dirty="0" smtClean="0">
                 <a:solidFill>
-                  <a:schemeClr val="bg1"/>
+                  <a:srgbClr val="333333"/>
                 </a:solidFill>
-                <a:latin typeface="微软雅黑" panose="020B0503020204020204" pitchFamily="34" charset="-122"/>
-                <a:ea typeface="微软雅黑" panose="020B0503020204020204" pitchFamily="34" charset="-122"/>
-              </a:rPr>
-              <a:t>RabbitMQ</a:t>
-            </a:r>
-            <a:endParaRPr kumimoji="0" lang="zh-CN" altLang="en-US" sz="2600" b="1" kern="1200" cap="none" spc="300" normalizeH="0" baseline="0" noProof="0" dirty="0">
-              <a:solidFill>
-                <a:schemeClr val="bg1"/>
-              </a:solidFill>
-              <a:latin typeface="微软雅黑" panose="020B0503020204020204" pitchFamily="34" charset="-122"/>
-              <a:ea typeface="微软雅黑" panose="020B0503020204020204" pitchFamily="34" charset="-122"/>
-              <a:cs typeface="+mn-cs"/>
-            </a:endParaRPr>
+                <a:latin typeface="arial" panose="020B0604020202020204" pitchFamily="34" charset="0"/>
+              </a:rPr>
+              <a:t>：消息交换机，它指定消息按什么规则，路由到哪个队列。</a:t>
+            </a:r>
+          </a:p>
+          <a:p>
+            <a:r>
+              <a:rPr lang="en-US" altLang="zh-CN" dirty="0" smtClean="0">
+                <a:solidFill>
+                  <a:srgbClr val="333333"/>
+                </a:solidFill>
+                <a:latin typeface="arial" panose="020B0604020202020204" pitchFamily="34" charset="0"/>
+              </a:rPr>
+              <a:t>2.  Queue</a:t>
+            </a:r>
+            <a:r>
+              <a:rPr lang="zh-CN" altLang="en-US" dirty="0" smtClean="0">
+                <a:solidFill>
+                  <a:srgbClr val="333333"/>
+                </a:solidFill>
+                <a:latin typeface="arial" panose="020B0604020202020204" pitchFamily="34" charset="0"/>
+              </a:rPr>
+              <a:t>：消息队列载体，每个消息都会被投入到一个或多个队列。</a:t>
+            </a:r>
+          </a:p>
+          <a:p>
+            <a:r>
+              <a:rPr lang="en-US" altLang="zh-CN" dirty="0" smtClean="0">
+                <a:solidFill>
+                  <a:srgbClr val="333333"/>
+                </a:solidFill>
+                <a:latin typeface="arial" panose="020B0604020202020204" pitchFamily="34" charset="0"/>
+              </a:rPr>
+              <a:t>3.  Binding</a:t>
+            </a:r>
+            <a:r>
+              <a:rPr lang="zh-CN" altLang="en-US" dirty="0" smtClean="0">
+                <a:solidFill>
+                  <a:srgbClr val="333333"/>
+                </a:solidFill>
+                <a:latin typeface="arial" panose="020B0604020202020204" pitchFamily="34" charset="0"/>
+              </a:rPr>
+              <a:t>：绑定，它的作用就是把</a:t>
+            </a:r>
+            <a:r>
+              <a:rPr lang="en-US" altLang="zh-CN" dirty="0" smtClean="0">
+                <a:solidFill>
+                  <a:srgbClr val="333333"/>
+                </a:solidFill>
+                <a:latin typeface="arial" panose="020B0604020202020204" pitchFamily="34" charset="0"/>
+              </a:rPr>
+              <a:t>exchange</a:t>
+            </a:r>
+            <a:r>
+              <a:rPr lang="zh-CN" altLang="en-US" dirty="0" smtClean="0">
+                <a:solidFill>
+                  <a:srgbClr val="333333"/>
+                </a:solidFill>
+                <a:latin typeface="arial" panose="020B0604020202020204" pitchFamily="34" charset="0"/>
+              </a:rPr>
+              <a:t>和</a:t>
+            </a:r>
+            <a:r>
+              <a:rPr lang="en-US" altLang="zh-CN" dirty="0" smtClean="0">
+                <a:solidFill>
+                  <a:srgbClr val="333333"/>
+                </a:solidFill>
+                <a:latin typeface="arial" panose="020B0604020202020204" pitchFamily="34" charset="0"/>
+              </a:rPr>
+              <a:t>queue</a:t>
+            </a:r>
+            <a:r>
+              <a:rPr lang="zh-CN" altLang="en-US" dirty="0" smtClean="0">
+                <a:solidFill>
+                  <a:srgbClr val="333333"/>
+                </a:solidFill>
+                <a:latin typeface="arial" panose="020B0604020202020204" pitchFamily="34" charset="0"/>
+              </a:rPr>
+              <a:t>按照路由规则绑定起来。</a:t>
+            </a:r>
+          </a:p>
+          <a:p>
+            <a:r>
+              <a:rPr lang="en-US" altLang="zh-CN" dirty="0" smtClean="0">
+                <a:solidFill>
+                  <a:srgbClr val="333333"/>
+                </a:solidFill>
+                <a:latin typeface="arial" panose="020B0604020202020204" pitchFamily="34" charset="0"/>
+              </a:rPr>
+              <a:t>4.  Routing Key</a:t>
+            </a:r>
+            <a:r>
+              <a:rPr lang="zh-CN" altLang="en-US" dirty="0" smtClean="0">
+                <a:solidFill>
+                  <a:srgbClr val="333333"/>
+                </a:solidFill>
+                <a:latin typeface="arial" panose="020B0604020202020204" pitchFamily="34" charset="0"/>
+              </a:rPr>
+              <a:t>：路由关键字，</a:t>
+            </a:r>
+            <a:r>
+              <a:rPr lang="en-US" altLang="zh-CN" dirty="0" smtClean="0">
+                <a:solidFill>
+                  <a:srgbClr val="333333"/>
+                </a:solidFill>
+                <a:latin typeface="arial" panose="020B0604020202020204" pitchFamily="34" charset="0"/>
+              </a:rPr>
+              <a:t>exchange</a:t>
+            </a:r>
+            <a:r>
+              <a:rPr lang="zh-CN" altLang="en-US" dirty="0" smtClean="0">
+                <a:solidFill>
+                  <a:srgbClr val="333333"/>
+                </a:solidFill>
+                <a:latin typeface="arial" panose="020B0604020202020204" pitchFamily="34" charset="0"/>
+              </a:rPr>
+              <a:t>根据这个关键字进行消息投递。</a:t>
+            </a:r>
+          </a:p>
+          <a:p>
+            <a:r>
+              <a:rPr lang="en-US" altLang="zh-CN" dirty="0" smtClean="0">
+                <a:solidFill>
+                  <a:srgbClr val="333333"/>
+                </a:solidFill>
+                <a:latin typeface="arial" panose="020B0604020202020204" pitchFamily="34" charset="0"/>
+              </a:rPr>
+              <a:t>5.  vhost</a:t>
+            </a:r>
+            <a:r>
+              <a:rPr lang="zh-CN" altLang="en-US" dirty="0" smtClean="0">
+                <a:solidFill>
+                  <a:srgbClr val="333333"/>
+                </a:solidFill>
+                <a:latin typeface="arial" panose="020B0604020202020204" pitchFamily="34" charset="0"/>
+              </a:rPr>
+              <a:t>：虚拟主机，一个</a:t>
+            </a:r>
+            <a:r>
+              <a:rPr lang="en-US" altLang="zh-CN" dirty="0" smtClean="0">
+                <a:solidFill>
+                  <a:srgbClr val="333333"/>
+                </a:solidFill>
+                <a:latin typeface="arial" panose="020B0604020202020204" pitchFamily="34" charset="0"/>
+              </a:rPr>
+              <a:t>broker</a:t>
+            </a:r>
+            <a:r>
+              <a:rPr lang="zh-CN" altLang="en-US" dirty="0" smtClean="0">
+                <a:solidFill>
+                  <a:srgbClr val="333333"/>
+                </a:solidFill>
+                <a:latin typeface="arial" panose="020B0604020202020204" pitchFamily="34" charset="0"/>
+              </a:rPr>
+              <a:t>里可以开设多个</a:t>
+            </a:r>
+            <a:r>
+              <a:rPr lang="en-US" altLang="zh-CN" dirty="0" smtClean="0">
+                <a:solidFill>
+                  <a:srgbClr val="333333"/>
+                </a:solidFill>
+                <a:latin typeface="arial" panose="020B0604020202020204" pitchFamily="34" charset="0"/>
+              </a:rPr>
+              <a:t>vhost</a:t>
+            </a:r>
+            <a:r>
+              <a:rPr lang="zh-CN" altLang="en-US" dirty="0" smtClean="0">
+                <a:solidFill>
+                  <a:srgbClr val="333333"/>
+                </a:solidFill>
+                <a:latin typeface="arial" panose="020B0604020202020204" pitchFamily="34" charset="0"/>
+              </a:rPr>
+              <a:t>，用作不同用户的权限分离。</a:t>
+            </a:r>
+          </a:p>
+          <a:p>
+            <a:r>
+              <a:rPr lang="en-US" altLang="zh-CN" dirty="0" smtClean="0">
+                <a:solidFill>
+                  <a:srgbClr val="333333"/>
+                </a:solidFill>
+                <a:latin typeface="arial" panose="020B0604020202020204" pitchFamily="34" charset="0"/>
+              </a:rPr>
+              <a:t>6.  producer</a:t>
+            </a:r>
+            <a:r>
+              <a:rPr lang="zh-CN" altLang="en-US" dirty="0" smtClean="0">
+                <a:solidFill>
+                  <a:srgbClr val="333333"/>
+                </a:solidFill>
+                <a:latin typeface="arial" panose="020B0604020202020204" pitchFamily="34" charset="0"/>
+              </a:rPr>
+              <a:t>：消息生产者，就是投递消息的程序。</a:t>
+            </a:r>
+          </a:p>
+          <a:p>
+            <a:r>
+              <a:rPr lang="en-US" altLang="zh-CN" dirty="0" smtClean="0">
+                <a:solidFill>
+                  <a:srgbClr val="333333"/>
+                </a:solidFill>
+                <a:latin typeface="arial" panose="020B0604020202020204" pitchFamily="34" charset="0"/>
+              </a:rPr>
+              <a:t>7.  consumer</a:t>
+            </a:r>
+            <a:r>
+              <a:rPr lang="zh-CN" altLang="en-US" dirty="0" smtClean="0">
+                <a:solidFill>
+                  <a:srgbClr val="333333"/>
+                </a:solidFill>
+                <a:latin typeface="arial" panose="020B0604020202020204" pitchFamily="34" charset="0"/>
+              </a:rPr>
+              <a:t>：消息消费者，就是接受消息的程序。</a:t>
+            </a:r>
+          </a:p>
+          <a:p>
+            <a:r>
+              <a:rPr lang="en-US" altLang="zh-CN" dirty="0" smtClean="0">
+                <a:solidFill>
+                  <a:srgbClr val="333333"/>
+                </a:solidFill>
+                <a:latin typeface="arial" panose="020B0604020202020204" pitchFamily="34" charset="0"/>
+              </a:rPr>
+              <a:t>8.  channel</a:t>
+            </a:r>
+            <a:r>
+              <a:rPr lang="zh-CN" altLang="en-US" dirty="0" smtClean="0">
+                <a:solidFill>
+                  <a:srgbClr val="333333"/>
+                </a:solidFill>
+                <a:latin typeface="arial" panose="020B0604020202020204" pitchFamily="34" charset="0"/>
+              </a:rPr>
+              <a:t>：消息通道，在客户端的每个连接里，可建立多个</a:t>
+            </a:r>
+            <a:r>
+              <a:rPr lang="en-US" altLang="zh-CN" dirty="0" smtClean="0">
+                <a:solidFill>
+                  <a:srgbClr val="333333"/>
+                </a:solidFill>
+                <a:latin typeface="arial" panose="020B0604020202020204" pitchFamily="34" charset="0"/>
+              </a:rPr>
+              <a:t>channel</a:t>
+            </a:r>
+            <a:r>
+              <a:rPr lang="zh-CN" altLang="en-US" dirty="0" smtClean="0">
+                <a:solidFill>
+                  <a:srgbClr val="333333"/>
+                </a:solidFill>
+                <a:latin typeface="arial" panose="020B0604020202020204" pitchFamily="34" charset="0"/>
+              </a:rPr>
+              <a:t>，每个</a:t>
+            </a:r>
+            <a:r>
+              <a:rPr lang="en-US" altLang="zh-CN" dirty="0" smtClean="0">
+                <a:solidFill>
+                  <a:srgbClr val="333333"/>
+                </a:solidFill>
+                <a:latin typeface="arial" panose="020B0604020202020204" pitchFamily="34" charset="0"/>
+              </a:rPr>
+              <a:t>channel</a:t>
+            </a:r>
+            <a:r>
+              <a:rPr lang="zh-CN" altLang="en-US" dirty="0" smtClean="0">
+                <a:solidFill>
+                  <a:srgbClr val="333333"/>
+                </a:solidFill>
+                <a:latin typeface="arial" panose="020B0604020202020204" pitchFamily="34" charset="0"/>
+              </a:rPr>
+              <a:t>代表一个会话任务。</a:t>
+            </a:r>
+          </a:p>
+          <a:p>
+            <a:endParaRPr lang="zh-CN" altLang="en-US" dirty="0"/>
           </a:p>
         </p:txBody>
       </p:sp>
@@ -3454,7 +3845,7 @@
           <p:nvPr/>
         </p:nvPicPr>
         <p:blipFill>
-          <a:blip r:embed="rId1" cstate="print"/>
+          <a:blip r:embed="rId2" cstate="print"/>
           <a:stretch>
             <a:fillRect/>
           </a:stretch>
@@ -3482,7 +3873,7 @@
           <p:nvPr/>
         </p:nvPicPr>
         <p:blipFill>
-          <a:blip r:embed="rId2" cstate="print"/>
+          <a:blip r:embed="rId3" cstate="print"/>
           <a:stretch>
             <a:fillRect/>
           </a:stretch>
@@ -3547,14 +3938,6 @@
               </a:rPr>
               <a:t>消息队列</a:t>
             </a:r>
-            <a:endParaRPr kumimoji="0" lang="zh-CN" altLang="en-US" sz="3000" b="1" kern="1200" cap="none" spc="300" normalizeH="0" baseline="0" noProof="0" dirty="0" smtClean="0">
-              <a:solidFill>
-                <a:schemeClr val="bg1"/>
-              </a:solidFill>
-              <a:latin typeface="微软雅黑" panose="020B0503020204020204" pitchFamily="34" charset="-122"/>
-              <a:ea typeface="微软雅黑" panose="020B0503020204020204" pitchFamily="34" charset="-122"/>
-              <a:cs typeface="+mn-cs"/>
-            </a:endParaRPr>
           </a:p>
         </p:txBody>
       </p:sp>
@@ -3599,7 +3982,7 @@
           <p:nvPr/>
         </p:nvPicPr>
         <p:blipFill>
-          <a:blip r:embed="rId1" cstate="print"/>
+          <a:blip r:embed="rId2" cstate="print"/>
           <a:stretch>
             <a:fillRect/>
           </a:stretch>
@@ -3654,7 +4037,16 @@
               <a:defRPr/>
             </a:pPr>
             <a:r>
-              <a:rPr lang="en-US" altLang="zh-CN" sz="2800" b="1" noProof="0" dirty="0" smtClean="0">
+              <a:rPr kumimoji="0" lang="en-US" sz="2800" b="1" i="0" u="none" strike="noStrike" kern="1200" cap="none" spc="0" normalizeH="0" baseline="0" noProof="0" dirty="0" smtClean="0">
+                <a:ln>
+                  <a:noFill/>
+                </a:ln>
+                <a:solidFill>
+                  <a:schemeClr val="tx1"/>
+                </a:solidFill>
+                <a:effectLst/>
+                <a:uLnTx/>
+                <a:uFillTx/>
                 <a:latin typeface="+mj-ea"/>
                 <a:ea typeface="+mj-ea"/>
                 <a:cs typeface="+mj-cs"/>
@@ -3662,14 +4054,23 @@
               <a:t>RabbitMQ</a:t>
             </a:r>
             <a:r>
-              <a:rPr lang="zh-CN" altLang="en-US" sz="2800" b="1" noProof="0" dirty="0" smtClean="0">
+              <a:rPr kumimoji="0" lang="zh-CN" altLang="en-US" sz="2800" b="1" i="0" u="none" strike="noStrike" kern="1200" cap="none" spc="0" normalizeH="0" baseline="0" noProof="0" dirty="0" smtClean="0">
+                <a:ln>
+                  <a:noFill/>
+                </a:ln>
+                <a:solidFill>
+                  <a:schemeClr val="tx1"/>
+                </a:solidFill>
+                <a:effectLst/>
+                <a:uLnTx/>
+                <a:uFillTx/>
                 <a:latin typeface="+mj-ea"/>
                 <a:ea typeface="+mj-ea"/>
                 <a:cs typeface="+mj-cs"/>
               </a:rPr>
-              <a:t>架构</a:t>
-            </a:r>
-            <a:endParaRPr kumimoji="0" lang="zh-CN" altLang="en-US" sz="2800" b="1" i="0" u="none" strike="noStrike" kern="1200" cap="none" spc="0" normalizeH="0" baseline="0" noProof="0" dirty="0">
+              <a:t>交换机类型</a:t>
+            </a:r>
+            <a:endParaRPr kumimoji="0" lang="en-US" sz="2800" b="1" i="0" u="none" strike="noStrike" kern="1200" cap="none" spc="0" normalizeH="0" baseline="0" noProof="0" dirty="0">
               <a:ln>
                 <a:noFill/>
               </a:ln>
@@ -3688,84 +4089,111 @@
       </p:sp>
       <p:sp>
         <p:nvSpPr>
-          <p:cNvPr id="7" name="矩形 6"/>
-          <p:cNvSpPr/>
+          <p:cNvPr id="3" name="文本框 2"/>
+          <p:cNvSpPr txBox="1"/>
           <p:nvPr/>
         </p:nvSpPr>
         <p:spPr>
           <a:xfrm>
-            <a:off x="755576" y="915566"/>
-            <a:ext cx="7776864" cy="646331"/>
-          </a:xfrm>
-          <a:prstGeom prst="rect">
-            <a:avLst/>
-          </a:prstGeom>
+            <a:off x="723900" y="987575"/>
+            <a:ext cx="7563485" cy="2308324"/>
+          </a:xfrm>
+          <a:prstGeom prst="rect">
+            <a:avLst/>
+          </a:prstGeom>
+          <a:noFill/>
         </p:spPr>
         <p:txBody>
-          <a:bodyPr wrap="square">
+          <a:bodyPr wrap="square" rtlCol="0" anchor="t">
             <a:spAutoFit/>
           </a:bodyPr>
           <a:lstStyle/>
           <a:p>
             <a:r>
               <a:rPr lang="en-US" altLang="zh-CN" dirty="0" smtClean="0"/>
-              <a:t>RabbitMQ</a:t>
+              <a:t>Direct exchange</a:t>
             </a:r>
             <a:r>
               <a:rPr lang="zh-CN" altLang="en-US" dirty="0" smtClean="0"/>
-              <a:t>是一个由</a:t>
-            </a:r>
+              <a:t>（直连交换机</a:t>
+            </a:r>
+            <a:r>
+              <a:rPr lang="zh-CN" altLang="en-US" dirty="0" smtClean="0"/>
+              <a:t>）</a:t>
+            </a:r>
+            <a:endParaRPr lang="en-US" altLang="zh-CN" dirty="0" smtClean="0"/>
+          </a:p>
+          <a:p>
+            <a:endParaRPr lang="zh-CN" altLang="en-US" dirty="0" smtClean="0"/>
+          </a:p>
+          <a:p>
             <a:r>
               <a:rPr lang="en-US" altLang="zh-CN" dirty="0" smtClean="0"/>
-              <a:t>erlang</a:t>
+              <a:t>Fanout exchange</a:t>
             </a:r>
             <a:r>
               <a:rPr lang="zh-CN" altLang="en-US" dirty="0" smtClean="0"/>
-              <a:t>开发，</a:t>
-            </a:r>
+              <a:t>（扇型交换机</a:t>
+            </a:r>
+            <a:r>
+              <a:rPr lang="zh-CN" altLang="en-US" dirty="0" smtClean="0"/>
+              <a:t>）</a:t>
+            </a:r>
+            <a:endParaRPr lang="en-US" altLang="zh-CN" dirty="0" smtClean="0"/>
+          </a:p>
+          <a:p>
+            <a:endParaRPr lang="zh-CN" altLang="en-US" dirty="0" smtClean="0"/>
+          </a:p>
+          <a:p>
             <a:r>
               <a:rPr lang="en-US" altLang="zh-CN" dirty="0" smtClean="0"/>
-              <a:t>AMQP</a:t>
+              <a:t>Topic exchange</a:t>
             </a:r>
             <a:r>
               <a:rPr lang="zh-CN" altLang="en-US" dirty="0" smtClean="0"/>
-              <a:t>的开源实现的高级消息队列，说白了就是一个开源的消息中间件。</a:t>
-            </a:r>
+              <a:t>（主题交换机</a:t>
+            </a:r>
+            <a:r>
+              <a:rPr lang="zh-CN" altLang="en-US" dirty="0" smtClean="0"/>
+              <a:t>）</a:t>
+            </a:r>
+            <a:endParaRPr lang="en-US" altLang="zh-CN" dirty="0" smtClean="0"/>
+          </a:p>
+          <a:p>
+            <a:endParaRPr lang="zh-CN" altLang="en-US" dirty="0" smtClean="0"/>
+          </a:p>
+          <a:p>
+            <a:r>
+              <a:rPr lang="en-US" altLang="zh-CN" dirty="0" smtClean="0"/>
+              <a:t>Headers exchange</a:t>
+            </a:r>
+            <a:r>
+              <a:rPr lang="zh-CN" altLang="en-US" dirty="0" smtClean="0"/>
+              <a:t>（头交换</a:t>
+            </a:r>
+            <a:r>
+              <a:rPr lang="zh-CN" altLang="en-US" dirty="0" smtClean="0"/>
+              <a:t>机）</a:t>
+            </a:r>
+            <a:endParaRPr lang="en-US" altLang="zh-CN" dirty="0" smtClean="0"/>
+          </a:p>
+          <a:p>
             <a:endParaRPr lang="zh-CN" altLang="en-US" dirty="0"/>
           </a:p>
         </p:txBody>
       </p:sp>
-      <p:pic>
-        <p:nvPicPr>
-          <p:cNvPr id="23554" name="Picture 2" descr="C://Users/Administrator/AppData/Local/YNote/data/dxh122685692@163.com/fc8862f9bf7a4243b0c557c1b0d555ae/clipboard.png"/>
-          <p:cNvPicPr>
-            <a:picLocks noChangeAspect="1" noChangeArrowheads="1"/>
-          </p:cNvPicPr>
-          <p:nvPr/>
-        </p:nvPicPr>
-        <p:blipFill>
-          <a:blip r:embed="rId2" cstate="print"/>
-          <a:srcRect/>
-          <a:stretch>
-            <a:fillRect/>
-          </a:stretch>
-        </p:blipFill>
-        <p:spPr bwMode="auto">
-          <a:xfrm>
-            <a:off x="827584" y="1851670"/>
-            <a:ext cx="7560840" cy="2811016"/>
-          </a:xfrm>
-          <a:prstGeom prst="rect">
-            <a:avLst/>
-          </a:prstGeom>
-          <a:noFill/>
-        </p:spPr>
-      </p:pic>
     </p:spTree>
   </p:cSld>
   <p:clrMapOvr>
     <a:masterClrMapping/>
   </p:clrMapOvr>
+  <p:timing>
+    <p:tnLst>
+      <p:par>
+        <p:cTn id="1" dur="indefinite" restart="never" nodeType="tmRoot"/>
+      </p:par>
+    </p:tnLst>
+  </p:timing>
 </p:sld>
 </file>
 
@@ -3795,7 +4223,7 @@
           <p:nvPr/>
         </p:nvPicPr>
         <p:blipFill>
-          <a:blip r:embed="rId1" cstate="print"/>
+          <a:blip r:embed="rId2" cstate="print"/>
           <a:stretch>
             <a:fillRect/>
           </a:stretch>
@@ -3850,72 +4278,20 @@
               <a:defRPr/>
             </a:pPr>
             <a:r>
-              <a:rPr kumimoji="0" lang="en-US" sz="2800" b="1" i="0" u="none" strike="noStrike" kern="1200" cap="none" spc="0" normalizeH="0" baseline="0" noProof="0" dirty="0">
-                <a:ln>
-                  <a:noFill/>
-                </a:ln>
-                <a:solidFill>
-                  <a:schemeClr val="tx1"/>
-                </a:solidFill>
-                <a:effectLst/>
-                <a:uLnTx/>
-                <a:uFillTx/>
+              <a:rPr lang="zh-CN" altLang="en-US" sz="2800" b="1" dirty="0" smtClean="0">
                 <a:latin typeface="+mj-ea"/>
                 <a:ea typeface="+mj-ea"/>
                 <a:cs typeface="+mj-cs"/>
               </a:rPr>
-              <a:t>RabbitMQ</a:t>
-            </a:r>
-            <a:r>
-              <a:rPr kumimoji="0" lang="zh-CN" altLang="en-US" sz="2800" b="1" i="0" u="none" strike="noStrike" kern="1200" cap="none" spc="0" normalizeH="0" baseline="0" noProof="0" dirty="0">
-                <a:ln>
-                  <a:noFill/>
-                </a:ln>
-                <a:solidFill>
-                  <a:schemeClr val="tx1"/>
-                </a:solidFill>
-                <a:effectLst/>
-                <a:uLnTx/>
-                <a:uFillTx/>
+              <a:t>牛</a:t>
+            </a:r>
+            <a:r>
+              <a:rPr lang="zh-CN" altLang="en-US" sz="2800" b="1" dirty="0" smtClean="0">
                 <a:latin typeface="+mj-ea"/>
                 <a:ea typeface="+mj-ea"/>
                 <a:cs typeface="+mj-cs"/>
               </a:rPr>
-              <a:t>消息分发</a:t>
-            </a:r>
-            <a:r>
-              <a:rPr kumimoji="0" lang="zh-CN" sz="2800" b="1" i="0" u="none" strike="noStrike" kern="1200" cap="none" spc="0" normalizeH="0" baseline="0" noProof="0" dirty="0">
-                <a:ln>
-                  <a:noFill/>
-                </a:ln>
-                <a:solidFill>
-                  <a:schemeClr val="tx1"/>
-                </a:solidFill>
-                <a:effectLst/>
-                <a:uLnTx/>
-                <a:uFillTx/>
-                <a:latin typeface="+mj-ea"/>
-                <a:ea typeface="+mj-ea"/>
-                <a:cs typeface="+mj-cs"/>
-              </a:rPr>
-              <a:t>模式</a:t>
-            </a:r>
-            <a:r>
-              <a:rPr kumimoji="0" lang="en-US" sz="2800" b="1" i="0" u="none" strike="noStrike" kern="1200" cap="none" spc="0" normalizeH="0" baseline="0" noProof="0" dirty="0">
-                <a:ln>
-                  <a:noFill/>
-                </a:ln>
-                <a:solidFill>
-                  <a:schemeClr val="tx1"/>
-                </a:solidFill>
-                <a:effectLst/>
-                <a:uLnTx/>
-                <a:uFillTx/>
-                <a:latin typeface="+mj-ea"/>
-                <a:ea typeface="+mj-ea"/>
-                <a:cs typeface="+mj-cs"/>
-              </a:rPr>
-              <a:t> </a:t>
+              <a:t>刀小试</a:t>
             </a:r>
             <a:endParaRPr kumimoji="0" lang="en-US" sz="2800" b="1" i="0" u="none" strike="noStrike" kern="1200" cap="none" spc="0" normalizeH="0" baseline="0" noProof="0" dirty="0">
               <a:ln>
@@ -3934,61 +4310,259 @@
           </a:p>
         </p:txBody>
       </p:sp>
+      <p:pic>
+        <p:nvPicPr>
+          <p:cNvPr id="5" name="Picture 4" descr="E:\常规物料\PPT规范\模板\PPT规范设计-15-15.png"/>
+          <p:cNvPicPr>
+            <a:picLocks noChangeAspect="1"/>
+          </p:cNvPicPr>
+          <p:nvPr/>
+        </p:nvPicPr>
+        <p:blipFill>
+          <a:blip r:embed="rId2" cstate="print"/>
+          <a:stretch>
+            <a:fillRect/>
+          </a:stretch>
+        </p:blipFill>
+        <p:spPr>
+          <a:xfrm>
+            <a:off x="5516563" y="227013"/>
+            <a:ext cx="3627437" cy="350837"/>
+          </a:xfrm>
+          <a:prstGeom prst="rect">
+            <a:avLst/>
+          </a:prstGeom>
+          <a:noFill/>
+          <a:ln w="9525">
+            <a:noFill/>
+          </a:ln>
+        </p:spPr>
+      </p:pic>
       <p:sp>
         <p:nvSpPr>
-          <p:cNvPr id="3" name="文本框 2"/>
+          <p:cNvPr id="7" name="标题 1"/>
           <p:cNvSpPr txBox="1"/>
           <p:nvPr/>
         </p:nvSpPr>
         <p:spPr>
           <a:xfrm>
-            <a:off x="723900" y="1246505"/>
-            <a:ext cx="7563485" cy="2030095"/>
-          </a:xfrm>
-          <a:prstGeom prst="rect">
-            <a:avLst/>
-          </a:prstGeom>
-          <a:noFill/>
+            <a:off x="611560" y="195486"/>
+            <a:ext cx="4968552" cy="519187"/>
+          </a:xfrm>
+          <a:prstGeom prst="rect">
+            <a:avLst/>
+          </a:prstGeom>
         </p:spPr>
         <p:txBody>
-          <a:bodyPr wrap="square" rtlCol="0" anchor="t">
-            <a:spAutoFit/>
-          </a:bodyPr>
-          <a:p>
-            <a:r>
-              <a:rPr lang="zh-CN" altLang="en-US"/>
-              <a:t>Direct：通过 Routing key 来分配消息 应该分配给那个消息队列。在给交换机绑定 消息对列的时候需要指定  路由关键字，并且路由关键字必须是不包含通配符。</a:t>
-            </a:r>
-            <a:endParaRPr lang="zh-CN" altLang="en-US"/>
-          </a:p>
-          <a:p>
-            <a:r>
-              <a:rPr lang="zh-CN" altLang="en-US"/>
-              <a:t>特点：消息明确，只有一个对列会消费这个消息。</a:t>
-            </a:r>
-            <a:endParaRPr lang="zh-CN" altLang="en-US"/>
-          </a:p>
-          <a:p>
-            <a:r>
-              <a:rPr lang="zh-CN" altLang="en-US"/>
-              <a:t>官方解释：转发消息到routingKey中指定的队列</a:t>
-            </a:r>
-            <a:endParaRPr lang="zh-CN" altLang="en-US"/>
-          </a:p>
-          <a:p>
-            <a:r>
-              <a:rPr lang="zh-CN" altLang="en-US"/>
-              <a:t>要求队列绑定时使用的bindingKey和发送时使用routingKey的保持一致，保证只有key匹配的队列中才可以进行收发消息</a:t>
-            </a:r>
-            <a:endParaRPr lang="zh-CN" altLang="en-US"/>
+          <a:bodyPr/>
+          <a:lstStyle/>
+          <a:p>
+            <a:pPr marL="0" marR="0" lvl="0" indent="0" algn="l" defTabSz="914400" rtl="0" eaLnBrk="1" fontAlgn="auto" latinLnBrk="0" hangingPunct="1">
+              <a:lnSpc>
+                <a:spcPct val="100000"/>
+              </a:lnSpc>
+              <a:spcBef>
+                <a:spcPct val="0"/>
+              </a:spcBef>
+              <a:spcAft>
+                <a:spcPts val="0"/>
+              </a:spcAft>
+              <a:buClrTx/>
+              <a:buSzTx/>
+              <a:buFontTx/>
+              <a:buNone/>
+              <a:defRPr/>
+            </a:pPr>
+            <a:endParaRPr kumimoji="0" lang="zh-CN" altLang="en-US" sz="2800" b="1" i="0" u="none" strike="noStrike" kern="1200" cap="none" spc="0" normalizeH="0" baseline="0" noProof="0" dirty="0">
+              <a:ln>
+                <a:noFill/>
+              </a:ln>
+              <a:solidFill>
+                <a:schemeClr val="tx1"/>
+              </a:solidFill>
+              <a:effectLst/>
+              <a:uLnTx/>
+              <a:uFillTx/>
+              <a:latin typeface="+mj-ea"/>
+              <a:ea typeface="+mj-ea"/>
+              <a:cs typeface="+mj-cs"/>
+            </a:endParaRPr>
           </a:p>
         </p:txBody>
       </p:sp>
+      <p:sp>
+        <p:nvSpPr>
+          <p:cNvPr id="10" name="内容占位符 2"/>
+          <p:cNvSpPr txBox="1"/>
+          <p:nvPr/>
+        </p:nvSpPr>
+        <p:spPr>
+          <a:xfrm>
+            <a:off x="547936" y="923950"/>
+            <a:ext cx="8352928" cy="3880048"/>
+          </a:xfrm>
+          <a:prstGeom prst="rect">
+            <a:avLst/>
+          </a:prstGeom>
+        </p:spPr>
+        <p:txBody>
+          <a:bodyPr/>
+          <a:lstStyle/>
+          <a:p>
+            <a:pPr marL="342900" indent="-342900" rtl="0" fontAlgn="auto">
+              <a:spcBef>
+                <a:spcPct val="20000"/>
+              </a:spcBef>
+              <a:spcAft>
+                <a:spcPts val="0"/>
+              </a:spcAft>
+              <a:buFont typeface="Arial" panose="020B0604020202020204" pitchFamily="34" charset="0"/>
+              <a:buChar char="•"/>
+            </a:pPr>
+            <a:r>
+              <a:rPr lang="zh-CN" altLang="en-US" dirty="0" smtClean="0"/>
+              <a:t>生产者</a:t>
+            </a:r>
+            <a:endParaRPr lang="en-US" altLang="zh-CN" dirty="0" smtClean="0"/>
+          </a:p>
+          <a:p>
+            <a:pPr marL="342900" indent="-342900" rtl="0" fontAlgn="auto">
+              <a:spcBef>
+                <a:spcPct val="20000"/>
+              </a:spcBef>
+              <a:spcAft>
+                <a:spcPts val="0"/>
+              </a:spcAft>
+              <a:buFont typeface="Arial" panose="020B0604020202020204" pitchFamily="34" charset="0"/>
+              <a:buChar char="•"/>
+            </a:pPr>
+            <a:endParaRPr lang="en-US" altLang="zh-CN" dirty="0" smtClean="0"/>
+          </a:p>
+        </p:txBody>
+      </p:sp>
+      <p:pic>
+        <p:nvPicPr>
+          <p:cNvPr id="1027" name="Picture 3"/>
+          <p:cNvPicPr>
+            <a:picLocks noChangeAspect="1" noChangeArrowheads="1"/>
+          </p:cNvPicPr>
+          <p:nvPr/>
+        </p:nvPicPr>
+        <p:blipFill>
+          <a:blip r:embed="rId3" cstate="print"/>
+          <a:srcRect/>
+          <a:stretch>
+            <a:fillRect/>
+          </a:stretch>
+        </p:blipFill>
+        <p:spPr bwMode="auto">
+          <a:xfrm>
+            <a:off x="1043608" y="1563638"/>
+            <a:ext cx="6408712" cy="2232248"/>
+          </a:xfrm>
+          <a:prstGeom prst="rect">
+            <a:avLst/>
+          </a:prstGeom>
+          <a:noFill/>
+          <a:ln w="9525">
+            <a:noFill/>
+            <a:miter lim="800000"/>
+            <a:headEnd/>
+            <a:tailEnd/>
+          </a:ln>
+        </p:spPr>
+      </p:pic>
     </p:spTree>
   </p:cSld>
   <p:clrMapOvr>
     <a:masterClrMapping/>
   </p:clrMapOvr>
+  <p:timing>
+    <p:tnLst>
+      <p:par>
+        <p:cTn id="1" dur="indefinite" restart="never" nodeType="tmRoot">
+          <p:childTnLst>
+            <p:seq concurrent="1" nextAc="seek">
+              <p:cTn id="2" dur="indefinite" nodeType="mainSeq">
+                <p:childTnLst>
+                  <p:par>
+                    <p:cTn id="3" fill="hold">
+                      <p:stCondLst>
+                        <p:cond delay="indefinite"/>
+                      </p:stCondLst>
+                      <p:childTnLst>
+                        <p:par>
+                          <p:cTn id="4" fill="hold">
+                            <p:stCondLst>
+                              <p:cond delay="0"/>
+                            </p:stCondLst>
+                            <p:childTnLst>
+                              <p:par>
+                                <p:cTn id="5" presetID="3" presetClass="entr" presetSubtype="10" fill="hold" grpId="0" nodeType="clickEffect">
+                                  <p:stCondLst>
+                                    <p:cond delay="0"/>
+                                  </p:stCondLst>
+                                  <p:childTnLst>
+                                    <p:set>
+                                      <p:cBhvr>
+                                        <p:cTn id="6" dur="1" fill="hold">
+                                          <p:stCondLst>
+                                            <p:cond delay="0"/>
+                                          </p:stCondLst>
+                                        </p:cTn>
+                                        <p:tgtEl>
+                                          <p:spTgt spid="10"/>
+                                        </p:tgtEl>
+                                        <p:attrNameLst>
+                                          <p:attrName>style.visibility</p:attrName>
+                                        </p:attrNameLst>
+                                      </p:cBhvr>
+                                      <p:to>
+                                        <p:strVal val="visible"/>
+                                      </p:to>
+                                    </p:set>
+                                    <p:animEffect transition="in" filter="blinds(horizontal)">
+                                      <p:cBhvr>
+                                        <p:cTn id="7" dur="500"/>
+                                        <p:tgtEl>
+                                          <p:spTgt spid="10"/>
+                                        </p:tgtEl>
+                                      </p:cBhvr>
+                                    </p:animEffect>
+                                  </p:childTnLst>
+                                </p:cTn>
+                              </p:par>
+                            </p:childTnLst>
+                          </p:cTn>
+                        </p:par>
+                      </p:childTnLst>
+                    </p:cTn>
+                  </p:par>
+                </p:childTnLst>
+              </p:cTn>
+              <p:prevCondLst>
+                <p:cond evt="onPrev" delay="0">
+                  <p:tgtEl>
+                    <p:sldTgt/>
+                  </p:tgtEl>
+                </p:cond>
+              </p:prevCondLst>
+              <p:nextCondLst>
+                <p:cond evt="onNext" delay="0">
+                  <p:tgtEl>
+                    <p:sldTgt/>
+                  </p:tgtEl>
+                </p:cond>
+              </p:nextCondLst>
+            </p:seq>
+          </p:childTnLst>
+        </p:cTn>
+      </p:par>
+    </p:tnLst>
+    <p:bldLst>
+      <p:bldP spid="10" grpId="0"/>
+    </p:bldLst>
+  </p:timing>
 </p:sld>
 </file>
 
@@ -4018,7 +4592,7 @@
           <p:nvPr/>
         </p:nvPicPr>
         <p:blipFill>
-          <a:blip r:embed="rId1" cstate="print"/>
+          <a:blip r:embed="rId2" cstate="print"/>
           <a:stretch>
             <a:fillRect/>
           </a:stretch>
@@ -4073,72 +4647,20 @@
               <a:defRPr/>
             </a:pPr>
             <a:r>
-              <a:rPr kumimoji="0" lang="en-US" sz="2800" b="1" i="0" u="none" strike="noStrike" kern="1200" cap="none" spc="0" normalizeH="0" baseline="0" noProof="0" dirty="0">
-                <a:ln>
-                  <a:noFill/>
-                </a:ln>
-                <a:solidFill>
-                  <a:schemeClr val="tx1"/>
-                </a:solidFill>
-                <a:effectLst/>
-                <a:uLnTx/>
-                <a:uFillTx/>
+              <a:rPr lang="zh-CN" altLang="en-US" sz="2800" b="1" dirty="0" smtClean="0">
                 <a:latin typeface="+mj-ea"/>
                 <a:ea typeface="+mj-ea"/>
                 <a:cs typeface="+mj-cs"/>
               </a:rPr>
-              <a:t>RabbitMQ</a:t>
-            </a:r>
-            <a:r>
-              <a:rPr kumimoji="0" lang="zh-CN" altLang="en-US" sz="2800" b="1" i="0" u="none" strike="noStrike" kern="1200" cap="none" spc="0" normalizeH="0" baseline="0" noProof="0" dirty="0">
-                <a:ln>
-                  <a:noFill/>
-                </a:ln>
-                <a:solidFill>
-                  <a:schemeClr val="tx1"/>
-                </a:solidFill>
-                <a:effectLst/>
-                <a:uLnTx/>
-                <a:uFillTx/>
+              <a:t>牛</a:t>
+            </a:r>
+            <a:r>
+              <a:rPr lang="zh-CN" altLang="en-US" sz="2800" b="1" dirty="0" smtClean="0">
                 <a:latin typeface="+mj-ea"/>
                 <a:ea typeface="+mj-ea"/>
                 <a:cs typeface="+mj-cs"/>
               </a:rPr>
-              <a:t>消息分发</a:t>
-            </a:r>
-            <a:r>
-              <a:rPr kumimoji="0" lang="zh-CN" sz="2800" b="1" i="0" u="none" strike="noStrike" kern="1200" cap="none" spc="0" normalizeH="0" baseline="0" noProof="0" dirty="0">
-                <a:ln>
-                  <a:noFill/>
-                </a:ln>
-                <a:solidFill>
-                  <a:schemeClr val="tx1"/>
-                </a:solidFill>
-                <a:effectLst/>
-                <a:uLnTx/>
-                <a:uFillTx/>
-                <a:latin typeface="+mj-ea"/>
-                <a:ea typeface="+mj-ea"/>
-                <a:cs typeface="+mj-cs"/>
-              </a:rPr>
-              <a:t>模式</a:t>
-            </a:r>
-            <a:r>
-              <a:rPr kumimoji="0" lang="en-US" sz="2800" b="1" i="0" u="none" strike="noStrike" kern="1200" cap="none" spc="0" normalizeH="0" baseline="0" noProof="0" dirty="0">
-                <a:ln>
-                  <a:noFill/>
-                </a:ln>
-                <a:solidFill>
-                  <a:schemeClr val="tx1"/>
-                </a:solidFill>
-                <a:effectLst/>
-                <a:uLnTx/>
-                <a:uFillTx/>
-                <a:latin typeface="+mj-ea"/>
-                <a:ea typeface="+mj-ea"/>
-                <a:cs typeface="+mj-cs"/>
-              </a:rPr>
-              <a:t> </a:t>
+              <a:t>刀小试</a:t>
             </a:r>
             <a:endParaRPr kumimoji="0" lang="en-US" sz="2800" b="1" i="0" u="none" strike="noStrike" kern="1200" cap="none" spc="0" normalizeH="0" baseline="0" noProof="0" dirty="0">
               <a:ln>
@@ -4157,61 +4679,246 @@
           </a:p>
         </p:txBody>
       </p:sp>
+      <p:pic>
+        <p:nvPicPr>
+          <p:cNvPr id="5" name="Picture 4" descr="E:\常规物料\PPT规范\模板\PPT规范设计-15-15.png"/>
+          <p:cNvPicPr>
+            <a:picLocks noChangeAspect="1"/>
+          </p:cNvPicPr>
+          <p:nvPr/>
+        </p:nvPicPr>
+        <p:blipFill>
+          <a:blip r:embed="rId2" cstate="print"/>
+          <a:stretch>
+            <a:fillRect/>
+          </a:stretch>
+        </p:blipFill>
+        <p:spPr>
+          <a:xfrm>
+            <a:off x="5516563" y="227013"/>
+            <a:ext cx="3627437" cy="350837"/>
+          </a:xfrm>
+          <a:prstGeom prst="rect">
+            <a:avLst/>
+          </a:prstGeom>
+          <a:noFill/>
+          <a:ln w="9525">
+            <a:noFill/>
+          </a:ln>
+        </p:spPr>
+      </p:pic>
       <p:sp>
         <p:nvSpPr>
-          <p:cNvPr id="3" name="文本框 2"/>
+          <p:cNvPr id="7" name="标题 1"/>
           <p:cNvSpPr txBox="1"/>
           <p:nvPr/>
         </p:nvSpPr>
         <p:spPr>
           <a:xfrm>
-            <a:off x="723900" y="1246505"/>
-            <a:ext cx="7563485" cy="2030095"/>
-          </a:xfrm>
-          <a:prstGeom prst="rect">
-            <a:avLst/>
-          </a:prstGeom>
-          <a:noFill/>
+            <a:off x="611560" y="195486"/>
+            <a:ext cx="4968552" cy="519187"/>
+          </a:xfrm>
+          <a:prstGeom prst="rect">
+            <a:avLst/>
+          </a:prstGeom>
         </p:spPr>
         <p:txBody>
-          <a:bodyPr wrap="square" rtlCol="0" anchor="t">
-            <a:spAutoFit/>
-          </a:bodyPr>
-          <a:p>
-            <a:r>
-              <a:rPr lang="zh-CN" altLang="en-US"/>
-              <a:t>fanout：把消息分给这个 交换机下面的所有 消息队列，值得注意的是 fanout 类型的 绑定 消息对列的时候不需要指配  Routing key 。所以fanout查询rabbit_route忽略了路由键</a:t>
-            </a:r>
-            <a:endParaRPr lang="zh-CN" altLang="en-US"/>
-          </a:p>
-          <a:p>
-            <a:r>
-              <a:rPr lang="zh-CN" altLang="en-US"/>
-              <a:t>特点：分配给全部的绑定在这个交换机上的消息队列。类似于发布订阅机制。</a:t>
-            </a:r>
-            <a:endParaRPr lang="zh-CN" altLang="en-US"/>
-          </a:p>
-          <a:p>
-            <a:r>
-              <a:rPr lang="zh-CN" altLang="en-US"/>
-              <a:t>官方解释：转发消息到与该交换机绑定的所有队列</a:t>
-            </a:r>
-            <a:endParaRPr lang="zh-CN" altLang="en-US"/>
-          </a:p>
-          <a:p>
-            <a:r>
-              <a:rPr lang="zh-CN" altLang="en-US"/>
-              <a:t>只要接收端和发送端使用同一个交换机，所有端都可以收发消息</a:t>
-            </a:r>
-            <a:endParaRPr lang="zh-CN" altLang="en-US"/>
+          <a:bodyPr/>
+          <a:lstStyle/>
+          <a:p>
+            <a:pPr marL="0" marR="0" lvl="0" indent="0" algn="l" defTabSz="914400" rtl="0" eaLnBrk="1" fontAlgn="auto" latinLnBrk="0" hangingPunct="1">
+              <a:lnSpc>
+                <a:spcPct val="100000"/>
+              </a:lnSpc>
+              <a:spcBef>
+                <a:spcPct val="0"/>
+              </a:spcBef>
+              <a:spcAft>
+                <a:spcPts val="0"/>
+              </a:spcAft>
+              <a:buClrTx/>
+              <a:buSzTx/>
+              <a:buFontTx/>
+              <a:buNone/>
+              <a:defRPr/>
+            </a:pPr>
+            <a:endParaRPr kumimoji="0" lang="zh-CN" altLang="en-US" sz="2800" b="1" i="0" u="none" strike="noStrike" kern="1200" cap="none" spc="0" normalizeH="0" baseline="0" noProof="0" dirty="0">
+              <a:ln>
+                <a:noFill/>
+              </a:ln>
+              <a:solidFill>
+                <a:schemeClr val="tx1"/>
+              </a:solidFill>
+              <a:effectLst/>
+              <a:uLnTx/>
+              <a:uFillTx/>
+              <a:latin typeface="+mj-ea"/>
+              <a:ea typeface="+mj-ea"/>
+              <a:cs typeface="+mj-cs"/>
+            </a:endParaRPr>
           </a:p>
         </p:txBody>
       </p:sp>
+      <p:sp>
+        <p:nvSpPr>
+          <p:cNvPr id="10" name="内容占位符 2"/>
+          <p:cNvSpPr txBox="1"/>
+          <p:nvPr/>
+        </p:nvSpPr>
+        <p:spPr>
+          <a:xfrm>
+            <a:off x="547936" y="923950"/>
+            <a:ext cx="8352928" cy="3880048"/>
+          </a:xfrm>
+          <a:prstGeom prst="rect">
+            <a:avLst/>
+          </a:prstGeom>
+        </p:spPr>
+        <p:txBody>
+          <a:bodyPr/>
+          <a:lstStyle/>
+          <a:p>
+            <a:pPr marL="342900" indent="-342900" rtl="0" fontAlgn="auto">
+              <a:spcBef>
+                <a:spcPct val="20000"/>
+              </a:spcBef>
+              <a:spcAft>
+                <a:spcPts val="0"/>
+              </a:spcAft>
+              <a:buFont typeface="Arial" panose="020B0604020202020204" pitchFamily="34" charset="0"/>
+              <a:buChar char="•"/>
+            </a:pPr>
+            <a:r>
+              <a:rPr lang="zh-CN" altLang="en-US" dirty="0" smtClean="0"/>
+              <a:t>消费者</a:t>
+            </a:r>
+            <a:endParaRPr lang="en-US" altLang="zh-CN" dirty="0" smtClean="0"/>
+          </a:p>
+        </p:txBody>
+      </p:sp>
+      <p:pic>
+        <p:nvPicPr>
+          <p:cNvPr id="2050" name="Picture 2"/>
+          <p:cNvPicPr>
+            <a:picLocks noChangeAspect="1" noChangeArrowheads="1"/>
+          </p:cNvPicPr>
+          <p:nvPr/>
+        </p:nvPicPr>
+        <p:blipFill>
+          <a:blip r:embed="rId3" cstate="print"/>
+          <a:srcRect/>
+          <a:stretch>
+            <a:fillRect/>
+          </a:stretch>
+        </p:blipFill>
+        <p:spPr bwMode="auto">
+          <a:xfrm>
+            <a:off x="1331640" y="1419622"/>
+            <a:ext cx="5975109" cy="2895401"/>
+          </a:xfrm>
+          <a:prstGeom prst="rect">
+            <a:avLst/>
+          </a:prstGeom>
+          <a:noFill/>
+          <a:ln w="9525">
+            <a:noFill/>
+            <a:miter lim="800000"/>
+            <a:headEnd/>
+            <a:tailEnd/>
+          </a:ln>
+        </p:spPr>
+      </p:pic>
     </p:spTree>
   </p:cSld>
   <p:clrMapOvr>
     <a:masterClrMapping/>
   </p:clrMapOvr>
+  <p:timing>
+    <p:tnLst>
+      <p:par>
+        <p:cTn id="1" dur="indefinite" restart="never" nodeType="tmRoot">
+          <p:childTnLst>
+            <p:seq concurrent="1" nextAc="seek">
+              <p:cTn id="2" dur="indefinite" nodeType="mainSeq">
+                <p:childTnLst>
+                  <p:par>
+                    <p:cTn id="3" fill="hold">
+                      <p:stCondLst>
+                        <p:cond delay="indefinite"/>
+                      </p:stCondLst>
+                      <p:childTnLst>
+                        <p:par>
+                          <p:cTn id="4" fill="hold">
+                            <p:stCondLst>
+                              <p:cond delay="0"/>
+                            </p:stCondLst>
+                            <p:childTnLst>
+                              <p:par>
+                                <p:cTn id="5" presetID="3" presetClass="entr" presetSubtype="10" fill="hold" grpId="0" nodeType="clickEffect">
+                                  <p:stCondLst>
+                                    <p:cond delay="0"/>
+                                  </p:stCondLst>
+                                  <p:childTnLst>
+                                    <p:set>
+                                      <p:cBhvr>
+                                        <p:cTn id="6" dur="1" fill="hold">
+                                          <p:stCondLst>
+                                            <p:cond delay="0"/>
+                                          </p:stCondLst>
+                                        </p:cTn>
+                                        <p:tgtEl>
+                                          <p:spTgt spid="10"/>
+                                        </p:tgtEl>
+                                        <p:attrNameLst>
+                                          <p:attrName>style.visibility</p:attrName>
+                                        </p:attrNameLst>
+                                      </p:cBhvr>
+                                      <p:to>
+                                        <p:strVal val="visible"/>
+                                      </p:to>
+                                    </p:set>
+                                    <p:animEffect transition="in" filter="blinds(horizontal)">
+                                      <p:cBhvr>
+                                        <p:cTn id="7" dur="500"/>
+                                        <p:tgtEl>
+                                          <p:spTgt spid="10"/>
+                                        </p:tgtEl>
+                                      </p:cBhvr>
+                                    </p:animEffect>
+                                  </p:childTnLst>
+                                </p:cTn>
+                              </p:par>
+                            </p:childTnLst>
+                          </p:cTn>
+                        </p:par>
+                      </p:childTnLst>
+                    </p:cTn>
+                  </p:par>
+                </p:childTnLst>
+              </p:cTn>
+              <p:prevCondLst>
+                <p:cond evt="onPrev" delay="0">
+                  <p:tgtEl>
+                    <p:sldTgt/>
+                  </p:tgtEl>
+                </p:cond>
+              </p:prevCondLst>
+              <p:nextCondLst>
+                <p:cond evt="onNext" delay="0">
+                  <p:tgtEl>
+                    <p:sldTgt/>
+                  </p:tgtEl>
+                </p:cond>
+              </p:nextCondLst>
+            </p:seq>
+          </p:childTnLst>
+        </p:cTn>
+      </p:par>
+    </p:tnLst>
+    <p:bldLst>
+      <p:bldP spid="10" grpId="0"/>
+    </p:bldLst>
+  </p:timing>
 </p:sld>
 </file>
 
@@ -4241,7 +4948,7 @@
           <p:nvPr/>
         </p:nvPicPr>
         <p:blipFill>
-          <a:blip r:embed="rId1" cstate="print"/>
+          <a:blip r:embed="rId2" cstate="print"/>
           <a:stretch>
             <a:fillRect/>
           </a:stretch>
@@ -4260,9 +4967,488 @@
           </a:ln>
         </p:spPr>
       </p:pic>
+      <p:sp>
+        <p:nvSpPr>
+          <p:cNvPr id="6" name="标题 1"/>
+          <p:cNvSpPr txBox="1"/>
+          <p:nvPr/>
+        </p:nvSpPr>
+        <p:spPr>
+          <a:xfrm>
+            <a:off x="611560" y="195486"/>
+            <a:ext cx="4968552" cy="519187"/>
+          </a:xfrm>
+          <a:prstGeom prst="rect">
+            <a:avLst/>
+          </a:prstGeom>
+        </p:spPr>
+        <p:txBody>
+          <a:bodyPr/>
+          <a:lstStyle/>
+          <a:p>
+            <a:pPr marL="0" marR="0" lvl="0" indent="0" algn="l" defTabSz="914400" rtl="0" eaLnBrk="1" fontAlgn="auto" latinLnBrk="0" hangingPunct="1">
+              <a:lnSpc>
+                <a:spcPct val="100000"/>
+              </a:lnSpc>
+              <a:spcBef>
+                <a:spcPct val="0"/>
+              </a:spcBef>
+              <a:spcAft>
+                <a:spcPts val="0"/>
+              </a:spcAft>
+              <a:buClrTx/>
+              <a:buSzTx/>
+              <a:buFontTx/>
+              <a:buNone/>
+              <a:defRPr/>
+            </a:pPr>
+            <a:r>
+              <a:rPr kumimoji="0" lang="en-US" sz="2800" b="1" i="0" u="none" strike="noStrike" kern="1200" cap="none" spc="0" normalizeH="0" baseline="0" noProof="0" dirty="0" smtClean="0">
+                <a:ln>
+                  <a:noFill/>
+                </a:ln>
+                <a:solidFill>
+                  <a:schemeClr val="tx1"/>
+                </a:solidFill>
+                <a:effectLst/>
+                <a:uLnTx/>
+                <a:uFillTx/>
+                <a:latin typeface="+mj-ea"/>
+                <a:ea typeface="+mj-ea"/>
+                <a:cs typeface="+mj-cs"/>
+              </a:rPr>
+              <a:t>RabbitMQ</a:t>
+            </a:r>
+            <a:r>
+              <a:rPr lang="zh-CN" altLang="en-US" sz="2800" b="1" noProof="0" dirty="0" smtClean="0">
+                <a:latin typeface="+mj-ea"/>
+                <a:ea typeface="+mj-ea"/>
+                <a:cs typeface="+mj-cs"/>
+              </a:rPr>
+              <a:t>事务</a:t>
+            </a:r>
+            <a:endParaRPr kumimoji="0" lang="en-US" sz="2800" b="1" i="0" u="none" strike="noStrike" kern="1200" cap="none" spc="0" normalizeH="0" baseline="0" noProof="0" dirty="0">
+              <a:ln>
+                <a:noFill/>
+              </a:ln>
+              <a:solidFill>
+                <a:schemeClr val="tx1"/>
+              </a:solidFill>
+              <a:effectLst/>
+              <a:uLnTx/>
+              <a:uFillTx/>
+              <a:latin typeface="+mj-ea"/>
+              <a:ea typeface="+mj-ea"/>
+              <a:cs typeface="+mj-cs"/>
+            </a:endParaRPr>
+          </a:p>
+        </p:txBody>
+      </p:sp>
+      <p:sp>
+        <p:nvSpPr>
+          <p:cNvPr id="3" name="文本框 2"/>
+          <p:cNvSpPr txBox="1"/>
+          <p:nvPr/>
+        </p:nvSpPr>
+        <p:spPr>
+          <a:xfrm>
+            <a:off x="723901" y="987575"/>
+            <a:ext cx="7232476" cy="1754326"/>
+          </a:xfrm>
+          <a:prstGeom prst="rect">
+            <a:avLst/>
+          </a:prstGeom>
+          <a:noFill/>
+        </p:spPr>
+        <p:txBody>
+          <a:bodyPr wrap="square" rtlCol="0" anchor="t">
+            <a:spAutoFit/>
+          </a:bodyPr>
+          <a:lstStyle/>
+          <a:p>
+            <a:r>
+              <a:rPr lang="zh-CN" altLang="en-US" dirty="0" smtClean="0"/>
+              <a:t>事</a:t>
+            </a:r>
+            <a:r>
+              <a:rPr lang="zh-CN" altLang="en-US" dirty="0" smtClean="0"/>
+              <a:t>务的实现主要是对信道（</a:t>
+            </a:r>
+            <a:r>
+              <a:rPr lang="en-US" altLang="zh-CN" dirty="0" smtClean="0"/>
+              <a:t>Channel</a:t>
+            </a:r>
+            <a:r>
+              <a:rPr lang="zh-CN" altLang="en-US" dirty="0" smtClean="0"/>
+              <a:t>）的设置，主要的方法有三个：</a:t>
+            </a:r>
+          </a:p>
+          <a:p>
+            <a:r>
+              <a:rPr lang="en-US" altLang="zh-CN" dirty="0" smtClean="0"/>
+              <a:t>channel.txSelect</a:t>
+            </a:r>
+            <a:r>
+              <a:rPr lang="en-US" altLang="zh-CN" dirty="0" smtClean="0"/>
+              <a:t>()  //</a:t>
+            </a:r>
+            <a:r>
+              <a:rPr lang="zh-CN" altLang="en-US" dirty="0" smtClean="0"/>
+              <a:t>声</a:t>
+            </a:r>
+            <a:r>
+              <a:rPr lang="zh-CN" altLang="en-US" dirty="0" smtClean="0"/>
+              <a:t>明启动事务模式；</a:t>
+            </a:r>
+          </a:p>
+          <a:p>
+            <a:r>
+              <a:rPr lang="en-US" altLang="zh-CN" dirty="0" smtClean="0"/>
+              <a:t>channel.txComment</a:t>
+            </a:r>
+            <a:r>
+              <a:rPr lang="en-US" altLang="zh-CN" dirty="0" smtClean="0"/>
+              <a:t>()  // </a:t>
+            </a:r>
+            <a:r>
+              <a:rPr lang="zh-CN" altLang="en-US" dirty="0" smtClean="0"/>
+              <a:t>提</a:t>
+            </a:r>
+            <a:r>
+              <a:rPr lang="zh-CN" altLang="en-US" dirty="0" smtClean="0"/>
+              <a:t>交事务；</a:t>
+            </a:r>
+          </a:p>
+          <a:p>
+            <a:r>
+              <a:rPr lang="en-US" altLang="zh-CN" dirty="0" smtClean="0"/>
+              <a:t>channel.txRollback</a:t>
+            </a:r>
+            <a:r>
+              <a:rPr lang="en-US" altLang="zh-CN" dirty="0" smtClean="0"/>
+              <a:t>()  //</a:t>
+            </a:r>
+            <a:r>
+              <a:rPr lang="zh-CN" altLang="en-US" dirty="0" smtClean="0"/>
+              <a:t>回</a:t>
+            </a:r>
+            <a:r>
+              <a:rPr lang="zh-CN" altLang="en-US" dirty="0" smtClean="0"/>
+              <a:t>滚事务</a:t>
+            </a:r>
+            <a:r>
+              <a:rPr lang="zh-CN" altLang="en-US" dirty="0" smtClean="0"/>
+              <a:t>；</a:t>
+            </a:r>
+            <a:endParaRPr lang="zh-CN" altLang="en-US" dirty="0" smtClean="0"/>
+          </a:p>
+          <a:p>
+            <a:endParaRPr lang="en-US" altLang="zh-CN" dirty="0" smtClean="0"/>
+          </a:p>
+          <a:p>
+            <a:endParaRPr lang="en-US" altLang="zh-CN" dirty="0" smtClean="0"/>
+          </a:p>
+        </p:txBody>
+      </p:sp>
+      <p:sp>
+        <p:nvSpPr>
+          <p:cNvPr id="5" name="文本框 2"/>
+          <p:cNvSpPr txBox="1"/>
+          <p:nvPr/>
+        </p:nvSpPr>
+        <p:spPr>
+          <a:xfrm>
+            <a:off x="683568" y="2715766"/>
+            <a:ext cx="7563485" cy="1477328"/>
+          </a:xfrm>
+          <a:prstGeom prst="rect">
+            <a:avLst/>
+          </a:prstGeom>
+          <a:noFill/>
+        </p:spPr>
+        <p:txBody>
+          <a:bodyPr wrap="square" rtlCol="0" anchor="t">
+            <a:spAutoFit/>
+          </a:bodyPr>
+          <a:lstStyle/>
+          <a:p>
+            <a:r>
+              <a:rPr lang="en-US" altLang="zh-CN" dirty="0" smtClean="0"/>
+              <a:t>1.</a:t>
+            </a:r>
+            <a:r>
+              <a:rPr lang="zh-CN" altLang="en-US" dirty="0" smtClean="0"/>
+              <a:t>客</a:t>
+            </a:r>
+            <a:r>
+              <a:rPr lang="zh-CN" altLang="en-US" dirty="0" smtClean="0"/>
+              <a:t>户端发送给服务器</a:t>
+            </a:r>
+            <a:r>
+              <a:rPr lang="en-US" altLang="zh-CN" dirty="0" smtClean="0"/>
+              <a:t>Tx.Select(</a:t>
+            </a:r>
+            <a:r>
+              <a:rPr lang="zh-CN" altLang="en-US" dirty="0" smtClean="0"/>
+              <a:t>开启事务模式</a:t>
+            </a:r>
+            <a:r>
+              <a:rPr lang="en-US" altLang="zh-CN" dirty="0" smtClean="0"/>
+              <a:t>)</a:t>
+            </a:r>
+          </a:p>
+          <a:p>
+            <a:r>
+              <a:rPr lang="en-US" altLang="zh-CN" dirty="0" smtClean="0"/>
+              <a:t>2.</a:t>
+            </a:r>
+            <a:r>
+              <a:rPr lang="zh-CN" altLang="en-US" dirty="0" smtClean="0"/>
+              <a:t>服</a:t>
+            </a:r>
+            <a:r>
+              <a:rPr lang="zh-CN" altLang="en-US" dirty="0" smtClean="0"/>
+              <a:t>务器端返回</a:t>
+            </a:r>
+            <a:r>
+              <a:rPr lang="en-US" altLang="zh-CN" dirty="0" smtClean="0"/>
+              <a:t>Tx.Select-Ok</a:t>
+            </a:r>
+            <a:r>
+              <a:rPr lang="zh-CN" altLang="en-US" dirty="0" smtClean="0"/>
+              <a:t>（开启事务模式</a:t>
+            </a:r>
+            <a:r>
+              <a:rPr lang="en-US" altLang="zh-CN" dirty="0" smtClean="0"/>
+              <a:t>ok</a:t>
+            </a:r>
+            <a:r>
+              <a:rPr lang="zh-CN" altLang="en-US" dirty="0" smtClean="0"/>
+              <a:t>）</a:t>
+            </a:r>
+          </a:p>
+          <a:p>
+            <a:r>
+              <a:rPr lang="en-US" altLang="zh-CN" dirty="0" smtClean="0"/>
+              <a:t>3.</a:t>
+            </a:r>
+            <a:r>
+              <a:rPr lang="zh-CN" altLang="en-US" dirty="0" smtClean="0"/>
+              <a:t>推</a:t>
+            </a:r>
+            <a:r>
+              <a:rPr lang="zh-CN" altLang="en-US" dirty="0" smtClean="0"/>
+              <a:t>送消息</a:t>
+            </a:r>
+          </a:p>
+          <a:p>
+            <a:r>
+              <a:rPr lang="en-US" altLang="zh-CN" dirty="0" smtClean="0"/>
+              <a:t>4.</a:t>
+            </a:r>
+            <a:r>
+              <a:rPr lang="zh-CN" altLang="en-US" dirty="0" smtClean="0"/>
+              <a:t>客</a:t>
+            </a:r>
+            <a:r>
+              <a:rPr lang="zh-CN" altLang="en-US" dirty="0" smtClean="0"/>
+              <a:t>户端发送给事务提交</a:t>
+            </a:r>
+            <a:r>
+              <a:rPr lang="en-US" altLang="zh-CN" dirty="0" smtClean="0"/>
+              <a:t>Tx.Commit</a:t>
+            </a:r>
+          </a:p>
+          <a:p>
+            <a:r>
+              <a:rPr lang="en-US" altLang="zh-CN" dirty="0" smtClean="0"/>
+              <a:t>5.</a:t>
+            </a:r>
+            <a:r>
+              <a:rPr lang="zh-CN" altLang="en-US" dirty="0" smtClean="0"/>
+              <a:t>服</a:t>
+            </a:r>
+            <a:r>
+              <a:rPr lang="zh-CN" altLang="en-US" dirty="0" smtClean="0"/>
+              <a:t>务器端返回</a:t>
+            </a:r>
+            <a:r>
+              <a:rPr lang="en-US" altLang="zh-CN" dirty="0" smtClean="0"/>
+              <a:t>Tx.Commit-Ok</a:t>
+            </a:r>
+            <a:endParaRPr lang="en-US" altLang="zh-CN" dirty="0" smtClean="0"/>
+          </a:p>
+        </p:txBody>
+      </p:sp>
+    </p:spTree>
+  </p:cSld>
+  <p:clrMapOvr>
+    <a:masterClrMapping/>
+  </p:clrMapOvr>
+  <p:transition spd="med"/>
+  <p:timing>
+    <p:tnLst>
+      <p:par>
+        <p:cTn id="1" dur="indefinite" restart="never" nodeType="tmRoot">
+          <p:childTnLst>
+            <p:seq concurrent="1" nextAc="seek">
+              <p:cTn id="2" dur="indefinite" nodeType="mainSeq">
+                <p:childTnLst>
+                  <p:par>
+                    <p:cTn id="3" fill="hold">
+                      <p:stCondLst>
+                        <p:cond delay="indefinite"/>
+                      </p:stCondLst>
+                      <p:childTnLst>
+                        <p:par>
+                          <p:cTn id="4" fill="hold">
+                            <p:stCondLst>
+                              <p:cond delay="0"/>
+                            </p:stCondLst>
+                            <p:childTnLst>
+                              <p:par>
+                                <p:cTn id="5" presetID="8" presetClass="entr" presetSubtype="16" fill="hold" grpId="0" nodeType="clickEffect">
+                                  <p:stCondLst>
+                                    <p:cond delay="0"/>
+                                  </p:stCondLst>
+                                  <p:childTnLst>
+                                    <p:set>
+                                      <p:cBhvr>
+                                        <p:cTn id="6" dur="1" fill="hold">
+                                          <p:stCondLst>
+                                            <p:cond delay="0"/>
+                                          </p:stCondLst>
+                                        </p:cTn>
+                                        <p:tgtEl>
+                                          <p:spTgt spid="3"/>
+                                        </p:tgtEl>
+                                        <p:attrNameLst>
+                                          <p:attrName>style.visibility</p:attrName>
+                                        </p:attrNameLst>
+                                      </p:cBhvr>
+                                      <p:to>
+                                        <p:strVal val="visible"/>
+                                      </p:to>
+                                    </p:set>
+                                    <p:animEffect transition="in" filter="diamond(in)">
+                                      <p:cBhvr>
+                                        <p:cTn id="7" dur="2000"/>
+                                        <p:tgtEl>
+                                          <p:spTgt spid="3"/>
+                                        </p:tgtEl>
+                                      </p:cBhvr>
+                                    </p:animEffect>
+                                  </p:childTnLst>
+                                </p:cTn>
+                              </p:par>
+                            </p:childTnLst>
+                          </p:cTn>
+                        </p:par>
+                      </p:childTnLst>
+                    </p:cTn>
+                  </p:par>
+                  <p:par>
+                    <p:cTn id="8" fill="hold">
+                      <p:stCondLst>
+                        <p:cond delay="indefinite"/>
+                      </p:stCondLst>
+                      <p:childTnLst>
+                        <p:par>
+                          <p:cTn id="9" fill="hold">
+                            <p:stCondLst>
+                              <p:cond delay="0"/>
+                            </p:stCondLst>
+                            <p:childTnLst>
+                              <p:par>
+                                <p:cTn id="10" presetID="5" presetClass="entr" presetSubtype="10" fill="hold" grpId="0" nodeType="clickEffect">
+                                  <p:stCondLst>
+                                    <p:cond delay="0"/>
+                                  </p:stCondLst>
+                                  <p:childTnLst>
+                                    <p:set>
+                                      <p:cBhvr>
+                                        <p:cTn id="11" dur="1" fill="hold">
+                                          <p:stCondLst>
+                                            <p:cond delay="0"/>
+                                          </p:stCondLst>
+                                        </p:cTn>
+                                        <p:tgtEl>
+                                          <p:spTgt spid="5"/>
+                                        </p:tgtEl>
+                                        <p:attrNameLst>
+                                          <p:attrName>style.visibility</p:attrName>
+                                        </p:attrNameLst>
+                                      </p:cBhvr>
+                                      <p:to>
+                                        <p:strVal val="visible"/>
+                                      </p:to>
+                                    </p:set>
+                                    <p:animEffect transition="in" filter="checkerboard(across)">
+                                      <p:cBhvr>
+                                        <p:cTn id="12" dur="500"/>
+                                        <p:tgtEl>
+                                          <p:spTgt spid="5"/>
+                                        </p:tgtEl>
+                                      </p:cBhvr>
+                                    </p:animEffect>
+                                  </p:childTnLst>
+                                </p:cTn>
+                              </p:par>
+                            </p:childTnLst>
+                          </p:cTn>
+                        </p:par>
+                      </p:childTnLst>
+                    </p:cTn>
+                  </p:par>
+                </p:childTnLst>
+              </p:cTn>
+              <p:prevCondLst>
+                <p:cond evt="onPrev" delay="0">
+                  <p:tgtEl>
+                    <p:sldTgt/>
+                  </p:tgtEl>
+                </p:cond>
+              </p:prevCondLst>
+              <p:nextCondLst>
+                <p:cond evt="onNext" delay="0">
+                  <p:tgtEl>
+                    <p:sldTgt/>
+                  </p:tgtEl>
+                </p:cond>
+              </p:nextCondLst>
+            </p:seq>
+          </p:childTnLst>
+        </p:cTn>
+      </p:par>
+    </p:tnLst>
+    <p:bldLst>
+      <p:bldP spid="3" grpId="0"/>
+      <p:bldP spid="5" grpId="0"/>
+    </p:bldLst>
+  </p:timing>
+</p:sld>
+</file>
+
+<file path=ppt/slides/slide24.xml><?xml version="1.0" encoding="utf-8"?>
+<p:sld xmlns:a="http://schemas.openxmlformats.org/drawingml/2006/main" xmlns:r="http://schemas.openxmlformats.org/officeDocument/2006/relationships" xmlns:p="http://schemas.openxmlformats.org/presentationml/2006/main">
+  <p:cSld>
+    <p:spTree>
+      <p:nvGrpSpPr>
+        <p:cNvPr id="1" name=""/>
+        <p:cNvGrpSpPr/>
+        <p:nvPr/>
+      </p:nvGrpSpPr>
+      <p:grpSpPr>
+        <a:xfrm>
+          <a:off x="0" y="0"/>
+          <a:ext cx="0" cy="0"/>
+          <a:chOff x="0" y="0"/>
+          <a:chExt cx="0" cy="0"/>
+        </a:xfrm>
+      </p:grpSpPr>
       <p:pic>
         <p:nvPicPr>
-          <p:cNvPr id="5" name="图片 4" descr="e19b7484259cfc36efca000392815273"/>
+          <p:cNvPr id="6146" name="Picture 4" descr="E:\常规物料\PPT规范\模板\PPT规范设计-15-15.png"/>
           <p:cNvPicPr>
             <a:picLocks noChangeAspect="1"/>
           </p:cNvPicPr>
@@ -4276,19 +5462,824 @@
         </p:blipFill>
         <p:spPr>
           <a:xfrm>
-            <a:off x="344805" y="306070"/>
-            <a:ext cx="1473835" cy="1485265"/>
-          </a:xfrm>
-          <a:prstGeom prst="rect">
-            <a:avLst/>
-          </a:prstGeom>
+            <a:off x="5516563" y="227013"/>
+            <a:ext cx="3627437" cy="350837"/>
+          </a:xfrm>
+          <a:prstGeom prst="rect">
+            <a:avLst/>
+          </a:prstGeom>
+          <a:noFill/>
+          <a:ln w="9525">
+            <a:noFill/>
+          </a:ln>
         </p:spPr>
       </p:pic>
+      <p:sp>
+        <p:nvSpPr>
+          <p:cNvPr id="6" name="标题 1"/>
+          <p:cNvSpPr txBox="1"/>
+          <p:nvPr/>
+        </p:nvSpPr>
+        <p:spPr>
+          <a:xfrm>
+            <a:off x="611560" y="195486"/>
+            <a:ext cx="4968552" cy="519187"/>
+          </a:xfrm>
+          <a:prstGeom prst="rect">
+            <a:avLst/>
+          </a:prstGeom>
+        </p:spPr>
+        <p:txBody>
+          <a:bodyPr/>
+          <a:lstStyle/>
+          <a:p>
+            <a:pPr marL="0" marR="0" lvl="0" indent="0" algn="l" defTabSz="914400" rtl="0" eaLnBrk="1" fontAlgn="auto" latinLnBrk="0" hangingPunct="1">
+              <a:lnSpc>
+                <a:spcPct val="100000"/>
+              </a:lnSpc>
+              <a:spcBef>
+                <a:spcPct val="0"/>
+              </a:spcBef>
+              <a:spcAft>
+                <a:spcPts val="0"/>
+              </a:spcAft>
+              <a:buClrTx/>
+              <a:buSzTx/>
+              <a:buFontTx/>
+              <a:buNone/>
+              <a:defRPr/>
+            </a:pPr>
+            <a:r>
+              <a:rPr kumimoji="0" lang="en-US" sz="2800" b="1" i="0" u="none" strike="noStrike" kern="1200" cap="none" spc="0" normalizeH="0" baseline="0" noProof="0" dirty="0" smtClean="0">
+                <a:ln>
+                  <a:noFill/>
+                </a:ln>
+                <a:solidFill>
+                  <a:schemeClr val="tx1"/>
+                </a:solidFill>
+                <a:effectLst/>
+                <a:uLnTx/>
+                <a:uFillTx/>
+                <a:latin typeface="+mj-ea"/>
+                <a:ea typeface="+mj-ea"/>
+                <a:cs typeface="+mj-cs"/>
+              </a:rPr>
+              <a:t>RabbitMQ</a:t>
+            </a:r>
+            <a:r>
+              <a:rPr kumimoji="0" lang="zh-CN" altLang="en-US" sz="2800" b="1" i="0" u="none" strike="noStrike" kern="1200" cap="none" spc="0" normalizeH="0" baseline="0" noProof="0" dirty="0" smtClean="0">
+                <a:ln>
+                  <a:noFill/>
+                </a:ln>
+                <a:solidFill>
+                  <a:schemeClr val="tx1"/>
+                </a:solidFill>
+                <a:effectLst/>
+                <a:uLnTx/>
+                <a:uFillTx/>
+                <a:latin typeface="+mj-ea"/>
+                <a:ea typeface="+mj-ea"/>
+                <a:cs typeface="+mj-cs"/>
+              </a:rPr>
+              <a:t>生产者</a:t>
+            </a:r>
+            <a:r>
+              <a:rPr kumimoji="0" lang="en-US" altLang="zh-CN" sz="2800" b="1" i="0" u="none" strike="noStrike" kern="1200" cap="none" spc="0" normalizeH="0" baseline="0" noProof="0" dirty="0" smtClean="0">
+                <a:ln>
+                  <a:noFill/>
+                </a:ln>
+                <a:solidFill>
+                  <a:schemeClr val="tx1"/>
+                </a:solidFill>
+                <a:effectLst/>
+                <a:uLnTx/>
+                <a:uFillTx/>
+                <a:latin typeface="+mj-ea"/>
+                <a:ea typeface="+mj-ea"/>
+                <a:cs typeface="+mj-cs"/>
+              </a:rPr>
+              <a:t>confirm</a:t>
+            </a:r>
+            <a:endParaRPr kumimoji="0" lang="en-US" sz="2800" b="1" i="0" u="none" strike="noStrike" kern="1200" cap="none" spc="0" normalizeH="0" baseline="0" noProof="0" dirty="0">
+              <a:ln>
+                <a:noFill/>
+              </a:ln>
+              <a:solidFill>
+                <a:schemeClr val="tx1"/>
+              </a:solidFill>
+              <a:effectLst/>
+              <a:uLnTx/>
+              <a:uFillTx/>
+              <a:latin typeface="+mj-ea"/>
+              <a:ea typeface="+mj-ea"/>
+              <a:cs typeface="+mj-cs"/>
+            </a:endParaRPr>
+          </a:p>
+        </p:txBody>
+      </p:sp>
+      <p:sp>
+        <p:nvSpPr>
+          <p:cNvPr id="3" name="文本框 2"/>
+          <p:cNvSpPr txBox="1"/>
+          <p:nvPr/>
+        </p:nvSpPr>
+        <p:spPr>
+          <a:xfrm>
+            <a:off x="755576" y="1275606"/>
+            <a:ext cx="7232476" cy="2031325"/>
+          </a:xfrm>
+          <a:prstGeom prst="rect">
+            <a:avLst/>
+          </a:prstGeom>
+          <a:noFill/>
+        </p:spPr>
+        <p:txBody>
+          <a:bodyPr wrap="square" rtlCol="0" anchor="t">
+            <a:spAutoFit/>
+          </a:bodyPr>
+          <a:lstStyle/>
+          <a:p>
+            <a:r>
+              <a:rPr lang="zh-CN" altLang="en-US" b="1" dirty="0" smtClean="0"/>
+              <a:t>异步</a:t>
+            </a:r>
+            <a:r>
+              <a:rPr lang="en-US" altLang="zh-CN" b="1" dirty="0" smtClean="0"/>
+              <a:t>Confirm</a:t>
+            </a:r>
+            <a:r>
+              <a:rPr lang="zh-CN" altLang="en-US" b="1" dirty="0" smtClean="0"/>
+              <a:t>方式</a:t>
+            </a:r>
+            <a:endParaRPr lang="en-US" altLang="zh-CN" b="1" dirty="0" smtClean="0"/>
+          </a:p>
+          <a:p>
+            <a:r>
+              <a:rPr lang="zh-CN" altLang="en-US" b="1" dirty="0" smtClean="0"/>
+              <a:t>开启：</a:t>
+            </a:r>
+            <a:r>
+              <a:rPr lang="en-US" altLang="zh-CN" dirty="0" smtClean="0"/>
+              <a:t>channel.confirmSelect()</a:t>
+            </a:r>
+            <a:endParaRPr lang="en-US" altLang="zh-CN" b="1" dirty="0" smtClean="0"/>
+          </a:p>
+          <a:p>
+            <a:r>
+              <a:rPr lang="zh-CN" altLang="en-US" dirty="0" smtClean="0"/>
+              <a:t>方</a:t>
+            </a:r>
+            <a:r>
+              <a:rPr lang="zh-CN" altLang="en-US" dirty="0" smtClean="0"/>
+              <a:t>式一：</a:t>
+            </a:r>
+            <a:r>
+              <a:rPr lang="en-US" altLang="zh-CN" dirty="0" smtClean="0"/>
+              <a:t>channel.waitForConfirms()</a:t>
+            </a:r>
+            <a:r>
+              <a:rPr lang="zh-CN" altLang="en-US" dirty="0" smtClean="0"/>
+              <a:t>普通发送方确认模式；</a:t>
+            </a:r>
+          </a:p>
+          <a:p>
+            <a:r>
+              <a:rPr lang="zh-CN" altLang="en-US" dirty="0" smtClean="0"/>
+              <a:t>方式二：</a:t>
+            </a:r>
+            <a:r>
+              <a:rPr lang="en-US" altLang="zh-CN" dirty="0" smtClean="0"/>
+              <a:t>channel.waitForConfirmsOrDie()</a:t>
+            </a:r>
+            <a:r>
+              <a:rPr lang="zh-CN" altLang="en-US" dirty="0" smtClean="0"/>
+              <a:t>批量确认模式；</a:t>
+            </a:r>
+          </a:p>
+          <a:p>
+            <a:r>
+              <a:rPr lang="zh-CN" altLang="en-US" dirty="0" smtClean="0"/>
+              <a:t>方式三：</a:t>
+            </a:r>
+            <a:r>
+              <a:rPr lang="en-US" altLang="zh-CN" dirty="0" smtClean="0"/>
+              <a:t>channel.addConfirmListener()</a:t>
+            </a:r>
+            <a:r>
+              <a:rPr lang="zh-CN" altLang="en-US" dirty="0" smtClean="0"/>
+              <a:t>异步监听发送方确认模式；</a:t>
+            </a:r>
+          </a:p>
+          <a:p>
+            <a:endParaRPr lang="en-US" altLang="zh-CN" dirty="0" smtClean="0"/>
+          </a:p>
+          <a:p>
+            <a:endParaRPr lang="en-US" altLang="zh-CN" dirty="0" smtClean="0"/>
+          </a:p>
+        </p:txBody>
+      </p:sp>
     </p:spTree>
   </p:cSld>
   <p:clrMapOvr>
     <a:masterClrMapping/>
   </p:clrMapOvr>
+  <p:transition spd="med"/>
+  <p:timing>
+    <p:tnLst>
+      <p:par>
+        <p:cTn id="1" dur="indefinite" restart="never" nodeType="tmRoot">
+          <p:childTnLst>
+            <p:seq concurrent="1" nextAc="seek">
+              <p:cTn id="2" dur="indefinite" nodeType="mainSeq">
+                <p:childTnLst>
+                  <p:par>
+                    <p:cTn id="3" fill="hold">
+                      <p:stCondLst>
+                        <p:cond delay="indefinite"/>
+                      </p:stCondLst>
+                      <p:childTnLst>
+                        <p:par>
+                          <p:cTn id="4" fill="hold">
+                            <p:stCondLst>
+                              <p:cond delay="0"/>
+                            </p:stCondLst>
+                            <p:childTnLst>
+                              <p:par>
+                                <p:cTn id="5" presetID="8" presetClass="entr" presetSubtype="16" fill="hold" grpId="0" nodeType="clickEffect">
+                                  <p:stCondLst>
+                                    <p:cond delay="0"/>
+                                  </p:stCondLst>
+                                  <p:childTnLst>
+                                    <p:set>
+                                      <p:cBhvr>
+                                        <p:cTn id="6" dur="1" fill="hold">
+                                          <p:stCondLst>
+                                            <p:cond delay="0"/>
+                                          </p:stCondLst>
+                                        </p:cTn>
+                                        <p:tgtEl>
+                                          <p:spTgt spid="3"/>
+                                        </p:tgtEl>
+                                        <p:attrNameLst>
+                                          <p:attrName>style.visibility</p:attrName>
+                                        </p:attrNameLst>
+                                      </p:cBhvr>
+                                      <p:to>
+                                        <p:strVal val="visible"/>
+                                      </p:to>
+                                    </p:set>
+                                    <p:animEffect transition="in" filter="diamond(in)">
+                                      <p:cBhvr>
+                                        <p:cTn id="7" dur="2000"/>
+                                        <p:tgtEl>
+                                          <p:spTgt spid="3"/>
+                                        </p:tgtEl>
+                                      </p:cBhvr>
+                                    </p:animEffect>
+                                  </p:childTnLst>
+                                </p:cTn>
+                              </p:par>
+                            </p:childTnLst>
+                          </p:cTn>
+                        </p:par>
+                      </p:childTnLst>
+                    </p:cTn>
+                  </p:par>
+                </p:childTnLst>
+              </p:cTn>
+              <p:prevCondLst>
+                <p:cond evt="onPrev" delay="0">
+                  <p:tgtEl>
+                    <p:sldTgt/>
+                  </p:tgtEl>
+                </p:cond>
+              </p:prevCondLst>
+              <p:nextCondLst>
+                <p:cond evt="onNext" delay="0">
+                  <p:tgtEl>
+                    <p:sldTgt/>
+                  </p:tgtEl>
+                </p:cond>
+              </p:nextCondLst>
+            </p:seq>
+          </p:childTnLst>
+        </p:cTn>
+      </p:par>
+    </p:tnLst>
+    <p:bldLst>
+      <p:bldP spid="3" grpId="0"/>
+    </p:bldLst>
+  </p:timing>
+</p:sld>
+</file>
+
+<file path=ppt/slides/slide25.xml><?xml version="1.0" encoding="utf-8"?>
+<p:sld xmlns:a="http://schemas.openxmlformats.org/drawingml/2006/main" xmlns:r="http://schemas.openxmlformats.org/officeDocument/2006/relationships" xmlns:p="http://schemas.openxmlformats.org/presentationml/2006/main">
+  <p:cSld>
+    <p:spTree>
+      <p:nvGrpSpPr>
+        <p:cNvPr id="1" name=""/>
+        <p:cNvGrpSpPr/>
+        <p:nvPr/>
+      </p:nvGrpSpPr>
+      <p:grpSpPr>
+        <a:xfrm>
+          <a:off x="0" y="0"/>
+          <a:ext cx="0" cy="0"/>
+          <a:chOff x="0" y="0"/>
+          <a:chExt cx="0" cy="0"/>
+        </a:xfrm>
+      </p:grpSpPr>
+      <p:pic>
+        <p:nvPicPr>
+          <p:cNvPr id="6146" name="Picture 4" descr="E:\常规物料\PPT规范\模板\PPT规范设计-15-15.png"/>
+          <p:cNvPicPr>
+            <a:picLocks noChangeAspect="1"/>
+          </p:cNvPicPr>
+          <p:nvPr/>
+        </p:nvPicPr>
+        <p:blipFill>
+          <a:blip r:embed="rId2" cstate="print"/>
+          <a:stretch>
+            <a:fillRect/>
+          </a:stretch>
+        </p:blipFill>
+        <p:spPr>
+          <a:xfrm>
+            <a:off x="5516563" y="227013"/>
+            <a:ext cx="3627437" cy="350837"/>
+          </a:xfrm>
+          <a:prstGeom prst="rect">
+            <a:avLst/>
+          </a:prstGeom>
+          <a:noFill/>
+          <a:ln w="9525">
+            <a:noFill/>
+          </a:ln>
+        </p:spPr>
+      </p:pic>
+      <p:sp>
+        <p:nvSpPr>
+          <p:cNvPr id="6" name="标题 1"/>
+          <p:cNvSpPr txBox="1"/>
+          <p:nvPr/>
+        </p:nvSpPr>
+        <p:spPr>
+          <a:xfrm>
+            <a:off x="611560" y="195486"/>
+            <a:ext cx="4968552" cy="519187"/>
+          </a:xfrm>
+          <a:prstGeom prst="rect">
+            <a:avLst/>
+          </a:prstGeom>
+        </p:spPr>
+        <p:txBody>
+          <a:bodyPr/>
+          <a:lstStyle/>
+          <a:p>
+            <a:pPr marL="0" marR="0" lvl="0" indent="0" algn="l" defTabSz="914400" rtl="0" eaLnBrk="1" fontAlgn="auto" latinLnBrk="0" hangingPunct="1">
+              <a:lnSpc>
+                <a:spcPct val="100000"/>
+              </a:lnSpc>
+              <a:spcBef>
+                <a:spcPct val="0"/>
+              </a:spcBef>
+              <a:spcAft>
+                <a:spcPts val="0"/>
+              </a:spcAft>
+              <a:buClrTx/>
+              <a:buSzTx/>
+              <a:buFontTx/>
+              <a:buNone/>
+              <a:defRPr/>
+            </a:pPr>
+            <a:r>
+              <a:rPr kumimoji="0" lang="en-US" sz="2800" b="1" i="0" u="none" strike="noStrike" kern="1200" cap="none" spc="0" normalizeH="0" baseline="0" noProof="0" dirty="0" smtClean="0">
+                <a:ln>
+                  <a:noFill/>
+                </a:ln>
+                <a:solidFill>
+                  <a:schemeClr val="tx1"/>
+                </a:solidFill>
+                <a:effectLst/>
+                <a:uLnTx/>
+                <a:uFillTx/>
+                <a:latin typeface="+mj-ea"/>
+                <a:ea typeface="+mj-ea"/>
+                <a:cs typeface="+mj-cs"/>
+              </a:rPr>
+              <a:t>RabbitMQ</a:t>
+            </a:r>
+            <a:r>
+              <a:rPr lang="zh-CN" altLang="en-US" sz="2800" b="1" dirty="0" smtClean="0">
+                <a:latin typeface="+mj-ea"/>
+                <a:ea typeface="+mj-ea"/>
+                <a:cs typeface="+mj-cs"/>
+              </a:rPr>
+              <a:t>权限</a:t>
+            </a:r>
+            <a:endParaRPr kumimoji="0" lang="en-US" sz="2800" b="1" i="0" u="none" strike="noStrike" kern="1200" cap="none" spc="0" normalizeH="0" baseline="0" noProof="0" dirty="0">
+              <a:ln>
+                <a:noFill/>
+              </a:ln>
+              <a:solidFill>
+                <a:schemeClr val="tx1"/>
+              </a:solidFill>
+              <a:effectLst/>
+              <a:uLnTx/>
+              <a:uFillTx/>
+              <a:latin typeface="+mj-ea"/>
+              <a:ea typeface="+mj-ea"/>
+              <a:cs typeface="+mj-cs"/>
+            </a:endParaRPr>
+          </a:p>
+        </p:txBody>
+      </p:sp>
+      <p:sp>
+        <p:nvSpPr>
+          <p:cNvPr id="7" name="矩形 6"/>
+          <p:cNvSpPr/>
+          <p:nvPr/>
+        </p:nvSpPr>
+        <p:spPr>
+          <a:xfrm>
+            <a:off x="755576" y="987574"/>
+            <a:ext cx="7992888" cy="3139321"/>
+          </a:xfrm>
+          <a:prstGeom prst="rect">
+            <a:avLst/>
+          </a:prstGeom>
+        </p:spPr>
+        <p:txBody>
+          <a:bodyPr wrap="square">
+            <a:spAutoFit/>
+          </a:bodyPr>
+          <a:lstStyle/>
+          <a:p>
+            <a:r>
+              <a:rPr lang="zh-CN" altLang="en-US" dirty="0" smtClean="0"/>
+              <a:t>从</a:t>
+            </a:r>
+            <a:r>
+              <a:rPr lang="en-US" altLang="zh-CN" dirty="0" smtClean="0"/>
+              <a:t>1.6.1</a:t>
+            </a:r>
+            <a:r>
+              <a:rPr lang="zh-CN" altLang="en-US" dirty="0" smtClean="0"/>
+              <a:t>版本开始，</a:t>
+            </a:r>
+            <a:r>
+              <a:rPr lang="en-US" altLang="zh-CN" dirty="0" smtClean="0"/>
+              <a:t>RabbitMQ</a:t>
+            </a:r>
+            <a:r>
+              <a:rPr lang="zh-CN" altLang="en-US" dirty="0" smtClean="0"/>
+              <a:t>实现了一套访问控制列表（</a:t>
+            </a:r>
+            <a:r>
+              <a:rPr lang="en-US" altLang="zh-CN" dirty="0" smtClean="0"/>
+              <a:t>ACL</a:t>
+            </a:r>
+            <a:r>
+              <a:rPr lang="zh-CN" altLang="en-US" dirty="0" smtClean="0"/>
+              <a:t>）风格的权限系统。</a:t>
+            </a:r>
+          </a:p>
+          <a:p>
+            <a:r>
+              <a:rPr lang="zh-CN" altLang="en-US" dirty="0" smtClean="0"/>
+              <a:t>第一级控权单位是</a:t>
+            </a:r>
+            <a:r>
+              <a:rPr lang="en-US" altLang="zh-CN" dirty="0" smtClean="0"/>
+              <a:t>virtual host</a:t>
+            </a:r>
+            <a:r>
+              <a:rPr lang="zh-CN" altLang="en-US" dirty="0" smtClean="0"/>
+              <a:t>，</a:t>
+            </a:r>
+            <a:r>
+              <a:rPr lang="en-US" altLang="zh-CN" dirty="0" smtClean="0"/>
+              <a:t>virtual host</a:t>
+            </a:r>
+            <a:r>
+              <a:rPr lang="zh-CN" altLang="en-US" dirty="0" smtClean="0"/>
+              <a:t>下面第二级的控权单位是</a:t>
+            </a:r>
+            <a:r>
+              <a:rPr lang="en-US" altLang="zh-CN" dirty="0" smtClean="0"/>
+              <a:t>resource</a:t>
+            </a:r>
+            <a:r>
+              <a:rPr lang="zh-CN" altLang="en-US" dirty="0" smtClean="0"/>
+              <a:t>（包含</a:t>
+            </a:r>
+            <a:r>
+              <a:rPr lang="en-US" altLang="zh-CN" dirty="0" smtClean="0"/>
+              <a:t>exchange</a:t>
+            </a:r>
+            <a:r>
+              <a:rPr lang="zh-CN" altLang="en-US" dirty="0" smtClean="0"/>
+              <a:t>和</a:t>
+            </a:r>
+            <a:r>
+              <a:rPr lang="en-US" altLang="zh-CN" dirty="0" smtClean="0"/>
+              <a:t>queue</a:t>
+            </a:r>
+            <a:r>
+              <a:rPr lang="zh-CN" altLang="en-US" dirty="0" smtClean="0"/>
+              <a:t>）。两个相同名称的</a:t>
+            </a:r>
+            <a:r>
+              <a:rPr lang="en-US" altLang="zh-CN" dirty="0" smtClean="0"/>
+              <a:t>resource</a:t>
+            </a:r>
+            <a:r>
+              <a:rPr lang="zh-CN" altLang="en-US" dirty="0" smtClean="0"/>
+              <a:t>如果分属不同的</a:t>
+            </a:r>
+            <a:r>
+              <a:rPr lang="en-US" altLang="zh-CN" dirty="0" smtClean="0"/>
+              <a:t>virtual host</a:t>
+            </a:r>
+            <a:r>
+              <a:rPr lang="zh-CN" altLang="en-US" dirty="0" smtClean="0"/>
+              <a:t>，则算是不同的</a:t>
+            </a:r>
+            <a:r>
+              <a:rPr lang="en-US" altLang="zh-CN" dirty="0" smtClean="0"/>
+              <a:t>resource</a:t>
+            </a:r>
+            <a:r>
+              <a:rPr lang="zh-CN" altLang="en-US" dirty="0" smtClean="0"/>
+              <a:t>。</a:t>
+            </a:r>
+            <a:endParaRPr lang="en-US" altLang="zh-CN" dirty="0" smtClean="0"/>
+          </a:p>
+          <a:p>
+            <a:r>
+              <a:rPr lang="zh-CN" altLang="en-US" dirty="0" smtClean="0"/>
+              <a:t>当用户访问</a:t>
+            </a:r>
+            <a:r>
+              <a:rPr lang="en-US" altLang="zh-CN" dirty="0" smtClean="0"/>
+              <a:t>MQ</a:t>
+            </a:r>
+            <a:r>
+              <a:rPr lang="zh-CN" altLang="en-US" dirty="0" smtClean="0"/>
+              <a:t>时，首先触发</a:t>
+            </a:r>
+            <a:r>
+              <a:rPr lang="zh-CN" altLang="en-US" b="1" dirty="0" smtClean="0"/>
+              <a:t>第一级控权，判断用户是否有访问该</a:t>
+            </a:r>
+            <a:r>
+              <a:rPr lang="en-US" altLang="zh-CN" b="1" dirty="0" smtClean="0"/>
+              <a:t>virtual host</a:t>
+            </a:r>
+            <a:r>
+              <a:rPr lang="zh-CN" altLang="en-US" b="1" dirty="0" smtClean="0"/>
+              <a:t>的权限</a:t>
+            </a:r>
+            <a:r>
+              <a:rPr lang="zh-CN" altLang="en-US" dirty="0" smtClean="0"/>
+              <a:t>。</a:t>
+            </a:r>
+          </a:p>
+          <a:p>
+            <a:r>
+              <a:rPr lang="zh-CN" altLang="en-US" dirty="0" smtClean="0"/>
+              <a:t>若可访问，则进行</a:t>
+            </a:r>
+            <a:r>
+              <a:rPr lang="zh-CN" altLang="en-US" b="1" dirty="0" smtClean="0"/>
+              <a:t>第二级控权，判断用户是否具有操作（</a:t>
+            </a:r>
+            <a:r>
+              <a:rPr lang="en-US" altLang="zh-CN" b="1" dirty="0" smtClean="0"/>
+              <a:t>operation</a:t>
+            </a:r>
+            <a:r>
+              <a:rPr lang="zh-CN" altLang="en-US" b="1" dirty="0" smtClean="0"/>
+              <a:t>）所请求的资源的权限</a:t>
+            </a:r>
+            <a:r>
+              <a:rPr lang="zh-CN" altLang="en-US" dirty="0" smtClean="0"/>
+              <a:t>。</a:t>
+            </a:r>
+          </a:p>
+          <a:p>
+            <a:r>
+              <a:rPr lang="zh-CN" altLang="en-US" b="1" dirty="0" smtClean="0"/>
+              <a:t>读</a:t>
+            </a:r>
+            <a:r>
+              <a:rPr lang="en-US" altLang="zh-CN" dirty="0" smtClean="0"/>
+              <a:t>-</a:t>
+            </a:r>
+            <a:r>
+              <a:rPr lang="zh-CN" altLang="en-US" dirty="0" smtClean="0"/>
+              <a:t>有关消费消息的任何操作，包括</a:t>
+            </a:r>
+            <a:r>
+              <a:rPr lang="en-US" altLang="zh-CN" dirty="0" smtClean="0"/>
+              <a:t>"</a:t>
+            </a:r>
+            <a:r>
+              <a:rPr lang="zh-CN" altLang="en-US" dirty="0" smtClean="0"/>
+              <a:t>清除</a:t>
+            </a:r>
+            <a:r>
+              <a:rPr lang="en-US" altLang="zh-CN" dirty="0" smtClean="0"/>
+              <a:t>"</a:t>
+            </a:r>
+            <a:r>
+              <a:rPr lang="zh-CN" altLang="en-US" dirty="0" smtClean="0"/>
+              <a:t>整个队列（同样需要绑定操作成功）</a:t>
+            </a:r>
+          </a:p>
+          <a:p>
+            <a:r>
+              <a:rPr lang="zh-CN" altLang="en-US" b="1" dirty="0" smtClean="0"/>
+              <a:t>写</a:t>
+            </a:r>
+            <a:r>
+              <a:rPr lang="en-US" altLang="zh-CN" dirty="0" smtClean="0"/>
+              <a:t>-</a:t>
+            </a:r>
+            <a:r>
+              <a:rPr lang="zh-CN" altLang="en-US" dirty="0" smtClean="0"/>
+              <a:t>发布消息（同样需要绑定操作成功）</a:t>
+            </a:r>
+          </a:p>
+          <a:p>
+            <a:r>
+              <a:rPr lang="zh-CN" altLang="en-US" b="1" dirty="0" smtClean="0"/>
+              <a:t>配置</a:t>
+            </a:r>
+            <a:r>
+              <a:rPr lang="en-US" altLang="zh-CN" dirty="0" smtClean="0"/>
+              <a:t>-</a:t>
+            </a:r>
+            <a:r>
+              <a:rPr lang="zh-CN" altLang="en-US" dirty="0" smtClean="0"/>
+              <a:t>队列和交换器的创建和删除</a:t>
+            </a:r>
+            <a:endParaRPr lang="zh-CN" altLang="en-US" dirty="0"/>
+          </a:p>
+        </p:txBody>
+      </p:sp>
+    </p:spTree>
+  </p:cSld>
+  <p:clrMapOvr>
+    <a:masterClrMapping/>
+  </p:clrMapOvr>
+  <p:transition spd="med"/>
+  <p:timing>
+    <p:tnLst>
+      <p:par>
+        <p:cTn id="1" dur="indefinite" restart="never" nodeType="tmRoot"/>
+      </p:par>
+    </p:tnLst>
+  </p:timing>
+</p:sld>
+</file>
+
+<file path=ppt/slides/slide26.xml><?xml version="1.0" encoding="utf-8"?>
+<p:sld xmlns:a="http://schemas.openxmlformats.org/drawingml/2006/main" xmlns:r="http://schemas.openxmlformats.org/officeDocument/2006/relationships" xmlns:p="http://schemas.openxmlformats.org/presentationml/2006/main">
+  <p:cSld>
+    <p:spTree>
+      <p:nvGrpSpPr>
+        <p:cNvPr id="1" name=""/>
+        <p:cNvGrpSpPr/>
+        <p:nvPr/>
+      </p:nvGrpSpPr>
+      <p:grpSpPr>
+        <a:xfrm>
+          <a:off x="0" y="0"/>
+          <a:ext cx="0" cy="0"/>
+          <a:chOff x="0" y="0"/>
+          <a:chExt cx="0" cy="0"/>
+        </a:xfrm>
+      </p:grpSpPr>
+      <p:pic>
+        <p:nvPicPr>
+          <p:cNvPr id="6146" name="Picture 4" descr="E:\常规物料\PPT规范\模板\PPT规范设计-15-15.png"/>
+          <p:cNvPicPr>
+            <a:picLocks noChangeAspect="1"/>
+          </p:cNvPicPr>
+          <p:nvPr/>
+        </p:nvPicPr>
+        <p:blipFill>
+          <a:blip r:embed="rId2" cstate="print"/>
+          <a:stretch>
+            <a:fillRect/>
+          </a:stretch>
+        </p:blipFill>
+        <p:spPr>
+          <a:xfrm>
+            <a:off x="5516563" y="227013"/>
+            <a:ext cx="3627437" cy="350837"/>
+          </a:xfrm>
+          <a:prstGeom prst="rect">
+            <a:avLst/>
+          </a:prstGeom>
+          <a:noFill/>
+          <a:ln w="9525">
+            <a:noFill/>
+          </a:ln>
+        </p:spPr>
+      </p:pic>
+      <p:sp>
+        <p:nvSpPr>
+          <p:cNvPr id="6" name="标题 1"/>
+          <p:cNvSpPr txBox="1"/>
+          <p:nvPr/>
+        </p:nvSpPr>
+        <p:spPr>
+          <a:xfrm>
+            <a:off x="611560" y="195486"/>
+            <a:ext cx="4968552" cy="519187"/>
+          </a:xfrm>
+          <a:prstGeom prst="rect">
+            <a:avLst/>
+          </a:prstGeom>
+        </p:spPr>
+        <p:txBody>
+          <a:bodyPr/>
+          <a:lstStyle/>
+          <a:p>
+            <a:pPr marL="0" marR="0" lvl="0" indent="0" algn="l" defTabSz="914400" rtl="0" eaLnBrk="1" fontAlgn="auto" latinLnBrk="0" hangingPunct="1">
+              <a:lnSpc>
+                <a:spcPct val="100000"/>
+              </a:lnSpc>
+              <a:spcBef>
+                <a:spcPct val="0"/>
+              </a:spcBef>
+              <a:spcAft>
+                <a:spcPts val="0"/>
+              </a:spcAft>
+              <a:buClrTx/>
+              <a:buSzTx/>
+              <a:buFontTx/>
+              <a:buNone/>
+              <a:defRPr/>
+            </a:pPr>
+            <a:r>
+              <a:rPr kumimoji="0" lang="en-US" sz="2800" b="1" i="0" u="none" strike="noStrike" kern="1200" cap="none" spc="0" normalizeH="0" baseline="0" noProof="0" dirty="0" smtClean="0">
+                <a:ln>
+                  <a:noFill/>
+                </a:ln>
+                <a:solidFill>
+                  <a:schemeClr val="tx1"/>
+                </a:solidFill>
+                <a:effectLst/>
+                <a:uLnTx/>
+                <a:uFillTx/>
+                <a:latin typeface="+mj-ea"/>
+                <a:ea typeface="+mj-ea"/>
+                <a:cs typeface="+mj-cs"/>
+              </a:rPr>
+              <a:t>RabbitMQ</a:t>
+            </a:r>
+            <a:r>
+              <a:rPr lang="zh-CN" altLang="en-US" sz="2800" b="1" dirty="0" smtClean="0">
+                <a:latin typeface="+mj-ea"/>
+                <a:ea typeface="+mj-ea"/>
+                <a:cs typeface="+mj-cs"/>
+              </a:rPr>
+              <a:t>权限</a:t>
+            </a:r>
+            <a:endParaRPr kumimoji="0" lang="en-US" sz="2800" b="1" i="0" u="none" strike="noStrike" kern="1200" cap="none" spc="0" normalizeH="0" baseline="0" noProof="0" dirty="0">
+              <a:ln>
+                <a:noFill/>
+              </a:ln>
+              <a:solidFill>
+                <a:schemeClr val="tx1"/>
+              </a:solidFill>
+              <a:effectLst/>
+              <a:uLnTx/>
+              <a:uFillTx/>
+              <a:latin typeface="+mj-ea"/>
+              <a:ea typeface="+mj-ea"/>
+              <a:cs typeface="+mj-cs"/>
+            </a:endParaRPr>
+          </a:p>
+        </p:txBody>
+      </p:sp>
+    </p:spTree>
+  </p:cSld>
+  <p:clrMapOvr>
+    <a:masterClrMapping/>
+  </p:clrMapOvr>
+  <p:transition spd="med"/>
+  <p:timing>
+    <p:tnLst>
+      <p:par>
+        <p:cTn id="1" dur="indefinite" restart="never" nodeType="tmRoot"/>
+      </p:par>
+    </p:tnLst>
+  </p:timing>
 </p:sld>
 </file>
 
@@ -4318,7 +6309,7 @@
           <p:nvPr/>
         </p:nvPicPr>
         <p:blipFill>
-          <a:blip r:embed="rId1" cstate="print"/>
+          <a:blip r:embed="rId2" cstate="print"/>
           <a:stretch>
             <a:fillRect/>
           </a:stretch>
@@ -4346,7 +6337,7 @@
           <p:nvPr/>
         </p:nvPicPr>
         <p:blipFill>
-          <a:blip r:embed="rId2" cstate="print"/>
+          <a:blip r:embed="rId3" cstate="print"/>
           <a:stretch>
             <a:fillRect/>
           </a:stretch>
@@ -4454,14 +6445,14 @@
           <p:nvPr/>
         </p:nvPicPr>
         <p:blipFill>
-          <a:blip r:embed="rId2" cstate="print"/>
+          <a:blip r:embed="rId3" cstate="print"/>
           <a:stretch>
             <a:fillRect/>
           </a:stretch>
         </p:blipFill>
         <p:spPr>
           <a:xfrm>
-            <a:off x="1878330" y="1253490"/>
+            <a:off x="1835696" y="1779662"/>
             <a:ext cx="5069840" cy="744855"/>
           </a:xfrm>
           <a:prstGeom prst="rect">
@@ -4481,7 +6472,7 @@
         </p:nvSpPr>
         <p:spPr>
           <a:xfrm>
-            <a:off x="2227263" y="1426210"/>
+            <a:off x="2339752" y="1995686"/>
             <a:ext cx="2826415" cy="400110"/>
           </a:xfrm>
           <a:prstGeom prst="rect">
@@ -4541,35 +6532,27 @@
               </a:rPr>
               <a:t>消息队列  </a:t>
             </a:r>
-            <a:endParaRPr kumimoji="0" lang="zh-CN" altLang="en-US" sz="2000" b="1" kern="1200" cap="none" spc="300" normalizeH="0" baseline="0" noProof="0" dirty="0" smtClean="0">
-              <a:solidFill>
-                <a:schemeClr val="bg1"/>
-              </a:solidFill>
-              <a:latin typeface="微软雅黑" panose="020B0503020204020204" pitchFamily="34" charset="-122"/>
-              <a:ea typeface="微软雅黑" panose="020B0503020204020204" pitchFamily="34" charset="-122"/>
-              <a:cs typeface="+mn-cs"/>
-            </a:endParaRPr>
           </a:p>
         </p:txBody>
       </p:sp>
       <p:pic>
         <p:nvPicPr>
-          <p:cNvPr id="4102" name="Picture 2" descr="E:\线下推广\常规物料\PPT规范\未标题-1-01.png"/>
+          <p:cNvPr id="2" name="Picture 2" descr="E:\线下推广\常规物料\PPT规范\未标题-1-01.png"/>
           <p:cNvPicPr>
             <a:picLocks noChangeAspect="1"/>
           </p:cNvPicPr>
           <p:nvPr/>
         </p:nvPicPr>
         <p:blipFill>
-          <a:blip r:embed="rId2" cstate="print"/>
+          <a:blip r:embed="rId3" cstate="print"/>
           <a:stretch>
             <a:fillRect/>
           </a:stretch>
         </p:blipFill>
         <p:spPr>
           <a:xfrm>
-            <a:off x="1862455" y="2169160"/>
-            <a:ext cx="5128260" cy="753745"/>
+            <a:off x="1894205" y="3091180"/>
+            <a:ext cx="5090160" cy="748665"/>
           </a:xfrm>
           <a:prstGeom prst="rect">
             <a:avLst/>
@@ -4582,14 +6565,14 @@
       </p:pic>
       <p:sp>
         <p:nvSpPr>
-          <p:cNvPr id="3" name="TextBox 8"/>
+          <p:cNvPr id="4" name="TextBox 4"/>
           <p:cNvSpPr txBox="1"/>
           <p:nvPr/>
         </p:nvSpPr>
         <p:spPr>
           <a:xfrm>
-            <a:off x="2227263" y="2372043"/>
-            <a:ext cx="3700244" cy="400110"/>
+            <a:off x="2243138" y="3238818"/>
+            <a:ext cx="3164649" cy="400110"/>
           </a:xfrm>
           <a:prstGeom prst="rect">
             <a:avLst/>
@@ -4620,10 +6603,21 @@
                 <a:ea typeface="微软雅黑" panose="020B0503020204020204" pitchFamily="34" charset="-122"/>
                 <a:cs typeface="+mn-cs"/>
               </a:rPr>
-              <a:t>第三章</a:t>
-            </a:r>
-            <a:r>
-              <a:rPr kumimoji="0" lang="zh-CN" altLang="en-US" sz="2000" b="1" kern="1200" cap="none" spc="300" normalizeH="0" noProof="0" dirty="0" smtClean="0">
+              <a:t>第</a:t>
+            </a:r>
+            <a:r>
+              <a:rPr lang="zh-CN" altLang="en-US" sz="2000" b="1" spc="300" dirty="0" smtClean="0">
+                <a:solidFill>
+                  <a:schemeClr val="bg1"/>
+                </a:solidFill>
+                <a:latin typeface="微软雅黑" panose="020B0503020204020204" pitchFamily="34" charset="-122"/>
+                <a:ea typeface="微软雅黑" panose="020B0503020204020204" pitchFamily="34" charset="-122"/>
+                <a:sym typeface="+mn-ea"/>
+              </a:rPr>
+              <a:t>三</a:t>
+            </a:r>
+            <a:r>
+              <a:rPr kumimoji="0" lang="zh-CN" altLang="en-US" sz="2000" b="1" kern="1200" cap="none" spc="300" normalizeH="0" baseline="0" noProof="0" dirty="0" smtClean="0">
                 <a:solidFill>
                   <a:schemeClr val="bg1"/>
                 </a:solidFill>
@@ -4631,87 +6625,52 @@
                 <a:ea typeface="微软雅黑" panose="020B0503020204020204" pitchFamily="34" charset="-122"/>
                 <a:cs typeface="+mn-cs"/>
               </a:rPr>
-              <a:t>   </a:t>
-            </a:r>
-            <a:r>
-              <a:rPr lang="en-US" altLang="zh-CN" sz="2000" b="1" spc="300" dirty="0" smtClean="0">
+              <a:t>章   </a:t>
+            </a:r>
+            <a:r>
+              <a:rPr kumimoji="0" lang="en-US" altLang="zh-CN" sz="2000" b="1" kern="1200" cap="none" spc="300" normalizeH="0" baseline="0" noProof="0" dirty="0" smtClean="0">
                 <a:solidFill>
                   <a:schemeClr val="bg1"/>
                 </a:solidFill>
                 <a:latin typeface="微软雅黑" panose="020B0503020204020204" pitchFamily="34" charset="-122"/>
                 <a:ea typeface="微软雅黑" panose="020B0503020204020204" pitchFamily="34" charset="-122"/>
-              </a:rPr>
-              <a:t>JMS VS</a:t>
-            </a:r>
-            <a:r>
-              <a:rPr lang="zh-CN" altLang="en-US" sz="2000" b="1" spc="300" dirty="0" smtClean="0">
+                <a:cs typeface="+mn-cs"/>
+              </a:rPr>
+              <a:t>RabbitMQ</a:t>
+            </a:r>
+            <a:r>
+              <a:rPr kumimoji="0" lang="zh-CN" altLang="en-US" sz="2000" b="1" kern="1200" cap="none" spc="300" normalizeH="0" baseline="0" noProof="0" dirty="0" smtClean="0">
                 <a:solidFill>
                   <a:schemeClr val="bg1"/>
                 </a:solidFill>
                 <a:latin typeface="微软雅黑" panose="020B0503020204020204" pitchFamily="34" charset="-122"/>
                 <a:ea typeface="微软雅黑" panose="020B0503020204020204" pitchFamily="34" charset="-122"/>
+                <a:cs typeface="+mn-cs"/>
               </a:rPr>
               <a:t> </a:t>
             </a:r>
-            <a:r>
-              <a:rPr lang="en-US" altLang="zh-CN" sz="2000" b="1" spc="300" dirty="0" smtClean="0">
-                <a:solidFill>
-                  <a:schemeClr val="bg1"/>
-                </a:solidFill>
-                <a:latin typeface="微软雅黑" panose="020B0503020204020204" pitchFamily="34" charset="-122"/>
-                <a:ea typeface="微软雅黑" panose="020B0503020204020204" pitchFamily="34" charset="-122"/>
-              </a:rPr>
-              <a:t>AMQP</a:t>
-            </a:r>
-            <a:endParaRPr kumimoji="0" lang="zh-CN" altLang="en-US" sz="2000" b="1" kern="1200" cap="none" spc="300" normalizeH="0" baseline="0" noProof="0" dirty="0" smtClean="0">
+            <a:endParaRPr lang="zh-CN" altLang="en-US" sz="2000" b="1" spc="300" noProof="0" dirty="0" smtClean="0">
               <a:solidFill>
                 <a:schemeClr val="bg1"/>
               </a:solidFill>
               <a:latin typeface="微软雅黑" panose="020B0503020204020204" pitchFamily="34" charset="-122"/>
               <a:ea typeface="微软雅黑" panose="020B0503020204020204" pitchFamily="34" charset="-122"/>
               <a:cs typeface="+mn-cs"/>
+              <a:sym typeface="+mn-ea"/>
             </a:endParaRPr>
           </a:p>
         </p:txBody>
       </p:sp>
-      <p:pic>
-        <p:nvPicPr>
-          <p:cNvPr id="2" name="Picture 2" descr="E:\线下推广\常规物料\PPT规范\未标题-1-01.png"/>
-          <p:cNvPicPr>
-            <a:picLocks noChangeAspect="1"/>
-          </p:cNvPicPr>
-          <p:nvPr/>
-        </p:nvPicPr>
-        <p:blipFill>
-          <a:blip r:embed="rId2" cstate="print"/>
-          <a:stretch>
-            <a:fillRect/>
-          </a:stretch>
-        </p:blipFill>
-        <p:spPr>
-          <a:xfrm>
-            <a:off x="1894205" y="3091180"/>
-            <a:ext cx="5090160" cy="748665"/>
-          </a:xfrm>
-          <a:prstGeom prst="rect">
-            <a:avLst/>
-          </a:prstGeom>
-          <a:noFill/>
-          <a:ln w="9525">
-            <a:noFill/>
-          </a:ln>
-        </p:spPr>
-      </p:pic>
       <p:sp>
         <p:nvSpPr>
-          <p:cNvPr id="4" name="TextBox 4"/>
+          <p:cNvPr id="7" name="TextBox 7"/>
           <p:cNvSpPr txBox="1"/>
           <p:nvPr/>
         </p:nvSpPr>
         <p:spPr>
           <a:xfrm>
-            <a:off x="2243138" y="3238818"/>
-            <a:ext cx="3164649" cy="400110"/>
+            <a:off x="2243138" y="4169410"/>
+            <a:ext cx="1059180" cy="398780"/>
           </a:xfrm>
           <a:prstGeom prst="rect">
             <a:avLst/>
@@ -4746,96 +6705,8 @@
                 <a:ea typeface="微软雅黑" panose="020B0503020204020204" pitchFamily="34" charset="-122"/>
                 <a:cs typeface="+mn-cs"/>
               </a:rPr>
-              <a:t>第四章   </a:t>
-            </a:r>
-            <a:r>
-              <a:rPr kumimoji="0" lang="en-US" altLang="zh-CN" sz="2000" b="1" kern="1200" cap="none" spc="300" normalizeH="0" baseline="0" noProof="0" dirty="0" smtClean="0">
-                <a:solidFill>
-                  <a:schemeClr val="bg1"/>
-                </a:solidFill>
-                <a:latin typeface="微软雅黑" panose="020B0503020204020204" pitchFamily="34" charset="-122"/>
-                <a:ea typeface="微软雅黑" panose="020B0503020204020204" pitchFamily="34" charset="-122"/>
-                <a:cs typeface="+mn-cs"/>
-              </a:rPr>
-              <a:t>RabbitMQ</a:t>
-            </a:r>
-            <a:r>
-              <a:rPr kumimoji="0" lang="zh-CN" altLang="en-US" sz="2000" b="1" kern="1200" cap="none" spc="300" normalizeH="0" baseline="0" noProof="0" dirty="0" smtClean="0">
-                <a:solidFill>
-                  <a:schemeClr val="bg1"/>
-                </a:solidFill>
-                <a:latin typeface="微软雅黑" panose="020B0503020204020204" pitchFamily="34" charset="-122"/>
-                <a:ea typeface="微软雅黑" panose="020B0503020204020204" pitchFamily="34" charset="-122"/>
-                <a:cs typeface="+mn-cs"/>
-              </a:rPr>
-              <a:t> </a:t>
-            </a:r>
-            <a:endParaRPr lang="zh-CN" altLang="en-US" sz="2000" b="1" spc="300" noProof="0" dirty="0" smtClean="0">
-              <a:solidFill>
-                <a:schemeClr val="bg1"/>
-              </a:solidFill>
-              <a:latin typeface="微软雅黑" panose="020B0503020204020204" pitchFamily="34" charset="-122"/>
-              <a:ea typeface="微软雅黑" panose="020B0503020204020204" pitchFamily="34" charset="-122"/>
-              <a:cs typeface="+mn-cs"/>
-              <a:sym typeface="+mn-ea"/>
-            </a:endParaRPr>
-          </a:p>
-        </p:txBody>
-      </p:sp>
-      <p:sp>
-        <p:nvSpPr>
-          <p:cNvPr id="7" name="TextBox 7"/>
-          <p:cNvSpPr txBox="1"/>
-          <p:nvPr/>
-        </p:nvSpPr>
-        <p:spPr>
-          <a:xfrm>
-            <a:off x="2243138" y="4169410"/>
-            <a:ext cx="1059180" cy="398780"/>
-          </a:xfrm>
-          <a:prstGeom prst="rect">
-            <a:avLst/>
-          </a:prstGeom>
-          <a:noFill/>
-        </p:spPr>
-        <p:txBody>
-          <a:bodyPr wrap="none" rtlCol="0">
-            <a:spAutoFit/>
-          </a:bodyPr>
-          <a:lstStyle/>
-          <a:p>
-            <a:pPr marR="0" algn="l" defTabSz="914400" rtl="0" fontAlgn="auto">
-              <a:spcBef>
-                <a:spcPts val="0"/>
-              </a:spcBef>
-              <a:spcAft>
-                <a:spcPts val="0"/>
-              </a:spcAft>
-              <a:buClrTx/>
-              <a:buSzTx/>
-              <a:buFontTx/>
-              <a:buNone/>
-              <a:defRPr/>
-            </a:pPr>
-            <a:r>
-              <a:rPr kumimoji="0" lang="zh-CN" altLang="en-US" sz="2000" b="1" kern="1200" cap="none" spc="300" normalizeH="0" baseline="0" noProof="0" dirty="0" smtClean="0">
-                <a:solidFill>
-                  <a:schemeClr val="bg1"/>
-                </a:solidFill>
-                <a:latin typeface="微软雅黑" panose="020B0503020204020204" pitchFamily="34" charset="-122"/>
-                <a:ea typeface="微软雅黑" panose="020B0503020204020204" pitchFamily="34" charset="-122"/>
-                <a:cs typeface="+mn-cs"/>
-              </a:rPr>
               <a:t>第五章 </a:t>
             </a:r>
-            <a:endParaRPr kumimoji="0" lang="zh-CN" altLang="en-US" sz="2000" b="1" kern="1200" cap="none" spc="300" normalizeH="0" baseline="0" noProof="0" dirty="0" smtClean="0">
-              <a:solidFill>
-                <a:schemeClr val="bg1"/>
-              </a:solidFill>
-              <a:latin typeface="微软雅黑" panose="020B0503020204020204" pitchFamily="34" charset="-122"/>
-              <a:ea typeface="微软雅黑" panose="020B0503020204020204" pitchFamily="34" charset="-122"/>
-              <a:cs typeface="+mn-cs"/>
-            </a:endParaRPr>
           </a:p>
         </p:txBody>
       </p:sp>
@@ -4880,7 +6751,7 @@
           <p:nvPr/>
         </p:nvPicPr>
         <p:blipFill>
-          <a:blip r:embed="rId1" cstate="print"/>
+          <a:blip r:embed="rId2" cstate="print"/>
           <a:stretch>
             <a:fillRect/>
           </a:stretch>
@@ -4908,7 +6779,7 @@
           <p:nvPr/>
         </p:nvPicPr>
         <p:blipFill>
-          <a:blip r:embed="rId2" cstate="print"/>
+          <a:blip r:embed="rId3" cstate="print"/>
           <a:stretch>
             <a:fillRect/>
           </a:stretch>
@@ -4984,6 +6855,13 @@
   <p:clrMapOvr>
     <a:masterClrMapping/>
   </p:clrMapOvr>
+  <p:timing>
+    <p:tnLst>
+      <p:par>
+        <p:cTn id="1" dur="indefinite" restart="never" nodeType="tmRoot"/>
+      </p:par>
+    </p:tnLst>
+  </p:timing>
 </p:sld>
 </file>
 
@@ -5013,7 +6891,7 @@
           <p:nvPr/>
         </p:nvPicPr>
         <p:blipFill>
-          <a:blip r:embed="rId1" cstate="print"/>
+          <a:blip r:embed="rId2" cstate="print"/>
           <a:stretch>
             <a:fillRect/>
           </a:stretch>
@@ -5185,7 +7063,7 @@
           <p:nvPr/>
         </p:nvPicPr>
         <p:blipFill>
-          <a:blip r:embed="rId1" cstate="print"/>
+          <a:blip r:embed="rId2" cstate="print"/>
           <a:stretch>
             <a:fillRect/>
           </a:stretch>
@@ -5213,7 +7091,7 @@
           <p:nvPr/>
         </p:nvPicPr>
         <p:blipFill>
-          <a:blip r:embed="rId2" cstate="print"/>
+          <a:blip r:embed="rId3" cstate="print"/>
           <a:stretch>
             <a:fillRect/>
           </a:stretch>
@@ -5282,6 +7160,127 @@
   <p:clrMapOvr>
     <a:masterClrMapping/>
   </p:clrMapOvr>
+  <p:timing>
+    <p:tnLst>
+      <p:par>
+        <p:cTn id="1" dur="indefinite" restart="never" nodeType="tmRoot">
+          <p:childTnLst>
+            <p:seq concurrent="1" nextAc="seek">
+              <p:cTn id="2" dur="indefinite" nodeType="mainSeq">
+                <p:childTnLst>
+                  <p:par>
+                    <p:cTn id="3" fill="hold">
+                      <p:stCondLst>
+                        <p:cond delay="indefinite"/>
+                      </p:stCondLst>
+                      <p:childTnLst>
+                        <p:par>
+                          <p:cTn id="4" fill="hold">
+                            <p:stCondLst>
+                              <p:cond delay="0"/>
+                            </p:stCondLst>
+                            <p:childTnLst>
+                              <p:par>
+                                <p:cTn id="5" presetID="2" presetClass="entr" presetSubtype="4" fill="hold" nodeType="clickEffect">
+                                  <p:stCondLst>
+                                    <p:cond delay="0"/>
+                                  </p:stCondLst>
+                                  <p:childTnLst>
+                                    <p:set>
+                                      <p:cBhvr>
+                                        <p:cTn id="6" dur="1" fill="hold">
+                                          <p:stCondLst>
+                                            <p:cond delay="0"/>
+                                          </p:stCondLst>
+                                        </p:cTn>
+                                        <p:tgtEl>
+                                          <p:spTgt spid="4"/>
+                                        </p:tgtEl>
+                                        <p:attrNameLst>
+                                          <p:attrName>style.visibility</p:attrName>
+                                        </p:attrNameLst>
+                                      </p:cBhvr>
+                                      <p:to>
+                                        <p:strVal val="visible"/>
+                                      </p:to>
+                                    </p:set>
+                                    <p:anim calcmode="lin" valueType="num">
+                                      <p:cBhvr additive="base">
+                                        <p:cTn id="7" dur="3000" fill="hold"/>
+                                        <p:tgtEl>
+                                          <p:spTgt spid="4"/>
+                                        </p:tgtEl>
+                                        <p:attrNameLst>
+                                          <p:attrName>ppt_x</p:attrName>
+                                        </p:attrNameLst>
+                                      </p:cBhvr>
+                                      <p:tavLst>
+                                        <p:tav tm="0">
+                                          <p:val>
+                                            <p:strVal val="#ppt_x"/>
+                                          </p:val>
+                                        </p:tav>
+                                        <p:tav tm="100000">
+                                          <p:val>
+                                            <p:strVal val="#ppt_x"/>
+                                          </p:val>
+                                        </p:tav>
+                                      </p:tavLst>
+                                    </p:anim>
+                                    <p:anim calcmode="lin" valueType="num">
+                                      <p:cBhvr additive="base">
+                                        <p:cTn id="8" dur="3000" fill="hold"/>
+                                        <p:tgtEl>
+                                          <p:spTgt spid="4"/>
+                                        </p:tgtEl>
+                                        <p:attrNameLst>
+                                          <p:attrName>ppt_y</p:attrName>
+                                        </p:attrNameLst>
+                                      </p:cBhvr>
+                                      <p:tavLst>
+                                        <p:tav tm="0">
+                                          <p:val>
+                                            <p:strVal val="1+#ppt_h/2"/>
+                                          </p:val>
+                                        </p:tav>
+                                        <p:tav tm="100000">
+                                          <p:val>
+                                            <p:strVal val="#ppt_y"/>
+                                          </p:val>
+                                        </p:tav>
+                                      </p:tavLst>
+                                    </p:anim>
+                                  </p:childTnLst>
+                                </p:cTn>
+                              </p:par>
+                            </p:childTnLst>
+                          </p:cTn>
+                        </p:par>
+                      </p:childTnLst>
+                    </p:cTn>
+                  </p:par>
+                </p:childTnLst>
+              </p:cTn>
+              <p:prevCondLst>
+                <p:cond evt="onPrev" delay="0">
+                  <p:tgtEl>
+                    <p:sldTgt/>
+                  </p:tgtEl>
+                </p:cond>
+              </p:prevCondLst>
+              <p:nextCondLst>
+                <p:cond evt="onNext" delay="0">
+                  <p:tgtEl>
+                    <p:sldTgt/>
+                  </p:tgtEl>
+                </p:cond>
+              </p:nextCondLst>
+            </p:seq>
+          </p:childTnLst>
+        </p:cTn>
+      </p:par>
+    </p:tnLst>
+  </p:timing>
 </p:sld>
 </file>
 
@@ -5311,7 +7310,7 @@
           <p:nvPr/>
         </p:nvPicPr>
         <p:blipFill>
-          <a:blip r:embed="rId1" cstate="print"/>
+          <a:blip r:embed="rId2" cstate="print"/>
           <a:stretch>
             <a:fillRect/>
           </a:stretch>
@@ -5339,7 +7338,7 @@
           <p:nvPr/>
         </p:nvPicPr>
         <p:blipFill>
-          <a:blip r:embed="rId2" cstate="print"/>
+          <a:blip r:embed="rId3" cstate="print"/>
           <a:stretch>
             <a:fillRect/>
           </a:stretch>
@@ -5374,6 +7373,7 @@
           <a:bodyPr wrap="square" rtlCol="0" anchor="t">
             <a:spAutoFit/>
           </a:bodyPr>
+          <a:lstStyle/>
           <a:p>
             <a:r>
               <a:rPr lang="zh-CN" altLang="en-US"/>
@@ -5383,7 +7383,6 @@
               <a:rPr lang="en-US" altLang="zh-CN"/>
               <a:t>OR  LinkedBlockingQueue ?</a:t>
             </a:r>
-            <a:endParaRPr lang="en-US" altLang="zh-CN"/>
           </a:p>
         </p:txBody>
       </p:sp>
@@ -5496,7 +7495,7 @@
           <p:nvPr/>
         </p:nvPicPr>
         <p:blipFill>
-          <a:blip r:embed="rId1" cstate="print"/>
+          <a:blip r:embed="rId2" cstate="print"/>
           <a:stretch>
             <a:fillRect/>
           </a:stretch>
@@ -5524,7 +7523,7 @@
           <p:nvPr/>
         </p:nvPicPr>
         <p:blipFill>
-          <a:blip r:embed="rId2" cstate="print"/>
+          <a:blip r:embed="rId3" cstate="print"/>
           <a:stretch>
             <a:fillRect/>
           </a:stretch>
@@ -5559,6 +7558,7 @@
           <a:bodyPr wrap="square" rtlCol="0" anchor="t">
             <a:spAutoFit/>
           </a:bodyPr>
+          <a:lstStyle/>
           <a:p>
             <a:pPr algn="ctr"/>
             <a:r>
@@ -5569,7 +7569,6 @@
               <a:rPr lang="en-US" altLang="zh-CN"/>
               <a:t>?</a:t>
             </a:r>
-            <a:endParaRPr lang="en-US" altLang="zh-CN"/>
           </a:p>
         </p:txBody>
       </p:sp>
@@ -5682,7 +7681,7 @@
           <p:nvPr/>
         </p:nvPicPr>
         <p:blipFill>
-          <a:blip r:embed="rId1" cstate="print"/>
+          <a:blip r:embed="rId2" cstate="print"/>
           <a:stretch>
             <a:fillRect/>
           </a:stretch>
@@ -5710,7 +7709,7 @@
           <p:nvPr/>
         </p:nvPicPr>
         <p:blipFill>
-          <a:blip r:embed="rId2" cstate="print"/>
+          <a:blip r:embed="rId3" cstate="print"/>
           <a:stretch>
             <a:fillRect/>
           </a:stretch>
@@ -6072,9 +8071,11 @@
       </a:bgFillStyleLst>
     </a:fmtScheme>
   </a:themeElements>
+  <a:objectDefaults/>
+  <a:extraClrSchemeLst/>
   <a:extLst>
     <a:ext uri="{05A4C25C-085E-4340-85A3-A5531E510DB2}">
-      <thm15:themeFamily xmlns:thm15="http://schemas.microsoft.com/office/thememl/2012/main" name="Office Theme" id="{62F939B6-93AF-4DB8-9C6B-D6C7DFDC589F}" vid="{4A3C46E8-61CC-4603-A589-7422A47A8E4A}"/>
+      <thm15:themeFamily xmlns:thm15="http://schemas.microsoft.com/office/thememl/2012/main" xmlns="" name="Office Theme" id="{62F939B6-93AF-4DB8-9C6B-D6C7DFDC589F}" vid="{4A3C46E8-61CC-4603-A589-7422A47A8E4A}"/>
     </a:ext>
   </a:extLst>
 </a:theme>
